--- a/Presentation-Tobi.pptx
+++ b/Presentation-Tobi.pptx
@@ -1,28 +1,406 @@
 
 <file path=ppt/presentation.xml><?xml version="1.0" encoding="utf-8"?>
-<p:presentation xmlns:a="http://schemas.openxmlformats.org/drawingml/2006/main" xmlns:p="http://schemas.openxmlformats.org/presentationml/2006/main" xmlns:r="http://schemas.openxmlformats.org/officeDocument/2006/relationships">
+<p:presentation xmlns:a="http://schemas.openxmlformats.org/drawingml/2006/main" xmlns:r="http://schemas.openxmlformats.org/officeDocument/2006/relationships" xmlns:p="http://schemas.openxmlformats.org/presentationml/2006/main">
   <p:sldMasterIdLst>
-    <p:sldMasterId id="2147483648" r:id="rId2"/>
-    <p:sldMasterId id="2147483661" r:id="rId3"/>
-    <p:sldMasterId id="2147483674" r:id="rId4"/>
+    <p:sldMasterId id="2147483648" r:id="rId1"/>
+    <p:sldMasterId id="2147483661" r:id="rId2"/>
+    <p:sldMasterId id="2147483674" r:id="rId3"/>
   </p:sldMasterIdLst>
   <p:notesMasterIdLst>
-    <p:notesMasterId r:id="rId5"/>
+    <p:notesMasterId r:id="rId10"/>
   </p:notesMasterIdLst>
   <p:sldIdLst>
-    <p:sldId id="256" r:id="rId6"/>
-    <p:sldId id="257" r:id="rId7"/>
-    <p:sldId id="258" r:id="rId8"/>
-    <p:sldId id="259" r:id="rId9"/>
-    <p:sldId id="260" r:id="rId10"/>
+    <p:sldId id="256" r:id="rId4"/>
+    <p:sldId id="261" r:id="rId5"/>
+    <p:sldId id="257" r:id="rId6"/>
+    <p:sldId id="258" r:id="rId7"/>
+    <p:sldId id="259" r:id="rId8"/>
+    <p:sldId id="260" r:id="rId9"/>
   </p:sldIdLst>
-  <p:sldSz cx="9144000" cy="6858000"/>
-  <p:notesSz cx="7559675" cy="10691812"/>
+  <p:sldSz cx="9144000" cy="6858000" type="screen4x3"/>
+  <p:notesSz cx="7559675" cy="10691813"/>
+  <p:defaultTextStyle>
+    <a:defPPr>
+      <a:defRPr lang="en-US"/>
+    </a:defPPr>
+    <a:lvl1pPr marL="0" algn="l" defTabSz="457200" rtl="0" eaLnBrk="1" latinLnBrk="0" hangingPunct="1">
+      <a:defRPr sz="1800" kern="1200">
+        <a:solidFill>
+          <a:schemeClr val="tx1"/>
+        </a:solidFill>
+        <a:latin typeface="+mn-lt"/>
+        <a:ea typeface="+mn-ea"/>
+        <a:cs typeface="+mn-cs"/>
+      </a:defRPr>
+    </a:lvl1pPr>
+    <a:lvl2pPr marL="457200" algn="l" defTabSz="457200" rtl="0" eaLnBrk="1" latinLnBrk="0" hangingPunct="1">
+      <a:defRPr sz="1800" kern="1200">
+        <a:solidFill>
+          <a:schemeClr val="tx1"/>
+        </a:solidFill>
+        <a:latin typeface="+mn-lt"/>
+        <a:ea typeface="+mn-ea"/>
+        <a:cs typeface="+mn-cs"/>
+      </a:defRPr>
+    </a:lvl2pPr>
+    <a:lvl3pPr marL="914400" algn="l" defTabSz="457200" rtl="0" eaLnBrk="1" latinLnBrk="0" hangingPunct="1">
+      <a:defRPr sz="1800" kern="1200">
+        <a:solidFill>
+          <a:schemeClr val="tx1"/>
+        </a:solidFill>
+        <a:latin typeface="+mn-lt"/>
+        <a:ea typeface="+mn-ea"/>
+        <a:cs typeface="+mn-cs"/>
+      </a:defRPr>
+    </a:lvl3pPr>
+    <a:lvl4pPr marL="1371600" algn="l" defTabSz="457200" rtl="0" eaLnBrk="1" latinLnBrk="0" hangingPunct="1">
+      <a:defRPr sz="1800" kern="1200">
+        <a:solidFill>
+          <a:schemeClr val="tx1"/>
+        </a:solidFill>
+        <a:latin typeface="+mn-lt"/>
+        <a:ea typeface="+mn-ea"/>
+        <a:cs typeface="+mn-cs"/>
+      </a:defRPr>
+    </a:lvl4pPr>
+    <a:lvl5pPr marL="1828800" algn="l" defTabSz="457200" rtl="0" eaLnBrk="1" latinLnBrk="0" hangingPunct="1">
+      <a:defRPr sz="1800" kern="1200">
+        <a:solidFill>
+          <a:schemeClr val="tx1"/>
+        </a:solidFill>
+        <a:latin typeface="+mn-lt"/>
+        <a:ea typeface="+mn-ea"/>
+        <a:cs typeface="+mn-cs"/>
+      </a:defRPr>
+    </a:lvl5pPr>
+    <a:lvl6pPr marL="2286000" algn="l" defTabSz="457200" rtl="0" eaLnBrk="1" latinLnBrk="0" hangingPunct="1">
+      <a:defRPr sz="1800" kern="1200">
+        <a:solidFill>
+          <a:schemeClr val="tx1"/>
+        </a:solidFill>
+        <a:latin typeface="+mn-lt"/>
+        <a:ea typeface="+mn-ea"/>
+        <a:cs typeface="+mn-cs"/>
+      </a:defRPr>
+    </a:lvl6pPr>
+    <a:lvl7pPr marL="2743200" algn="l" defTabSz="457200" rtl="0" eaLnBrk="1" latinLnBrk="0" hangingPunct="1">
+      <a:defRPr sz="1800" kern="1200">
+        <a:solidFill>
+          <a:schemeClr val="tx1"/>
+        </a:solidFill>
+        <a:latin typeface="+mn-lt"/>
+        <a:ea typeface="+mn-ea"/>
+        <a:cs typeface="+mn-cs"/>
+      </a:defRPr>
+    </a:lvl7pPr>
+    <a:lvl8pPr marL="3200400" algn="l" defTabSz="457200" rtl="0" eaLnBrk="1" latinLnBrk="0" hangingPunct="1">
+      <a:defRPr sz="1800" kern="1200">
+        <a:solidFill>
+          <a:schemeClr val="tx1"/>
+        </a:solidFill>
+        <a:latin typeface="+mn-lt"/>
+        <a:ea typeface="+mn-ea"/>
+        <a:cs typeface="+mn-cs"/>
+      </a:defRPr>
+    </a:lvl8pPr>
+    <a:lvl9pPr marL="3657600" algn="l" defTabSz="457200" rtl="0" eaLnBrk="1" latinLnBrk="0" hangingPunct="1">
+      <a:defRPr sz="1800" kern="1200">
+        <a:solidFill>
+          <a:schemeClr val="tx1"/>
+        </a:solidFill>
+        <a:latin typeface="+mn-lt"/>
+        <a:ea typeface="+mn-ea"/>
+        <a:cs typeface="+mn-cs"/>
+      </a:defRPr>
+    </a:lvl9pPr>
+  </p:defaultTextStyle>
 </p:presentation>
 </file>
 
 <file path=ppt/notesMasters/notesMaster1.xml><?xml version="1.0" encoding="utf-8"?>
-<p:notesMaster xmlns:a="http://schemas.openxmlformats.org/drawingml/2006/main" xmlns:p="http://schemas.openxmlformats.org/presentationml/2006/main" xmlns:r="http://schemas.openxmlformats.org/officeDocument/2006/relationships">
+<p:notesMaster xmlns:a="http://schemas.openxmlformats.org/drawingml/2006/main" xmlns:r="http://schemas.openxmlformats.org/officeDocument/2006/relationships" xmlns:p="http://schemas.openxmlformats.org/presentationml/2006/main">
+  <p:cSld>
+    <p:bg>
+      <p:bgRef idx="1001">
+        <a:schemeClr val="bg1"/>
+      </p:bgRef>
+    </p:bg>
+    <p:spTree>
+      <p:nvGrpSpPr>
+        <p:cNvPr id="1" name=""/>
+        <p:cNvGrpSpPr/>
+        <p:nvPr/>
+      </p:nvGrpSpPr>
+      <p:grpSpPr>
+        <a:xfrm>
+          <a:off x="0" y="0"/>
+          <a:ext cx="0" cy="0"/>
+          <a:chOff x="0" y="0"/>
+          <a:chExt cx="0" cy="0"/>
+        </a:xfrm>
+      </p:grpSpPr>
+      <p:sp>
+        <p:nvSpPr>
+          <p:cNvPr id="108" name="PlaceHolder 1"/>
+          <p:cNvSpPr>
+            <a:spLocks noGrp="1"/>
+          </p:cNvSpPr>
+          <p:nvPr>
+            <p:ph type="body"/>
+          </p:nvPr>
+        </p:nvSpPr>
+        <p:spPr>
+          <a:xfrm>
+            <a:off x="756000" y="5078520"/>
+            <a:ext cx="6047640" cy="4811040"/>
+          </a:xfrm>
+          <a:prstGeom prst="rect">
+            <a:avLst/>
+          </a:prstGeom>
+        </p:spPr>
+        <p:txBody>
+          <a:bodyPr wrap="none" lIns="0" tIns="0" rIns="0" bIns="0"/>
+          <a:lstStyle/>
+          <a:p>
+            <a:r>
+              <a:rPr lang="de-DE"/>
+              <a:t>Click to edit the notes format</a:t>
+            </a:r>
+            <a:endParaRPr/>
+          </a:p>
+        </p:txBody>
+      </p:sp>
+      <p:sp>
+        <p:nvSpPr>
+          <p:cNvPr id="109" name="PlaceHolder 2"/>
+          <p:cNvSpPr>
+            <a:spLocks noGrp="1"/>
+          </p:cNvSpPr>
+          <p:nvPr>
+            <p:ph type="hdr"/>
+          </p:nvPr>
+        </p:nvSpPr>
+        <p:spPr>
+          <a:xfrm>
+            <a:off x="0" y="0"/>
+            <a:ext cx="3280680" cy="534240"/>
+          </a:xfrm>
+          <a:prstGeom prst="rect">
+            <a:avLst/>
+          </a:prstGeom>
+        </p:spPr>
+        <p:txBody>
+          <a:bodyPr wrap="none" lIns="0" tIns="0" rIns="0" bIns="0"/>
+          <a:lstStyle/>
+          <a:p>
+            <a:r>
+              <a:rPr lang="de-DE" sz="1400"/>
+              <a:t>&lt;header&gt;</a:t>
+            </a:r>
+            <a:endParaRPr/>
+          </a:p>
+        </p:txBody>
+      </p:sp>
+      <p:sp>
+        <p:nvSpPr>
+          <p:cNvPr id="110" name="PlaceHolder 3"/>
+          <p:cNvSpPr>
+            <a:spLocks noGrp="1"/>
+          </p:cNvSpPr>
+          <p:nvPr>
+            <p:ph type="dt"/>
+          </p:nvPr>
+        </p:nvSpPr>
+        <p:spPr>
+          <a:xfrm>
+            <a:off x="4278960" y="0"/>
+            <a:ext cx="3280680" cy="534240"/>
+          </a:xfrm>
+          <a:prstGeom prst="rect">
+            <a:avLst/>
+          </a:prstGeom>
+        </p:spPr>
+        <p:txBody>
+          <a:bodyPr wrap="none" lIns="0" tIns="0" rIns="0" bIns="0"/>
+          <a:lstStyle/>
+          <a:p>
+            <a:pPr algn="r"/>
+            <a:r>
+              <a:rPr lang="de-DE" sz="1400"/>
+              <a:t>&lt;date/time&gt;</a:t>
+            </a:r>
+            <a:endParaRPr/>
+          </a:p>
+        </p:txBody>
+      </p:sp>
+      <p:sp>
+        <p:nvSpPr>
+          <p:cNvPr id="111" name="PlaceHolder 4"/>
+          <p:cNvSpPr>
+            <a:spLocks noGrp="1"/>
+          </p:cNvSpPr>
+          <p:nvPr>
+            <p:ph type="ftr"/>
+          </p:nvPr>
+        </p:nvSpPr>
+        <p:spPr>
+          <a:xfrm>
+            <a:off x="0" y="10157400"/>
+            <a:ext cx="3280680" cy="534240"/>
+          </a:xfrm>
+          <a:prstGeom prst="rect">
+            <a:avLst/>
+          </a:prstGeom>
+        </p:spPr>
+        <p:txBody>
+          <a:bodyPr wrap="none" lIns="0" tIns="0" rIns="0" bIns="0" anchor="b"/>
+          <a:lstStyle/>
+          <a:p>
+            <a:r>
+              <a:rPr lang="de-DE" sz="1400"/>
+              <a:t>&lt;footer&gt;</a:t>
+            </a:r>
+            <a:endParaRPr/>
+          </a:p>
+        </p:txBody>
+      </p:sp>
+      <p:sp>
+        <p:nvSpPr>
+          <p:cNvPr id="112" name="PlaceHolder 5"/>
+          <p:cNvSpPr>
+            <a:spLocks noGrp="1"/>
+          </p:cNvSpPr>
+          <p:nvPr>
+            <p:ph type="sldNum"/>
+          </p:nvPr>
+        </p:nvSpPr>
+        <p:spPr>
+          <a:xfrm>
+            <a:off x="4278960" y="10157400"/>
+            <a:ext cx="3280680" cy="534240"/>
+          </a:xfrm>
+          <a:prstGeom prst="rect">
+            <a:avLst/>
+          </a:prstGeom>
+        </p:spPr>
+        <p:txBody>
+          <a:bodyPr wrap="none" lIns="0" tIns="0" rIns="0" bIns="0" anchor="b"/>
+          <a:lstStyle/>
+          <a:p>
+            <a:pPr algn="r"/>
+            <a:fld id="{F509EE4A-E898-4835-8A0A-C3ECB28C8382}" type="slidenum">
+              <a:rPr lang="de-DE" sz="1400"/>
+              <a:t>‹#›</a:t>
+            </a:fld>
+            <a:endParaRPr/>
+          </a:p>
+        </p:txBody>
+      </p:sp>
+    </p:spTree>
+    <p:extLst>
+      <p:ext uri="{BB962C8B-B14F-4D97-AF65-F5344CB8AC3E}">
+        <p14:creationId xmlns:p14="http://schemas.microsoft.com/office/powerpoint/2010/main" val="3904183005"/>
+      </p:ext>
+    </p:extLst>
+  </p:cSld>
+  <p:clrMap bg1="lt1" tx1="dk1" bg2="lt2" tx2="dk2" accent1="accent1" accent2="accent2" accent3="accent3" accent4="accent4" accent5="accent5" accent6="accent6" hlink="hlink" folHlink="folHlink"/>
+  <p:notesStyle>
+    <a:lvl1pPr marL="0" algn="l" defTabSz="457200" rtl="0" eaLnBrk="1" latinLnBrk="0" hangingPunct="1">
+      <a:defRPr sz="1200" kern="1200">
+        <a:solidFill>
+          <a:schemeClr val="tx1"/>
+        </a:solidFill>
+        <a:latin typeface="+mn-lt"/>
+        <a:ea typeface="+mn-ea"/>
+        <a:cs typeface="+mn-cs"/>
+      </a:defRPr>
+    </a:lvl1pPr>
+    <a:lvl2pPr marL="457200" algn="l" defTabSz="457200" rtl="0" eaLnBrk="1" latinLnBrk="0" hangingPunct="1">
+      <a:defRPr sz="1200" kern="1200">
+        <a:solidFill>
+          <a:schemeClr val="tx1"/>
+        </a:solidFill>
+        <a:latin typeface="+mn-lt"/>
+        <a:ea typeface="+mn-ea"/>
+        <a:cs typeface="+mn-cs"/>
+      </a:defRPr>
+    </a:lvl2pPr>
+    <a:lvl3pPr marL="914400" algn="l" defTabSz="457200" rtl="0" eaLnBrk="1" latinLnBrk="0" hangingPunct="1">
+      <a:defRPr sz="1200" kern="1200">
+        <a:solidFill>
+          <a:schemeClr val="tx1"/>
+        </a:solidFill>
+        <a:latin typeface="+mn-lt"/>
+        <a:ea typeface="+mn-ea"/>
+        <a:cs typeface="+mn-cs"/>
+      </a:defRPr>
+    </a:lvl3pPr>
+    <a:lvl4pPr marL="1371600" algn="l" defTabSz="457200" rtl="0" eaLnBrk="1" latinLnBrk="0" hangingPunct="1">
+      <a:defRPr sz="1200" kern="1200">
+        <a:solidFill>
+          <a:schemeClr val="tx1"/>
+        </a:solidFill>
+        <a:latin typeface="+mn-lt"/>
+        <a:ea typeface="+mn-ea"/>
+        <a:cs typeface="+mn-cs"/>
+      </a:defRPr>
+    </a:lvl4pPr>
+    <a:lvl5pPr marL="1828800" algn="l" defTabSz="457200" rtl="0" eaLnBrk="1" latinLnBrk="0" hangingPunct="1">
+      <a:defRPr sz="1200" kern="1200">
+        <a:solidFill>
+          <a:schemeClr val="tx1"/>
+        </a:solidFill>
+        <a:latin typeface="+mn-lt"/>
+        <a:ea typeface="+mn-ea"/>
+        <a:cs typeface="+mn-cs"/>
+      </a:defRPr>
+    </a:lvl5pPr>
+    <a:lvl6pPr marL="2286000" algn="l" defTabSz="457200" rtl="0" eaLnBrk="1" latinLnBrk="0" hangingPunct="1">
+      <a:defRPr sz="1200" kern="1200">
+        <a:solidFill>
+          <a:schemeClr val="tx1"/>
+        </a:solidFill>
+        <a:latin typeface="+mn-lt"/>
+        <a:ea typeface="+mn-ea"/>
+        <a:cs typeface="+mn-cs"/>
+      </a:defRPr>
+    </a:lvl6pPr>
+    <a:lvl7pPr marL="2743200" algn="l" defTabSz="457200" rtl="0" eaLnBrk="1" latinLnBrk="0" hangingPunct="1">
+      <a:defRPr sz="1200" kern="1200">
+        <a:solidFill>
+          <a:schemeClr val="tx1"/>
+        </a:solidFill>
+        <a:latin typeface="+mn-lt"/>
+        <a:ea typeface="+mn-ea"/>
+        <a:cs typeface="+mn-cs"/>
+      </a:defRPr>
+    </a:lvl7pPr>
+    <a:lvl8pPr marL="3200400" algn="l" defTabSz="457200" rtl="0" eaLnBrk="1" latinLnBrk="0" hangingPunct="1">
+      <a:defRPr sz="1200" kern="1200">
+        <a:solidFill>
+          <a:schemeClr val="tx1"/>
+        </a:solidFill>
+        <a:latin typeface="+mn-lt"/>
+        <a:ea typeface="+mn-ea"/>
+        <a:cs typeface="+mn-cs"/>
+      </a:defRPr>
+    </a:lvl8pPr>
+    <a:lvl9pPr marL="3657600" algn="l" defTabSz="457200" rtl="0" eaLnBrk="1" latinLnBrk="0" hangingPunct="1">
+      <a:defRPr sz="1200" kern="1200">
+        <a:solidFill>
+          <a:schemeClr val="tx1"/>
+        </a:solidFill>
+        <a:latin typeface="+mn-lt"/>
+        <a:ea typeface="+mn-ea"/>
+        <a:cs typeface="+mn-cs"/>
+      </a:defRPr>
+    </a:lvl9pPr>
+  </p:notesStyle>
+</p:notesMaster>
+</file>
+
+<file path=ppt/notesSlides/notesSlide1.xml><?xml version="1.0" encoding="utf-8"?>
+<p:notes xmlns:a="http://schemas.openxmlformats.org/drawingml/2006/main" xmlns:r="http://schemas.openxmlformats.org/officeDocument/2006/relationships" xmlns:p="http://schemas.openxmlformats.org/presentationml/2006/main">
   <p:cSld>
     <p:spTree>
       <p:nvGrpSpPr>
@@ -40,181 +418,6 @@
       </p:grpSpPr>
       <p:sp>
         <p:nvSpPr>
-          <p:cNvPr id="108" name="PlaceHolder 1"/>
-          <p:cNvSpPr>
-            <a:spLocks noGrp="1"/>
-          </p:cNvSpPr>
-          <p:nvPr>
-            <p:ph type="body"/>
-          </p:nvPr>
-        </p:nvSpPr>
-        <p:spPr>
-          <a:xfrm>
-            <a:off x="756000" y="5078520"/>
-            <a:ext cx="6047640" cy="4811040"/>
-          </a:xfrm>
-          <a:prstGeom prst="rect">
-            <a:avLst/>
-          </a:prstGeom>
-        </p:spPr>
-        <p:txBody>
-          <a:bodyPr bIns="0" lIns="0" rIns="0" tIns="0" wrap="none"/>
-          <a:p>
-            <a:r>
-              <a:rPr lang="de-DE"/>
-              <a:t>Click to edit the notes format</a:t>
-            </a:r>
-            <a:endParaRPr/>
-          </a:p>
-        </p:txBody>
-      </p:sp>
-      <p:sp>
-        <p:nvSpPr>
-          <p:cNvPr id="109" name="PlaceHolder 2"/>
-          <p:cNvSpPr>
-            <a:spLocks noGrp="1"/>
-          </p:cNvSpPr>
-          <p:nvPr>
-            <p:ph type="hdr"/>
-          </p:nvPr>
-        </p:nvSpPr>
-        <p:spPr>
-          <a:xfrm>
-            <a:off x="0" y="0"/>
-            <a:ext cx="3280680" cy="534240"/>
-          </a:xfrm>
-          <a:prstGeom prst="rect">
-            <a:avLst/>
-          </a:prstGeom>
-        </p:spPr>
-        <p:txBody>
-          <a:bodyPr bIns="0" lIns="0" rIns="0" tIns="0" wrap="none"/>
-          <a:p>
-            <a:r>
-              <a:rPr lang="de-DE" sz="1400"/>
-              <a:t>&lt;header&gt;</a:t>
-            </a:r>
-            <a:endParaRPr/>
-          </a:p>
-        </p:txBody>
-      </p:sp>
-      <p:sp>
-        <p:nvSpPr>
-          <p:cNvPr id="110" name="PlaceHolder 3"/>
-          <p:cNvSpPr>
-            <a:spLocks noGrp="1"/>
-          </p:cNvSpPr>
-          <p:nvPr>
-            <p:ph type="dt"/>
-          </p:nvPr>
-        </p:nvSpPr>
-        <p:spPr>
-          <a:xfrm>
-            <a:off x="4278960" y="0"/>
-            <a:ext cx="3280680" cy="534240"/>
-          </a:xfrm>
-          <a:prstGeom prst="rect">
-            <a:avLst/>
-          </a:prstGeom>
-        </p:spPr>
-        <p:txBody>
-          <a:bodyPr bIns="0" lIns="0" rIns="0" tIns="0" wrap="none"/>
-          <a:p>
-            <a:pPr algn="r"/>
-            <a:r>
-              <a:rPr lang="de-DE" sz="1400"/>
-              <a:t>&lt;date/time&gt;</a:t>
-            </a:r>
-            <a:endParaRPr/>
-          </a:p>
-        </p:txBody>
-      </p:sp>
-      <p:sp>
-        <p:nvSpPr>
-          <p:cNvPr id="111" name="PlaceHolder 4"/>
-          <p:cNvSpPr>
-            <a:spLocks noGrp="1"/>
-          </p:cNvSpPr>
-          <p:nvPr>
-            <p:ph type="ftr"/>
-          </p:nvPr>
-        </p:nvSpPr>
-        <p:spPr>
-          <a:xfrm>
-            <a:off x="0" y="10157400"/>
-            <a:ext cx="3280680" cy="534240"/>
-          </a:xfrm>
-          <a:prstGeom prst="rect">
-            <a:avLst/>
-          </a:prstGeom>
-        </p:spPr>
-        <p:txBody>
-          <a:bodyPr anchor="b" bIns="0" lIns="0" rIns="0" tIns="0" wrap="none"/>
-          <a:p>
-            <a:r>
-              <a:rPr lang="de-DE" sz="1400"/>
-              <a:t>&lt;footer&gt;</a:t>
-            </a:r>
-            <a:endParaRPr/>
-          </a:p>
-        </p:txBody>
-      </p:sp>
-      <p:sp>
-        <p:nvSpPr>
-          <p:cNvPr id="112" name="PlaceHolder 5"/>
-          <p:cNvSpPr>
-            <a:spLocks noGrp="1"/>
-          </p:cNvSpPr>
-          <p:nvPr>
-            <p:ph type="sldNum"/>
-          </p:nvPr>
-        </p:nvSpPr>
-        <p:spPr>
-          <a:xfrm>
-            <a:off x="4278960" y="10157400"/>
-            <a:ext cx="3280680" cy="534240"/>
-          </a:xfrm>
-          <a:prstGeom prst="rect">
-            <a:avLst/>
-          </a:prstGeom>
-        </p:spPr>
-        <p:txBody>
-          <a:bodyPr anchor="b" bIns="0" lIns="0" rIns="0" tIns="0" wrap="none"/>
-          <a:p>
-            <a:pPr algn="r"/>
-            <a:fld id="{F509EE4A-E898-4835-8A0A-C3ECB28C8382}" type="slidenum">
-              <a:rPr lang="de-DE" sz="1400"/>
-              <a:t>&lt;number&gt;</a:t>
-            </a:fld>
-            <a:endParaRPr/>
-          </a:p>
-        </p:txBody>
-      </p:sp>
-    </p:spTree>
-  </p:cSld>
-  <p:clrMap accent1="accent1" accent2="accent2" accent3="accent3" accent4="accent4" accent5="accent5" accent6="accent6" bg1="lt1" bg2="lt2" folHlink="folHlink" hlink="hlink" tx1="dk1" tx2="dk2"/>
-</p:notesMaster>
-</file>
-
-<file path=ppt/notesSlides/notesSlide4.xml><?xml version="1.0" encoding="utf-8"?>
-<p:notes xmlns:a="http://schemas.openxmlformats.org/drawingml/2006/main" xmlns:p="http://schemas.openxmlformats.org/presentationml/2006/main" xmlns:r="http://schemas.openxmlformats.org/officeDocument/2006/relationships">
-  <p:cSld>
-    <p:spTree>
-      <p:nvGrpSpPr>
-        <p:cNvPr id="1" name=""/>
-        <p:cNvGrpSpPr/>
-        <p:nvPr/>
-      </p:nvGrpSpPr>
-      <p:grpSpPr>
-        <a:xfrm>
-          <a:off x="0" y="0"/>
-          <a:ext cx="0" cy="0"/>
-          <a:chOff x="0" y="0"/>
-          <a:chExt cx="0" cy="0"/>
-        </a:xfrm>
-      </p:grpSpPr>
-      <p:sp>
-        <p:nvSpPr>
           <p:cNvPr id="146" name="PlaceHolder 1"/>
           <p:cNvSpPr>
             <a:spLocks noGrp="1"/>
@@ -233,7 +436,8 @@
           </a:prstGeom>
         </p:spPr>
         <p:txBody>
-          <a:bodyPr bIns="0" lIns="0" rIns="0" tIns="0" wrap="none"/>
+          <a:bodyPr wrap="none" lIns="0" tIns="0" rIns="0" bIns="0"/>
+          <a:lstStyle/>
           <a:p>
             <a:r>
               <a:rPr lang="de-DE"/>
@@ -245,11 +449,14 @@
       </p:sp>
     </p:spTree>
   </p:cSld>
+  <p:clrMapOvr>
+    <a:masterClrMapping/>
+  </p:clrMapOvr>
 </p:notes>
 </file>
 
 <file path=ppt/slideLayouts/slideLayout1.xml><?xml version="1.0" encoding="utf-8"?>
-<p:sldLayout xmlns:a="http://schemas.openxmlformats.org/drawingml/2006/main" xmlns:p="http://schemas.openxmlformats.org/presentationml/2006/main" xmlns:r="http://schemas.openxmlformats.org/officeDocument/2006/relationships" preserve="1" type="blank">
+<p:sldLayout xmlns:a="http://schemas.openxmlformats.org/drawingml/2006/main" xmlns:r="http://schemas.openxmlformats.org/officeDocument/2006/relationships" xmlns:p="http://schemas.openxmlformats.org/presentationml/2006/main" type="blank" preserve="1">
   <p:cSld name="Blank Slide">
     <p:spTree>
       <p:nvGrpSpPr>
@@ -267,11 +474,14 @@
       </p:grpSpPr>
     </p:spTree>
   </p:cSld>
+  <p:clrMapOvr>
+    <a:masterClrMapping/>
+  </p:clrMapOvr>
 </p:sldLayout>
 </file>
 
 <file path=ppt/slideLayouts/slideLayout10.xml><?xml version="1.0" encoding="utf-8"?>
-<p:sldLayout xmlns:a="http://schemas.openxmlformats.org/drawingml/2006/main" xmlns:p="http://schemas.openxmlformats.org/presentationml/2006/main" xmlns:r="http://schemas.openxmlformats.org/officeDocument/2006/relationships" preserve="1" type="objOverTx">
+<p:sldLayout xmlns:a="http://schemas.openxmlformats.org/drawingml/2006/main" xmlns:r="http://schemas.openxmlformats.org/officeDocument/2006/relationships" xmlns:p="http://schemas.openxmlformats.org/presentationml/2006/main" type="objOverTx" preserve="1">
   <p:cSld name="Title, Content over Content">
     <p:spTree>
       <p:nvGrpSpPr>
@@ -307,7 +517,8 @@
           </a:prstGeom>
         </p:spPr>
         <p:txBody>
-          <a:bodyPr anchor="ctr" bIns="0" lIns="0" rIns="0" tIns="0" wrap="none"/>
+          <a:bodyPr wrap="none" lIns="0" tIns="0" rIns="0" bIns="0" anchor="ctr"/>
+          <a:lstStyle/>
           <a:p>
             <a:pPr algn="ctr"/>
             <a:endParaRPr/>
@@ -334,7 +545,8 @@
           </a:prstGeom>
         </p:spPr>
         <p:txBody>
-          <a:bodyPr bIns="0" lIns="0" rIns="0" tIns="0" wrap="none"/>
+          <a:bodyPr wrap="none" lIns="0" tIns="0" rIns="0" bIns="0"/>
+          <a:lstStyle/>
           <a:p>
             <a:endParaRPr/>
           </a:p>
@@ -360,7 +572,8 @@
           </a:prstGeom>
         </p:spPr>
         <p:txBody>
-          <a:bodyPr bIns="0" lIns="0" rIns="0" tIns="0" wrap="none"/>
+          <a:bodyPr wrap="none" lIns="0" tIns="0" rIns="0" bIns="0"/>
+          <a:lstStyle/>
           <a:p>
             <a:endParaRPr/>
           </a:p>
@@ -368,11 +581,14 @@
       </p:sp>
     </p:spTree>
   </p:cSld>
+  <p:clrMapOvr>
+    <a:masterClrMapping/>
+  </p:clrMapOvr>
 </p:sldLayout>
 </file>
 
 <file path=ppt/slideLayouts/slideLayout11.xml><?xml version="1.0" encoding="utf-8"?>
-<p:sldLayout xmlns:a="http://schemas.openxmlformats.org/drawingml/2006/main" xmlns:p="http://schemas.openxmlformats.org/presentationml/2006/main" xmlns:r="http://schemas.openxmlformats.org/officeDocument/2006/relationships" preserve="1" type="fourObj">
+<p:sldLayout xmlns:a="http://schemas.openxmlformats.org/drawingml/2006/main" xmlns:r="http://schemas.openxmlformats.org/officeDocument/2006/relationships" xmlns:p="http://schemas.openxmlformats.org/presentationml/2006/main" type="fourObj" preserve="1">
   <p:cSld name="Title, 4 Content">
     <p:spTree>
       <p:nvGrpSpPr>
@@ -408,7 +624,8 @@
           </a:prstGeom>
         </p:spPr>
         <p:txBody>
-          <a:bodyPr anchor="ctr" bIns="0" lIns="0" rIns="0" tIns="0" wrap="none"/>
+          <a:bodyPr wrap="none" lIns="0" tIns="0" rIns="0" bIns="0" anchor="ctr"/>
+          <a:lstStyle/>
           <a:p>
             <a:pPr algn="ctr"/>
             <a:endParaRPr/>
@@ -435,7 +652,8 @@
           </a:prstGeom>
         </p:spPr>
         <p:txBody>
-          <a:bodyPr bIns="0" lIns="0" rIns="0" tIns="0" wrap="none"/>
+          <a:bodyPr wrap="none" lIns="0" tIns="0" rIns="0" bIns="0"/>
+          <a:lstStyle/>
           <a:p>
             <a:endParaRPr/>
           </a:p>
@@ -461,7 +679,8 @@
           </a:prstGeom>
         </p:spPr>
         <p:txBody>
-          <a:bodyPr bIns="0" lIns="0" rIns="0" tIns="0" wrap="none"/>
+          <a:bodyPr wrap="none" lIns="0" tIns="0" rIns="0" bIns="0"/>
+          <a:lstStyle/>
           <a:p>
             <a:endParaRPr/>
           </a:p>
@@ -487,7 +706,8 @@
           </a:prstGeom>
         </p:spPr>
         <p:txBody>
-          <a:bodyPr bIns="0" lIns="0" rIns="0" tIns="0" wrap="none"/>
+          <a:bodyPr wrap="none" lIns="0" tIns="0" rIns="0" bIns="0"/>
+          <a:lstStyle/>
           <a:p>
             <a:endParaRPr/>
           </a:p>
@@ -513,7 +733,8 @@
           </a:prstGeom>
         </p:spPr>
         <p:txBody>
-          <a:bodyPr bIns="0" lIns="0" rIns="0" tIns="0" wrap="none"/>
+          <a:bodyPr wrap="none" lIns="0" tIns="0" rIns="0" bIns="0"/>
+          <a:lstStyle/>
           <a:p>
             <a:endParaRPr/>
           </a:p>
@@ -521,11 +742,14 @@
       </p:sp>
     </p:spTree>
   </p:cSld>
+  <p:clrMapOvr>
+    <a:masterClrMapping/>
+  </p:clrMapOvr>
 </p:sldLayout>
 </file>
 
 <file path=ppt/slideLayouts/slideLayout12.xml><?xml version="1.0" encoding="utf-8"?>
-<p:sldLayout xmlns:a="http://schemas.openxmlformats.org/drawingml/2006/main" xmlns:p="http://schemas.openxmlformats.org/presentationml/2006/main" xmlns:r="http://schemas.openxmlformats.org/officeDocument/2006/relationships" preserve="1" type="blank">
+<p:sldLayout xmlns:a="http://schemas.openxmlformats.org/drawingml/2006/main" xmlns:r="http://schemas.openxmlformats.org/officeDocument/2006/relationships" xmlns:p="http://schemas.openxmlformats.org/presentationml/2006/main" type="blank" preserve="1">
   <p:cSld name="Title, 6 Content">
     <p:spTree>
       <p:nvGrpSpPr>
@@ -561,7 +785,8 @@
           </a:prstGeom>
         </p:spPr>
         <p:txBody>
-          <a:bodyPr anchor="ctr" bIns="0" lIns="0" rIns="0" tIns="0" wrap="none"/>
+          <a:bodyPr wrap="none" lIns="0" tIns="0" rIns="0" bIns="0" anchor="ctr"/>
+          <a:lstStyle/>
           <a:p>
             <a:pPr algn="ctr"/>
             <a:endParaRPr/>
@@ -588,7 +813,8 @@
           </a:prstGeom>
         </p:spPr>
         <p:txBody>
-          <a:bodyPr bIns="0" lIns="0" rIns="0" tIns="0" wrap="none"/>
+          <a:bodyPr wrap="none" lIns="0" tIns="0" rIns="0" bIns="0"/>
+          <a:lstStyle/>
           <a:p>
             <a:endParaRPr/>
           </a:p>
@@ -614,7 +840,8 @@
           </a:prstGeom>
         </p:spPr>
         <p:txBody>
-          <a:bodyPr bIns="0" lIns="0" rIns="0" tIns="0" wrap="none"/>
+          <a:bodyPr wrap="none" lIns="0" tIns="0" rIns="0" bIns="0"/>
+          <a:lstStyle/>
           <a:p>
             <a:endParaRPr/>
           </a:p>
@@ -622,7 +849,7 @@
       </p:sp>
       <p:pic>
         <p:nvPicPr>
-          <p:cNvPr descr="" id="34" name=""/>
+          <p:cNvPr id="34" name="Picture 33"/>
           <p:cNvPicPr/>
           <p:nvPr/>
         </p:nvPicPr>
@@ -647,12 +874,12 @@
       </p:pic>
       <p:pic>
         <p:nvPicPr>
-          <p:cNvPr descr="" id="35" name=""/>
+          <p:cNvPr id="35" name="Picture 34"/>
           <p:cNvPicPr/>
           <p:nvPr/>
         </p:nvPicPr>
         <p:blipFill>
-          <a:blip r:embed="rId3"/>
+          <a:blip r:embed="rId2"/>
           <a:stretch>
             <a:fillRect/>
           </a:stretch>
@@ -672,11 +899,14 @@
       </p:pic>
     </p:spTree>
   </p:cSld>
+  <p:clrMapOvr>
+    <a:masterClrMapping/>
+  </p:clrMapOvr>
 </p:sldLayout>
 </file>
 
 <file path=ppt/slideLayouts/slideLayout13.xml><?xml version="1.0" encoding="utf-8"?>
-<p:sldLayout xmlns:a="http://schemas.openxmlformats.org/drawingml/2006/main" xmlns:p="http://schemas.openxmlformats.org/presentationml/2006/main" xmlns:r="http://schemas.openxmlformats.org/officeDocument/2006/relationships" preserve="1" type="blank">
+<p:sldLayout xmlns:a="http://schemas.openxmlformats.org/drawingml/2006/main" xmlns:r="http://schemas.openxmlformats.org/officeDocument/2006/relationships" xmlns:p="http://schemas.openxmlformats.org/presentationml/2006/main" type="blank" preserve="1">
   <p:cSld name="Blank Slide">
     <p:spTree>
       <p:nvGrpSpPr>
@@ -694,11 +924,14 @@
       </p:grpSpPr>
     </p:spTree>
   </p:cSld>
+  <p:clrMapOvr>
+    <a:masterClrMapping/>
+  </p:clrMapOvr>
 </p:sldLayout>
 </file>
 
 <file path=ppt/slideLayouts/slideLayout14.xml><?xml version="1.0" encoding="utf-8"?>
-<p:sldLayout xmlns:a="http://schemas.openxmlformats.org/drawingml/2006/main" xmlns:p="http://schemas.openxmlformats.org/presentationml/2006/main" xmlns:r="http://schemas.openxmlformats.org/officeDocument/2006/relationships" preserve="1" type="tx">
+<p:sldLayout xmlns:a="http://schemas.openxmlformats.org/drawingml/2006/main" xmlns:r="http://schemas.openxmlformats.org/officeDocument/2006/relationships" xmlns:p="http://schemas.openxmlformats.org/presentationml/2006/main" type="tx" preserve="1">
   <p:cSld name="Title Slide">
     <p:spTree>
       <p:nvGrpSpPr>
@@ -734,7 +967,8 @@
           </a:prstGeom>
         </p:spPr>
         <p:txBody>
-          <a:bodyPr anchor="ctr" bIns="0" lIns="0" rIns="0" tIns="0" wrap="none"/>
+          <a:bodyPr wrap="none" lIns="0" tIns="0" rIns="0" bIns="0" anchor="ctr"/>
+          <a:lstStyle/>
           <a:p>
             <a:pPr algn="ctr"/>
             <a:endParaRPr/>
@@ -761,7 +995,8 @@
           </a:prstGeom>
         </p:spPr>
         <p:txBody>
-          <a:bodyPr anchor="ctr" bIns="0" lIns="0" rIns="0" tIns="0" wrap="none"/>
+          <a:bodyPr wrap="none" lIns="0" tIns="0" rIns="0" bIns="0" anchor="ctr"/>
+          <a:lstStyle/>
           <a:p>
             <a:pPr algn="ctr"/>
             <a:endParaRPr/>
@@ -770,11 +1005,14 @@
       </p:sp>
     </p:spTree>
   </p:cSld>
+  <p:clrMapOvr>
+    <a:masterClrMapping/>
+  </p:clrMapOvr>
 </p:sldLayout>
 </file>
 
 <file path=ppt/slideLayouts/slideLayout15.xml><?xml version="1.0" encoding="utf-8"?>
-<p:sldLayout xmlns:a="http://schemas.openxmlformats.org/drawingml/2006/main" xmlns:p="http://schemas.openxmlformats.org/presentationml/2006/main" xmlns:r="http://schemas.openxmlformats.org/officeDocument/2006/relationships" preserve="1" type="obj">
+<p:sldLayout xmlns:a="http://schemas.openxmlformats.org/drawingml/2006/main" xmlns:r="http://schemas.openxmlformats.org/officeDocument/2006/relationships" xmlns:p="http://schemas.openxmlformats.org/presentationml/2006/main" type="obj" preserve="1">
   <p:cSld name="Title, Content">
     <p:spTree>
       <p:nvGrpSpPr>
@@ -810,7 +1048,8 @@
           </a:prstGeom>
         </p:spPr>
         <p:txBody>
-          <a:bodyPr anchor="ctr" bIns="0" lIns="0" rIns="0" tIns="0" wrap="none"/>
+          <a:bodyPr wrap="none" lIns="0" tIns="0" rIns="0" bIns="0" anchor="ctr"/>
+          <a:lstStyle/>
           <a:p>
             <a:pPr algn="ctr"/>
             <a:endParaRPr/>
@@ -837,7 +1076,8 @@
           </a:prstGeom>
         </p:spPr>
         <p:txBody>
-          <a:bodyPr bIns="0" lIns="0" rIns="0" tIns="0" wrap="none"/>
+          <a:bodyPr wrap="none" lIns="0" tIns="0" rIns="0" bIns="0"/>
+          <a:lstStyle/>
           <a:p>
             <a:endParaRPr/>
           </a:p>
@@ -845,11 +1085,14 @@
       </p:sp>
     </p:spTree>
   </p:cSld>
+  <p:clrMapOvr>
+    <a:masterClrMapping/>
+  </p:clrMapOvr>
 </p:sldLayout>
 </file>
 
 <file path=ppt/slideLayouts/slideLayout16.xml><?xml version="1.0" encoding="utf-8"?>
-<p:sldLayout xmlns:a="http://schemas.openxmlformats.org/drawingml/2006/main" xmlns:p="http://schemas.openxmlformats.org/presentationml/2006/main" xmlns:r="http://schemas.openxmlformats.org/officeDocument/2006/relationships" preserve="1" type="twoObj">
+<p:sldLayout xmlns:a="http://schemas.openxmlformats.org/drawingml/2006/main" xmlns:r="http://schemas.openxmlformats.org/officeDocument/2006/relationships" xmlns:p="http://schemas.openxmlformats.org/presentationml/2006/main" type="twoObj" preserve="1">
   <p:cSld name="Title, 2 Content">
     <p:spTree>
       <p:nvGrpSpPr>
@@ -885,7 +1128,8 @@
           </a:prstGeom>
         </p:spPr>
         <p:txBody>
-          <a:bodyPr anchor="ctr" bIns="0" lIns="0" rIns="0" tIns="0" wrap="none"/>
+          <a:bodyPr wrap="none" lIns="0" tIns="0" rIns="0" bIns="0" anchor="ctr"/>
+          <a:lstStyle/>
           <a:p>
             <a:pPr algn="ctr"/>
             <a:endParaRPr/>
@@ -912,7 +1156,8 @@
           </a:prstGeom>
         </p:spPr>
         <p:txBody>
-          <a:bodyPr bIns="0" lIns="0" rIns="0" tIns="0" wrap="none"/>
+          <a:bodyPr wrap="none" lIns="0" tIns="0" rIns="0" bIns="0"/>
+          <a:lstStyle/>
           <a:p>
             <a:endParaRPr/>
           </a:p>
@@ -938,7 +1183,8 @@
           </a:prstGeom>
         </p:spPr>
         <p:txBody>
-          <a:bodyPr bIns="0" lIns="0" rIns="0" tIns="0" wrap="none"/>
+          <a:bodyPr wrap="none" lIns="0" tIns="0" rIns="0" bIns="0"/>
+          <a:lstStyle/>
           <a:p>
             <a:endParaRPr/>
           </a:p>
@@ -946,11 +1192,14 @@
       </p:sp>
     </p:spTree>
   </p:cSld>
+  <p:clrMapOvr>
+    <a:masterClrMapping/>
+  </p:clrMapOvr>
 </p:sldLayout>
 </file>
 
 <file path=ppt/slideLayouts/slideLayout17.xml><?xml version="1.0" encoding="utf-8"?>
-<p:sldLayout xmlns:a="http://schemas.openxmlformats.org/drawingml/2006/main" xmlns:p="http://schemas.openxmlformats.org/presentationml/2006/main" xmlns:r="http://schemas.openxmlformats.org/officeDocument/2006/relationships" preserve="1" type="titleOnly">
+<p:sldLayout xmlns:a="http://schemas.openxmlformats.org/drawingml/2006/main" xmlns:r="http://schemas.openxmlformats.org/officeDocument/2006/relationships" xmlns:p="http://schemas.openxmlformats.org/presentationml/2006/main" type="titleOnly" preserve="1">
   <p:cSld name="Title Only">
     <p:spTree>
       <p:nvGrpSpPr>
@@ -986,7 +1235,8 @@
           </a:prstGeom>
         </p:spPr>
         <p:txBody>
-          <a:bodyPr anchor="ctr" bIns="0" lIns="0" rIns="0" tIns="0" wrap="none"/>
+          <a:bodyPr wrap="none" lIns="0" tIns="0" rIns="0" bIns="0" anchor="ctr"/>
+          <a:lstStyle/>
           <a:p>
             <a:pPr algn="ctr"/>
             <a:endParaRPr/>
@@ -995,11 +1245,14 @@
       </p:sp>
     </p:spTree>
   </p:cSld>
+  <p:clrMapOvr>
+    <a:masterClrMapping/>
+  </p:clrMapOvr>
 </p:sldLayout>
 </file>
 
 <file path=ppt/slideLayouts/slideLayout18.xml><?xml version="1.0" encoding="utf-8"?>
-<p:sldLayout xmlns:a="http://schemas.openxmlformats.org/drawingml/2006/main" xmlns:p="http://schemas.openxmlformats.org/presentationml/2006/main" xmlns:r="http://schemas.openxmlformats.org/officeDocument/2006/relationships" preserve="1" type="objOnly">
+<p:sldLayout xmlns:a="http://schemas.openxmlformats.org/drawingml/2006/main" xmlns:r="http://schemas.openxmlformats.org/officeDocument/2006/relationships" xmlns:p="http://schemas.openxmlformats.org/presentationml/2006/main" type="objOnly" preserve="1">
   <p:cSld name="Centered Text">
     <p:spTree>
       <p:nvGrpSpPr>
@@ -1035,7 +1288,8 @@
           </a:prstGeom>
         </p:spPr>
         <p:txBody>
-          <a:bodyPr anchor="ctr" bIns="0" lIns="0" rIns="0" tIns="0" wrap="none"/>
+          <a:bodyPr wrap="none" lIns="0" tIns="0" rIns="0" bIns="0" anchor="ctr"/>
+          <a:lstStyle/>
           <a:p>
             <a:pPr algn="ctr"/>
             <a:endParaRPr/>
@@ -1044,11 +1298,14 @@
       </p:sp>
     </p:spTree>
   </p:cSld>
+  <p:clrMapOvr>
+    <a:masterClrMapping/>
+  </p:clrMapOvr>
 </p:sldLayout>
 </file>
 
 <file path=ppt/slideLayouts/slideLayout19.xml><?xml version="1.0" encoding="utf-8"?>
-<p:sldLayout xmlns:a="http://schemas.openxmlformats.org/drawingml/2006/main" xmlns:p="http://schemas.openxmlformats.org/presentationml/2006/main" xmlns:r="http://schemas.openxmlformats.org/officeDocument/2006/relationships" preserve="1" type="twoObjAndObj">
+<p:sldLayout xmlns:a="http://schemas.openxmlformats.org/drawingml/2006/main" xmlns:r="http://schemas.openxmlformats.org/officeDocument/2006/relationships" xmlns:p="http://schemas.openxmlformats.org/presentationml/2006/main" type="twoObjAndObj" preserve="1">
   <p:cSld name="Title, 2 Content and Content">
     <p:spTree>
       <p:nvGrpSpPr>
@@ -1084,7 +1341,8 @@
           </a:prstGeom>
         </p:spPr>
         <p:txBody>
-          <a:bodyPr anchor="ctr" bIns="0" lIns="0" rIns="0" tIns="0" wrap="none"/>
+          <a:bodyPr wrap="none" lIns="0" tIns="0" rIns="0" bIns="0" anchor="ctr"/>
+          <a:lstStyle/>
           <a:p>
             <a:pPr algn="ctr"/>
             <a:endParaRPr/>
@@ -1111,7 +1369,8 @@
           </a:prstGeom>
         </p:spPr>
         <p:txBody>
-          <a:bodyPr bIns="0" lIns="0" rIns="0" tIns="0" wrap="none"/>
+          <a:bodyPr wrap="none" lIns="0" tIns="0" rIns="0" bIns="0"/>
+          <a:lstStyle/>
           <a:p>
             <a:endParaRPr/>
           </a:p>
@@ -1137,7 +1396,8 @@
           </a:prstGeom>
         </p:spPr>
         <p:txBody>
-          <a:bodyPr bIns="0" lIns="0" rIns="0" tIns="0" wrap="none"/>
+          <a:bodyPr wrap="none" lIns="0" tIns="0" rIns="0" bIns="0"/>
+          <a:lstStyle/>
           <a:p>
             <a:endParaRPr/>
           </a:p>
@@ -1163,7 +1423,8 @@
           </a:prstGeom>
         </p:spPr>
         <p:txBody>
-          <a:bodyPr bIns="0" lIns="0" rIns="0" tIns="0" wrap="none"/>
+          <a:bodyPr wrap="none" lIns="0" tIns="0" rIns="0" bIns="0"/>
+          <a:lstStyle/>
           <a:p>
             <a:endParaRPr/>
           </a:p>
@@ -1171,11 +1432,14 @@
       </p:sp>
     </p:spTree>
   </p:cSld>
+  <p:clrMapOvr>
+    <a:masterClrMapping/>
+  </p:clrMapOvr>
 </p:sldLayout>
 </file>
 
 <file path=ppt/slideLayouts/slideLayout2.xml><?xml version="1.0" encoding="utf-8"?>
-<p:sldLayout xmlns:a="http://schemas.openxmlformats.org/drawingml/2006/main" xmlns:p="http://schemas.openxmlformats.org/presentationml/2006/main" xmlns:r="http://schemas.openxmlformats.org/officeDocument/2006/relationships" preserve="1" type="tx">
+<p:sldLayout xmlns:a="http://schemas.openxmlformats.org/drawingml/2006/main" xmlns:r="http://schemas.openxmlformats.org/officeDocument/2006/relationships" xmlns:p="http://schemas.openxmlformats.org/presentationml/2006/main" type="tx" preserve="1">
   <p:cSld name="Title Slide">
     <p:spTree>
       <p:nvGrpSpPr>
@@ -1211,7 +1475,8 @@
           </a:prstGeom>
         </p:spPr>
         <p:txBody>
-          <a:bodyPr anchor="ctr" bIns="0" lIns="0" rIns="0" tIns="0" wrap="none"/>
+          <a:bodyPr wrap="none" lIns="0" tIns="0" rIns="0" bIns="0" anchor="ctr"/>
+          <a:lstStyle/>
           <a:p>
             <a:pPr algn="ctr"/>
             <a:endParaRPr/>
@@ -1238,7 +1503,8 @@
           </a:prstGeom>
         </p:spPr>
         <p:txBody>
-          <a:bodyPr anchor="ctr" bIns="0" lIns="0" rIns="0" tIns="0" wrap="none"/>
+          <a:bodyPr wrap="none" lIns="0" tIns="0" rIns="0" bIns="0" anchor="ctr"/>
+          <a:lstStyle/>
           <a:p>
             <a:pPr algn="ctr"/>
             <a:endParaRPr/>
@@ -1247,11 +1513,14 @@
       </p:sp>
     </p:spTree>
   </p:cSld>
+  <p:clrMapOvr>
+    <a:masterClrMapping/>
+  </p:clrMapOvr>
 </p:sldLayout>
 </file>
 
 <file path=ppt/slideLayouts/slideLayout20.xml><?xml version="1.0" encoding="utf-8"?>
-<p:sldLayout xmlns:a="http://schemas.openxmlformats.org/drawingml/2006/main" xmlns:p="http://schemas.openxmlformats.org/presentationml/2006/main" xmlns:r="http://schemas.openxmlformats.org/officeDocument/2006/relationships" preserve="1" type="objAndTwoObj">
+<p:sldLayout xmlns:a="http://schemas.openxmlformats.org/drawingml/2006/main" xmlns:r="http://schemas.openxmlformats.org/officeDocument/2006/relationships" xmlns:p="http://schemas.openxmlformats.org/presentationml/2006/main" type="objAndTwoObj" preserve="1">
   <p:cSld name="Title Content and 2 Content">
     <p:spTree>
       <p:nvGrpSpPr>
@@ -1287,7 +1556,8 @@
           </a:prstGeom>
         </p:spPr>
         <p:txBody>
-          <a:bodyPr anchor="ctr" bIns="0" lIns="0" rIns="0" tIns="0" wrap="none"/>
+          <a:bodyPr wrap="none" lIns="0" tIns="0" rIns="0" bIns="0" anchor="ctr"/>
+          <a:lstStyle/>
           <a:p>
             <a:pPr algn="ctr"/>
             <a:endParaRPr/>
@@ -1314,7 +1584,8 @@
           </a:prstGeom>
         </p:spPr>
         <p:txBody>
-          <a:bodyPr bIns="0" lIns="0" rIns="0" tIns="0" wrap="none"/>
+          <a:bodyPr wrap="none" lIns="0" tIns="0" rIns="0" bIns="0"/>
+          <a:lstStyle/>
           <a:p>
             <a:endParaRPr/>
           </a:p>
@@ -1340,7 +1611,8 @@
           </a:prstGeom>
         </p:spPr>
         <p:txBody>
-          <a:bodyPr bIns="0" lIns="0" rIns="0" tIns="0" wrap="none"/>
+          <a:bodyPr wrap="none" lIns="0" tIns="0" rIns="0" bIns="0"/>
+          <a:lstStyle/>
           <a:p>
             <a:endParaRPr/>
           </a:p>
@@ -1366,7 +1638,8 @@
           </a:prstGeom>
         </p:spPr>
         <p:txBody>
-          <a:bodyPr bIns="0" lIns="0" rIns="0" tIns="0" wrap="none"/>
+          <a:bodyPr wrap="none" lIns="0" tIns="0" rIns="0" bIns="0"/>
+          <a:lstStyle/>
           <a:p>
             <a:endParaRPr/>
           </a:p>
@@ -1374,11 +1647,14 @@
       </p:sp>
     </p:spTree>
   </p:cSld>
+  <p:clrMapOvr>
+    <a:masterClrMapping/>
+  </p:clrMapOvr>
 </p:sldLayout>
 </file>
 
 <file path=ppt/slideLayouts/slideLayout21.xml><?xml version="1.0" encoding="utf-8"?>
-<p:sldLayout xmlns:a="http://schemas.openxmlformats.org/drawingml/2006/main" xmlns:p="http://schemas.openxmlformats.org/presentationml/2006/main" xmlns:r="http://schemas.openxmlformats.org/officeDocument/2006/relationships" preserve="1" type="twoObjOverTx">
+<p:sldLayout xmlns:a="http://schemas.openxmlformats.org/drawingml/2006/main" xmlns:r="http://schemas.openxmlformats.org/officeDocument/2006/relationships" xmlns:p="http://schemas.openxmlformats.org/presentationml/2006/main" type="twoObjOverTx" preserve="1">
   <p:cSld name="Title, 2 Content over Content">
     <p:spTree>
       <p:nvGrpSpPr>
@@ -1414,7 +1690,8 @@
           </a:prstGeom>
         </p:spPr>
         <p:txBody>
-          <a:bodyPr anchor="ctr" bIns="0" lIns="0" rIns="0" tIns="0" wrap="none"/>
+          <a:bodyPr wrap="none" lIns="0" tIns="0" rIns="0" bIns="0" anchor="ctr"/>
+          <a:lstStyle/>
           <a:p>
             <a:pPr algn="ctr"/>
             <a:endParaRPr/>
@@ -1441,7 +1718,8 @@
           </a:prstGeom>
         </p:spPr>
         <p:txBody>
-          <a:bodyPr bIns="0" lIns="0" rIns="0" tIns="0" wrap="none"/>
+          <a:bodyPr wrap="none" lIns="0" tIns="0" rIns="0" bIns="0"/>
+          <a:lstStyle/>
           <a:p>
             <a:endParaRPr/>
           </a:p>
@@ -1467,7 +1745,8 @@
           </a:prstGeom>
         </p:spPr>
         <p:txBody>
-          <a:bodyPr bIns="0" lIns="0" rIns="0" tIns="0" wrap="none"/>
+          <a:bodyPr wrap="none" lIns="0" tIns="0" rIns="0" bIns="0"/>
+          <a:lstStyle/>
           <a:p>
             <a:endParaRPr/>
           </a:p>
@@ -1493,7 +1772,8 @@
           </a:prstGeom>
         </p:spPr>
         <p:txBody>
-          <a:bodyPr bIns="0" lIns="0" rIns="0" tIns="0" wrap="none"/>
+          <a:bodyPr wrap="none" lIns="0" tIns="0" rIns="0" bIns="0"/>
+          <a:lstStyle/>
           <a:p>
             <a:endParaRPr/>
           </a:p>
@@ -1501,11 +1781,14 @@
       </p:sp>
     </p:spTree>
   </p:cSld>
+  <p:clrMapOvr>
+    <a:masterClrMapping/>
+  </p:clrMapOvr>
 </p:sldLayout>
 </file>
 
 <file path=ppt/slideLayouts/slideLayout22.xml><?xml version="1.0" encoding="utf-8"?>
-<p:sldLayout xmlns:a="http://schemas.openxmlformats.org/drawingml/2006/main" xmlns:p="http://schemas.openxmlformats.org/presentationml/2006/main" xmlns:r="http://schemas.openxmlformats.org/officeDocument/2006/relationships" preserve="1" type="objOverTx">
+<p:sldLayout xmlns:a="http://schemas.openxmlformats.org/drawingml/2006/main" xmlns:r="http://schemas.openxmlformats.org/officeDocument/2006/relationships" xmlns:p="http://schemas.openxmlformats.org/presentationml/2006/main" type="objOverTx" preserve="1">
   <p:cSld name="Title, Content over Content">
     <p:spTree>
       <p:nvGrpSpPr>
@@ -1541,7 +1824,8 @@
           </a:prstGeom>
         </p:spPr>
         <p:txBody>
-          <a:bodyPr anchor="ctr" bIns="0" lIns="0" rIns="0" tIns="0" wrap="none"/>
+          <a:bodyPr wrap="none" lIns="0" tIns="0" rIns="0" bIns="0" anchor="ctr"/>
+          <a:lstStyle/>
           <a:p>
             <a:pPr algn="ctr"/>
             <a:endParaRPr/>
@@ -1568,7 +1852,8 @@
           </a:prstGeom>
         </p:spPr>
         <p:txBody>
-          <a:bodyPr bIns="0" lIns="0" rIns="0" tIns="0" wrap="none"/>
+          <a:bodyPr wrap="none" lIns="0" tIns="0" rIns="0" bIns="0"/>
+          <a:lstStyle/>
           <a:p>
             <a:endParaRPr/>
           </a:p>
@@ -1594,7 +1879,8 @@
           </a:prstGeom>
         </p:spPr>
         <p:txBody>
-          <a:bodyPr bIns="0" lIns="0" rIns="0" tIns="0" wrap="none"/>
+          <a:bodyPr wrap="none" lIns="0" tIns="0" rIns="0" bIns="0"/>
+          <a:lstStyle/>
           <a:p>
             <a:endParaRPr/>
           </a:p>
@@ -1602,11 +1888,14 @@
       </p:sp>
     </p:spTree>
   </p:cSld>
+  <p:clrMapOvr>
+    <a:masterClrMapping/>
+  </p:clrMapOvr>
 </p:sldLayout>
 </file>
 
 <file path=ppt/slideLayouts/slideLayout23.xml><?xml version="1.0" encoding="utf-8"?>
-<p:sldLayout xmlns:a="http://schemas.openxmlformats.org/drawingml/2006/main" xmlns:p="http://schemas.openxmlformats.org/presentationml/2006/main" xmlns:r="http://schemas.openxmlformats.org/officeDocument/2006/relationships" preserve="1" type="fourObj">
+<p:sldLayout xmlns:a="http://schemas.openxmlformats.org/drawingml/2006/main" xmlns:r="http://schemas.openxmlformats.org/officeDocument/2006/relationships" xmlns:p="http://schemas.openxmlformats.org/presentationml/2006/main" type="fourObj" preserve="1">
   <p:cSld name="Title, 4 Content">
     <p:spTree>
       <p:nvGrpSpPr>
@@ -1642,7 +1931,8 @@
           </a:prstGeom>
         </p:spPr>
         <p:txBody>
-          <a:bodyPr anchor="ctr" bIns="0" lIns="0" rIns="0" tIns="0" wrap="none"/>
+          <a:bodyPr wrap="none" lIns="0" tIns="0" rIns="0" bIns="0" anchor="ctr"/>
+          <a:lstStyle/>
           <a:p>
             <a:pPr algn="ctr"/>
             <a:endParaRPr/>
@@ -1669,7 +1959,8 @@
           </a:prstGeom>
         </p:spPr>
         <p:txBody>
-          <a:bodyPr bIns="0" lIns="0" rIns="0" tIns="0" wrap="none"/>
+          <a:bodyPr wrap="none" lIns="0" tIns="0" rIns="0" bIns="0"/>
+          <a:lstStyle/>
           <a:p>
             <a:endParaRPr/>
           </a:p>
@@ -1695,7 +1986,8 @@
           </a:prstGeom>
         </p:spPr>
         <p:txBody>
-          <a:bodyPr bIns="0" lIns="0" rIns="0" tIns="0" wrap="none"/>
+          <a:bodyPr wrap="none" lIns="0" tIns="0" rIns="0" bIns="0"/>
+          <a:lstStyle/>
           <a:p>
             <a:endParaRPr/>
           </a:p>
@@ -1721,7 +2013,8 @@
           </a:prstGeom>
         </p:spPr>
         <p:txBody>
-          <a:bodyPr bIns="0" lIns="0" rIns="0" tIns="0" wrap="none"/>
+          <a:bodyPr wrap="none" lIns="0" tIns="0" rIns="0" bIns="0"/>
+          <a:lstStyle/>
           <a:p>
             <a:endParaRPr/>
           </a:p>
@@ -1747,7 +2040,8 @@
           </a:prstGeom>
         </p:spPr>
         <p:txBody>
-          <a:bodyPr bIns="0" lIns="0" rIns="0" tIns="0" wrap="none"/>
+          <a:bodyPr wrap="none" lIns="0" tIns="0" rIns="0" bIns="0"/>
+          <a:lstStyle/>
           <a:p>
             <a:endParaRPr/>
           </a:p>
@@ -1755,11 +2049,14 @@
       </p:sp>
     </p:spTree>
   </p:cSld>
+  <p:clrMapOvr>
+    <a:masterClrMapping/>
+  </p:clrMapOvr>
 </p:sldLayout>
 </file>
 
 <file path=ppt/slideLayouts/slideLayout24.xml><?xml version="1.0" encoding="utf-8"?>
-<p:sldLayout xmlns:a="http://schemas.openxmlformats.org/drawingml/2006/main" xmlns:p="http://schemas.openxmlformats.org/presentationml/2006/main" xmlns:r="http://schemas.openxmlformats.org/officeDocument/2006/relationships" preserve="1" type="blank">
+<p:sldLayout xmlns:a="http://schemas.openxmlformats.org/drawingml/2006/main" xmlns:r="http://schemas.openxmlformats.org/officeDocument/2006/relationships" xmlns:p="http://schemas.openxmlformats.org/presentationml/2006/main" type="blank" preserve="1">
   <p:cSld name="Title, 6 Content">
     <p:spTree>
       <p:nvGrpSpPr>
@@ -1795,7 +2092,8 @@
           </a:prstGeom>
         </p:spPr>
         <p:txBody>
-          <a:bodyPr anchor="ctr" bIns="0" lIns="0" rIns="0" tIns="0" wrap="none"/>
+          <a:bodyPr wrap="none" lIns="0" tIns="0" rIns="0" bIns="0" anchor="ctr"/>
+          <a:lstStyle/>
           <a:p>
             <a:pPr algn="ctr"/>
             <a:endParaRPr/>
@@ -1822,7 +2120,8 @@
           </a:prstGeom>
         </p:spPr>
         <p:txBody>
-          <a:bodyPr bIns="0" lIns="0" rIns="0" tIns="0" wrap="none"/>
+          <a:bodyPr wrap="none" lIns="0" tIns="0" rIns="0" bIns="0"/>
+          <a:lstStyle/>
           <a:p>
             <a:endParaRPr/>
           </a:p>
@@ -1848,7 +2147,8 @@
           </a:prstGeom>
         </p:spPr>
         <p:txBody>
-          <a:bodyPr bIns="0" lIns="0" rIns="0" tIns="0" wrap="none"/>
+          <a:bodyPr wrap="none" lIns="0" tIns="0" rIns="0" bIns="0"/>
+          <a:lstStyle/>
           <a:p>
             <a:endParaRPr/>
           </a:p>
@@ -1856,7 +2156,7 @@
       </p:sp>
       <p:pic>
         <p:nvPicPr>
-          <p:cNvPr descr="" id="70" name=""/>
+          <p:cNvPr id="70" name="Picture 69"/>
           <p:cNvPicPr/>
           <p:nvPr/>
         </p:nvPicPr>
@@ -1881,12 +2181,12 @@
       </p:pic>
       <p:pic>
         <p:nvPicPr>
-          <p:cNvPr descr="" id="71" name=""/>
+          <p:cNvPr id="71" name="Picture 70"/>
           <p:cNvPicPr/>
           <p:nvPr/>
         </p:nvPicPr>
         <p:blipFill>
-          <a:blip r:embed="rId3"/>
+          <a:blip r:embed="rId2"/>
           <a:stretch>
             <a:fillRect/>
           </a:stretch>
@@ -1906,11 +2206,14 @@
       </p:pic>
     </p:spTree>
   </p:cSld>
+  <p:clrMapOvr>
+    <a:masterClrMapping/>
+  </p:clrMapOvr>
 </p:sldLayout>
 </file>
 
 <file path=ppt/slideLayouts/slideLayout25.xml><?xml version="1.0" encoding="utf-8"?>
-<p:sldLayout xmlns:a="http://schemas.openxmlformats.org/drawingml/2006/main" xmlns:p="http://schemas.openxmlformats.org/presentationml/2006/main" xmlns:r="http://schemas.openxmlformats.org/officeDocument/2006/relationships" preserve="1" type="blank">
+<p:sldLayout xmlns:a="http://schemas.openxmlformats.org/drawingml/2006/main" xmlns:r="http://schemas.openxmlformats.org/officeDocument/2006/relationships" xmlns:p="http://schemas.openxmlformats.org/presentationml/2006/main" type="blank" preserve="1">
   <p:cSld name="Blank Slide">
     <p:spTree>
       <p:nvGrpSpPr>
@@ -1928,11 +2231,14 @@
       </p:grpSpPr>
     </p:spTree>
   </p:cSld>
+  <p:clrMapOvr>
+    <a:masterClrMapping/>
+  </p:clrMapOvr>
 </p:sldLayout>
 </file>
 
 <file path=ppt/slideLayouts/slideLayout26.xml><?xml version="1.0" encoding="utf-8"?>
-<p:sldLayout xmlns:a="http://schemas.openxmlformats.org/drawingml/2006/main" xmlns:p="http://schemas.openxmlformats.org/presentationml/2006/main" xmlns:r="http://schemas.openxmlformats.org/officeDocument/2006/relationships" preserve="1" type="tx">
+<p:sldLayout xmlns:a="http://schemas.openxmlformats.org/drawingml/2006/main" xmlns:r="http://schemas.openxmlformats.org/officeDocument/2006/relationships" xmlns:p="http://schemas.openxmlformats.org/presentationml/2006/main" type="tx" preserve="1">
   <p:cSld name="Title Slide">
     <p:spTree>
       <p:nvGrpSpPr>
@@ -1968,7 +2274,8 @@
           </a:prstGeom>
         </p:spPr>
         <p:txBody>
-          <a:bodyPr anchor="ctr" bIns="0" lIns="0" rIns="0" tIns="0" wrap="none"/>
+          <a:bodyPr wrap="none" lIns="0" tIns="0" rIns="0" bIns="0" anchor="ctr"/>
+          <a:lstStyle/>
           <a:p>
             <a:pPr algn="ctr"/>
             <a:endParaRPr/>
@@ -1995,7 +2302,8 @@
           </a:prstGeom>
         </p:spPr>
         <p:txBody>
-          <a:bodyPr anchor="ctr" bIns="0" lIns="0" rIns="0" tIns="0" wrap="none"/>
+          <a:bodyPr wrap="none" lIns="0" tIns="0" rIns="0" bIns="0" anchor="ctr"/>
+          <a:lstStyle/>
           <a:p>
             <a:pPr algn="ctr"/>
             <a:endParaRPr/>
@@ -2004,11 +2312,14 @@
       </p:sp>
     </p:spTree>
   </p:cSld>
+  <p:clrMapOvr>
+    <a:masterClrMapping/>
+  </p:clrMapOvr>
 </p:sldLayout>
 </file>
 
 <file path=ppt/slideLayouts/slideLayout27.xml><?xml version="1.0" encoding="utf-8"?>
-<p:sldLayout xmlns:a="http://schemas.openxmlformats.org/drawingml/2006/main" xmlns:p="http://schemas.openxmlformats.org/presentationml/2006/main" xmlns:r="http://schemas.openxmlformats.org/officeDocument/2006/relationships" preserve="1" type="obj">
+<p:sldLayout xmlns:a="http://schemas.openxmlformats.org/drawingml/2006/main" xmlns:r="http://schemas.openxmlformats.org/officeDocument/2006/relationships" xmlns:p="http://schemas.openxmlformats.org/presentationml/2006/main" type="obj" preserve="1">
   <p:cSld name="Title, Content">
     <p:spTree>
       <p:nvGrpSpPr>
@@ -2044,7 +2355,8 @@
           </a:prstGeom>
         </p:spPr>
         <p:txBody>
-          <a:bodyPr anchor="ctr" bIns="0" lIns="0" rIns="0" tIns="0" wrap="none"/>
+          <a:bodyPr wrap="none" lIns="0" tIns="0" rIns="0" bIns="0" anchor="ctr"/>
+          <a:lstStyle/>
           <a:p>
             <a:pPr algn="ctr"/>
             <a:endParaRPr/>
@@ -2071,7 +2383,8 @@
           </a:prstGeom>
         </p:spPr>
         <p:txBody>
-          <a:bodyPr bIns="0" lIns="0" rIns="0" tIns="0" wrap="none"/>
+          <a:bodyPr wrap="none" lIns="0" tIns="0" rIns="0" bIns="0"/>
+          <a:lstStyle/>
           <a:p>
             <a:endParaRPr/>
           </a:p>
@@ -2079,11 +2392,14 @@
       </p:sp>
     </p:spTree>
   </p:cSld>
+  <p:clrMapOvr>
+    <a:masterClrMapping/>
+  </p:clrMapOvr>
 </p:sldLayout>
 </file>
 
 <file path=ppt/slideLayouts/slideLayout28.xml><?xml version="1.0" encoding="utf-8"?>
-<p:sldLayout xmlns:a="http://schemas.openxmlformats.org/drawingml/2006/main" xmlns:p="http://schemas.openxmlformats.org/presentationml/2006/main" xmlns:r="http://schemas.openxmlformats.org/officeDocument/2006/relationships" preserve="1" type="twoObj">
+<p:sldLayout xmlns:a="http://schemas.openxmlformats.org/drawingml/2006/main" xmlns:r="http://schemas.openxmlformats.org/officeDocument/2006/relationships" xmlns:p="http://schemas.openxmlformats.org/presentationml/2006/main" type="twoObj" preserve="1">
   <p:cSld name="Title, 2 Content">
     <p:spTree>
       <p:nvGrpSpPr>
@@ -2119,7 +2435,8 @@
           </a:prstGeom>
         </p:spPr>
         <p:txBody>
-          <a:bodyPr anchor="ctr" bIns="0" lIns="0" rIns="0" tIns="0" wrap="none"/>
+          <a:bodyPr wrap="none" lIns="0" tIns="0" rIns="0" bIns="0" anchor="ctr"/>
+          <a:lstStyle/>
           <a:p>
             <a:pPr algn="ctr"/>
             <a:endParaRPr/>
@@ -2146,7 +2463,8 @@
           </a:prstGeom>
         </p:spPr>
         <p:txBody>
-          <a:bodyPr bIns="0" lIns="0" rIns="0" tIns="0" wrap="none"/>
+          <a:bodyPr wrap="none" lIns="0" tIns="0" rIns="0" bIns="0"/>
+          <a:lstStyle/>
           <a:p>
             <a:endParaRPr/>
           </a:p>
@@ -2172,7 +2490,8 @@
           </a:prstGeom>
         </p:spPr>
         <p:txBody>
-          <a:bodyPr bIns="0" lIns="0" rIns="0" tIns="0" wrap="none"/>
+          <a:bodyPr wrap="none" lIns="0" tIns="0" rIns="0" bIns="0"/>
+          <a:lstStyle/>
           <a:p>
             <a:endParaRPr/>
           </a:p>
@@ -2180,11 +2499,14 @@
       </p:sp>
     </p:spTree>
   </p:cSld>
+  <p:clrMapOvr>
+    <a:masterClrMapping/>
+  </p:clrMapOvr>
 </p:sldLayout>
 </file>
 
 <file path=ppt/slideLayouts/slideLayout29.xml><?xml version="1.0" encoding="utf-8"?>
-<p:sldLayout xmlns:a="http://schemas.openxmlformats.org/drawingml/2006/main" xmlns:p="http://schemas.openxmlformats.org/presentationml/2006/main" xmlns:r="http://schemas.openxmlformats.org/officeDocument/2006/relationships" preserve="1" type="titleOnly">
+<p:sldLayout xmlns:a="http://schemas.openxmlformats.org/drawingml/2006/main" xmlns:r="http://schemas.openxmlformats.org/officeDocument/2006/relationships" xmlns:p="http://schemas.openxmlformats.org/presentationml/2006/main" type="titleOnly" preserve="1">
   <p:cSld name="Title Only">
     <p:spTree>
       <p:nvGrpSpPr>
@@ -2220,7 +2542,8 @@
           </a:prstGeom>
         </p:spPr>
         <p:txBody>
-          <a:bodyPr anchor="ctr" bIns="0" lIns="0" rIns="0" tIns="0" wrap="none"/>
+          <a:bodyPr wrap="none" lIns="0" tIns="0" rIns="0" bIns="0" anchor="ctr"/>
+          <a:lstStyle/>
           <a:p>
             <a:pPr algn="ctr"/>
             <a:endParaRPr/>
@@ -2229,11 +2552,14 @@
       </p:sp>
     </p:spTree>
   </p:cSld>
+  <p:clrMapOvr>
+    <a:masterClrMapping/>
+  </p:clrMapOvr>
 </p:sldLayout>
 </file>
 
 <file path=ppt/slideLayouts/slideLayout3.xml><?xml version="1.0" encoding="utf-8"?>
-<p:sldLayout xmlns:a="http://schemas.openxmlformats.org/drawingml/2006/main" xmlns:p="http://schemas.openxmlformats.org/presentationml/2006/main" xmlns:r="http://schemas.openxmlformats.org/officeDocument/2006/relationships" preserve="1" type="obj">
+<p:sldLayout xmlns:a="http://schemas.openxmlformats.org/drawingml/2006/main" xmlns:r="http://schemas.openxmlformats.org/officeDocument/2006/relationships" xmlns:p="http://schemas.openxmlformats.org/presentationml/2006/main" type="obj" preserve="1">
   <p:cSld name="Title, Content">
     <p:spTree>
       <p:nvGrpSpPr>
@@ -2269,7 +2595,8 @@
           </a:prstGeom>
         </p:spPr>
         <p:txBody>
-          <a:bodyPr anchor="ctr" bIns="0" lIns="0" rIns="0" tIns="0" wrap="none"/>
+          <a:bodyPr wrap="none" lIns="0" tIns="0" rIns="0" bIns="0" anchor="ctr"/>
+          <a:lstStyle/>
           <a:p>
             <a:pPr algn="ctr"/>
             <a:endParaRPr/>
@@ -2296,7 +2623,8 @@
           </a:prstGeom>
         </p:spPr>
         <p:txBody>
-          <a:bodyPr bIns="0" lIns="0" rIns="0" tIns="0" wrap="none"/>
+          <a:bodyPr wrap="none" lIns="0" tIns="0" rIns="0" bIns="0"/>
+          <a:lstStyle/>
           <a:p>
             <a:endParaRPr/>
           </a:p>
@@ -2304,11 +2632,14 @@
       </p:sp>
     </p:spTree>
   </p:cSld>
+  <p:clrMapOvr>
+    <a:masterClrMapping/>
+  </p:clrMapOvr>
 </p:sldLayout>
 </file>
 
 <file path=ppt/slideLayouts/slideLayout30.xml><?xml version="1.0" encoding="utf-8"?>
-<p:sldLayout xmlns:a="http://schemas.openxmlformats.org/drawingml/2006/main" xmlns:p="http://schemas.openxmlformats.org/presentationml/2006/main" xmlns:r="http://schemas.openxmlformats.org/officeDocument/2006/relationships" preserve="1" type="objOnly">
+<p:sldLayout xmlns:a="http://schemas.openxmlformats.org/drawingml/2006/main" xmlns:r="http://schemas.openxmlformats.org/officeDocument/2006/relationships" xmlns:p="http://schemas.openxmlformats.org/presentationml/2006/main" type="objOnly" preserve="1">
   <p:cSld name="Centered Text">
     <p:spTree>
       <p:nvGrpSpPr>
@@ -2344,7 +2675,8 @@
           </a:prstGeom>
         </p:spPr>
         <p:txBody>
-          <a:bodyPr anchor="ctr" bIns="0" lIns="0" rIns="0" tIns="0" wrap="none"/>
+          <a:bodyPr wrap="none" lIns="0" tIns="0" rIns="0" bIns="0" anchor="ctr"/>
+          <a:lstStyle/>
           <a:p>
             <a:pPr algn="ctr"/>
             <a:endParaRPr/>
@@ -2353,11 +2685,14 @@
       </p:sp>
     </p:spTree>
   </p:cSld>
+  <p:clrMapOvr>
+    <a:masterClrMapping/>
+  </p:clrMapOvr>
 </p:sldLayout>
 </file>
 
 <file path=ppt/slideLayouts/slideLayout31.xml><?xml version="1.0" encoding="utf-8"?>
-<p:sldLayout xmlns:a="http://schemas.openxmlformats.org/drawingml/2006/main" xmlns:p="http://schemas.openxmlformats.org/presentationml/2006/main" xmlns:r="http://schemas.openxmlformats.org/officeDocument/2006/relationships" preserve="1" type="twoObjAndObj">
+<p:sldLayout xmlns:a="http://schemas.openxmlformats.org/drawingml/2006/main" xmlns:r="http://schemas.openxmlformats.org/officeDocument/2006/relationships" xmlns:p="http://schemas.openxmlformats.org/presentationml/2006/main" type="twoObjAndObj" preserve="1">
   <p:cSld name="Title, 2 Content and Content">
     <p:spTree>
       <p:nvGrpSpPr>
@@ -2393,7 +2728,8 @@
           </a:prstGeom>
         </p:spPr>
         <p:txBody>
-          <a:bodyPr anchor="ctr" bIns="0" lIns="0" rIns="0" tIns="0" wrap="none"/>
+          <a:bodyPr wrap="none" lIns="0" tIns="0" rIns="0" bIns="0" anchor="ctr"/>
+          <a:lstStyle/>
           <a:p>
             <a:pPr algn="ctr"/>
             <a:endParaRPr/>
@@ -2420,7 +2756,8 @@
           </a:prstGeom>
         </p:spPr>
         <p:txBody>
-          <a:bodyPr bIns="0" lIns="0" rIns="0" tIns="0" wrap="none"/>
+          <a:bodyPr wrap="none" lIns="0" tIns="0" rIns="0" bIns="0"/>
+          <a:lstStyle/>
           <a:p>
             <a:endParaRPr/>
           </a:p>
@@ -2446,7 +2783,8 @@
           </a:prstGeom>
         </p:spPr>
         <p:txBody>
-          <a:bodyPr bIns="0" lIns="0" rIns="0" tIns="0" wrap="none"/>
+          <a:bodyPr wrap="none" lIns="0" tIns="0" rIns="0" bIns="0"/>
+          <a:lstStyle/>
           <a:p>
             <a:endParaRPr/>
           </a:p>
@@ -2472,7 +2810,8 @@
           </a:prstGeom>
         </p:spPr>
         <p:txBody>
-          <a:bodyPr bIns="0" lIns="0" rIns="0" tIns="0" wrap="none"/>
+          <a:bodyPr wrap="none" lIns="0" tIns="0" rIns="0" bIns="0"/>
+          <a:lstStyle/>
           <a:p>
             <a:endParaRPr/>
           </a:p>
@@ -2480,11 +2819,14 @@
       </p:sp>
     </p:spTree>
   </p:cSld>
+  <p:clrMapOvr>
+    <a:masterClrMapping/>
+  </p:clrMapOvr>
 </p:sldLayout>
 </file>
 
 <file path=ppt/slideLayouts/slideLayout32.xml><?xml version="1.0" encoding="utf-8"?>
-<p:sldLayout xmlns:a="http://schemas.openxmlformats.org/drawingml/2006/main" xmlns:p="http://schemas.openxmlformats.org/presentationml/2006/main" xmlns:r="http://schemas.openxmlformats.org/officeDocument/2006/relationships" preserve="1" type="objAndTwoObj">
+<p:sldLayout xmlns:a="http://schemas.openxmlformats.org/drawingml/2006/main" xmlns:r="http://schemas.openxmlformats.org/officeDocument/2006/relationships" xmlns:p="http://schemas.openxmlformats.org/presentationml/2006/main" type="objAndTwoObj" preserve="1">
   <p:cSld name="Title Content and 2 Content">
     <p:spTree>
       <p:nvGrpSpPr>
@@ -2520,7 +2862,8 @@
           </a:prstGeom>
         </p:spPr>
         <p:txBody>
-          <a:bodyPr anchor="ctr" bIns="0" lIns="0" rIns="0" tIns="0" wrap="none"/>
+          <a:bodyPr wrap="none" lIns="0" tIns="0" rIns="0" bIns="0" anchor="ctr"/>
+          <a:lstStyle/>
           <a:p>
             <a:pPr algn="ctr"/>
             <a:endParaRPr/>
@@ -2547,7 +2890,8 @@
           </a:prstGeom>
         </p:spPr>
         <p:txBody>
-          <a:bodyPr bIns="0" lIns="0" rIns="0" tIns="0" wrap="none"/>
+          <a:bodyPr wrap="none" lIns="0" tIns="0" rIns="0" bIns="0"/>
+          <a:lstStyle/>
           <a:p>
             <a:endParaRPr/>
           </a:p>
@@ -2573,7 +2917,8 @@
           </a:prstGeom>
         </p:spPr>
         <p:txBody>
-          <a:bodyPr bIns="0" lIns="0" rIns="0" tIns="0" wrap="none"/>
+          <a:bodyPr wrap="none" lIns="0" tIns="0" rIns="0" bIns="0"/>
+          <a:lstStyle/>
           <a:p>
             <a:endParaRPr/>
           </a:p>
@@ -2599,7 +2944,8 @@
           </a:prstGeom>
         </p:spPr>
         <p:txBody>
-          <a:bodyPr bIns="0" lIns="0" rIns="0" tIns="0" wrap="none"/>
+          <a:bodyPr wrap="none" lIns="0" tIns="0" rIns="0" bIns="0"/>
+          <a:lstStyle/>
           <a:p>
             <a:endParaRPr/>
           </a:p>
@@ -2607,11 +2953,14 @@
       </p:sp>
     </p:spTree>
   </p:cSld>
+  <p:clrMapOvr>
+    <a:masterClrMapping/>
+  </p:clrMapOvr>
 </p:sldLayout>
 </file>
 
 <file path=ppt/slideLayouts/slideLayout33.xml><?xml version="1.0" encoding="utf-8"?>
-<p:sldLayout xmlns:a="http://schemas.openxmlformats.org/drawingml/2006/main" xmlns:p="http://schemas.openxmlformats.org/presentationml/2006/main" xmlns:r="http://schemas.openxmlformats.org/officeDocument/2006/relationships" preserve="1" type="twoObjOverTx">
+<p:sldLayout xmlns:a="http://schemas.openxmlformats.org/drawingml/2006/main" xmlns:r="http://schemas.openxmlformats.org/officeDocument/2006/relationships" xmlns:p="http://schemas.openxmlformats.org/presentationml/2006/main" type="twoObjOverTx" preserve="1">
   <p:cSld name="Title, 2 Content over Content">
     <p:spTree>
       <p:nvGrpSpPr>
@@ -2647,7 +2996,8 @@
           </a:prstGeom>
         </p:spPr>
         <p:txBody>
-          <a:bodyPr anchor="ctr" bIns="0" lIns="0" rIns="0" tIns="0" wrap="none"/>
+          <a:bodyPr wrap="none" lIns="0" tIns="0" rIns="0" bIns="0" anchor="ctr"/>
+          <a:lstStyle/>
           <a:p>
             <a:pPr algn="ctr"/>
             <a:endParaRPr/>
@@ -2674,7 +3024,8 @@
           </a:prstGeom>
         </p:spPr>
         <p:txBody>
-          <a:bodyPr bIns="0" lIns="0" rIns="0" tIns="0" wrap="none"/>
+          <a:bodyPr wrap="none" lIns="0" tIns="0" rIns="0" bIns="0"/>
+          <a:lstStyle/>
           <a:p>
             <a:endParaRPr/>
           </a:p>
@@ -2700,7 +3051,8 @@
           </a:prstGeom>
         </p:spPr>
         <p:txBody>
-          <a:bodyPr bIns="0" lIns="0" rIns="0" tIns="0" wrap="none"/>
+          <a:bodyPr wrap="none" lIns="0" tIns="0" rIns="0" bIns="0"/>
+          <a:lstStyle/>
           <a:p>
             <a:endParaRPr/>
           </a:p>
@@ -2726,7 +3078,8 @@
           </a:prstGeom>
         </p:spPr>
         <p:txBody>
-          <a:bodyPr bIns="0" lIns="0" rIns="0" tIns="0" wrap="none"/>
+          <a:bodyPr wrap="none" lIns="0" tIns="0" rIns="0" bIns="0"/>
+          <a:lstStyle/>
           <a:p>
             <a:endParaRPr/>
           </a:p>
@@ -2734,11 +3087,14 @@
       </p:sp>
     </p:spTree>
   </p:cSld>
+  <p:clrMapOvr>
+    <a:masterClrMapping/>
+  </p:clrMapOvr>
 </p:sldLayout>
 </file>
 
 <file path=ppt/slideLayouts/slideLayout34.xml><?xml version="1.0" encoding="utf-8"?>
-<p:sldLayout xmlns:a="http://schemas.openxmlformats.org/drawingml/2006/main" xmlns:p="http://schemas.openxmlformats.org/presentationml/2006/main" xmlns:r="http://schemas.openxmlformats.org/officeDocument/2006/relationships" preserve="1" type="objOverTx">
+<p:sldLayout xmlns:a="http://schemas.openxmlformats.org/drawingml/2006/main" xmlns:r="http://schemas.openxmlformats.org/officeDocument/2006/relationships" xmlns:p="http://schemas.openxmlformats.org/presentationml/2006/main" type="objOverTx" preserve="1">
   <p:cSld name="Title, Content over Content">
     <p:spTree>
       <p:nvGrpSpPr>
@@ -2774,7 +3130,8 @@
           </a:prstGeom>
         </p:spPr>
         <p:txBody>
-          <a:bodyPr anchor="ctr" bIns="0" lIns="0" rIns="0" tIns="0" wrap="none"/>
+          <a:bodyPr wrap="none" lIns="0" tIns="0" rIns="0" bIns="0" anchor="ctr"/>
+          <a:lstStyle/>
           <a:p>
             <a:pPr algn="ctr"/>
             <a:endParaRPr/>
@@ -2801,7 +3158,8 @@
           </a:prstGeom>
         </p:spPr>
         <p:txBody>
-          <a:bodyPr bIns="0" lIns="0" rIns="0" tIns="0" wrap="none"/>
+          <a:bodyPr wrap="none" lIns="0" tIns="0" rIns="0" bIns="0"/>
+          <a:lstStyle/>
           <a:p>
             <a:endParaRPr/>
           </a:p>
@@ -2827,7 +3185,8 @@
           </a:prstGeom>
         </p:spPr>
         <p:txBody>
-          <a:bodyPr bIns="0" lIns="0" rIns="0" tIns="0" wrap="none"/>
+          <a:bodyPr wrap="none" lIns="0" tIns="0" rIns="0" bIns="0"/>
+          <a:lstStyle/>
           <a:p>
             <a:endParaRPr/>
           </a:p>
@@ -2835,11 +3194,14 @@
       </p:sp>
     </p:spTree>
   </p:cSld>
+  <p:clrMapOvr>
+    <a:masterClrMapping/>
+  </p:clrMapOvr>
 </p:sldLayout>
 </file>
 
 <file path=ppt/slideLayouts/slideLayout35.xml><?xml version="1.0" encoding="utf-8"?>
-<p:sldLayout xmlns:a="http://schemas.openxmlformats.org/drawingml/2006/main" xmlns:p="http://schemas.openxmlformats.org/presentationml/2006/main" xmlns:r="http://schemas.openxmlformats.org/officeDocument/2006/relationships" preserve="1" type="fourObj">
+<p:sldLayout xmlns:a="http://schemas.openxmlformats.org/drawingml/2006/main" xmlns:r="http://schemas.openxmlformats.org/officeDocument/2006/relationships" xmlns:p="http://schemas.openxmlformats.org/presentationml/2006/main" type="fourObj" preserve="1">
   <p:cSld name="Title, 4 Content">
     <p:spTree>
       <p:nvGrpSpPr>
@@ -2875,7 +3237,8 @@
           </a:prstGeom>
         </p:spPr>
         <p:txBody>
-          <a:bodyPr anchor="ctr" bIns="0" lIns="0" rIns="0" tIns="0" wrap="none"/>
+          <a:bodyPr wrap="none" lIns="0" tIns="0" rIns="0" bIns="0" anchor="ctr"/>
+          <a:lstStyle/>
           <a:p>
             <a:pPr algn="ctr"/>
             <a:endParaRPr/>
@@ -2902,7 +3265,8 @@
           </a:prstGeom>
         </p:spPr>
         <p:txBody>
-          <a:bodyPr bIns="0" lIns="0" rIns="0" tIns="0" wrap="none"/>
+          <a:bodyPr wrap="none" lIns="0" tIns="0" rIns="0" bIns="0"/>
+          <a:lstStyle/>
           <a:p>
             <a:endParaRPr/>
           </a:p>
@@ -2928,7 +3292,8 @@
           </a:prstGeom>
         </p:spPr>
         <p:txBody>
-          <a:bodyPr bIns="0" lIns="0" rIns="0" tIns="0" wrap="none"/>
+          <a:bodyPr wrap="none" lIns="0" tIns="0" rIns="0" bIns="0"/>
+          <a:lstStyle/>
           <a:p>
             <a:endParaRPr/>
           </a:p>
@@ -2954,7 +3319,8 @@
           </a:prstGeom>
         </p:spPr>
         <p:txBody>
-          <a:bodyPr bIns="0" lIns="0" rIns="0" tIns="0" wrap="none"/>
+          <a:bodyPr wrap="none" lIns="0" tIns="0" rIns="0" bIns="0"/>
+          <a:lstStyle/>
           <a:p>
             <a:endParaRPr/>
           </a:p>
@@ -2980,7 +3346,8 @@
           </a:prstGeom>
         </p:spPr>
         <p:txBody>
-          <a:bodyPr bIns="0" lIns="0" rIns="0" tIns="0" wrap="none"/>
+          <a:bodyPr wrap="none" lIns="0" tIns="0" rIns="0" bIns="0"/>
+          <a:lstStyle/>
           <a:p>
             <a:endParaRPr/>
           </a:p>
@@ -2988,11 +3355,14 @@
       </p:sp>
     </p:spTree>
   </p:cSld>
+  <p:clrMapOvr>
+    <a:masterClrMapping/>
+  </p:clrMapOvr>
 </p:sldLayout>
 </file>
 
 <file path=ppt/slideLayouts/slideLayout36.xml><?xml version="1.0" encoding="utf-8"?>
-<p:sldLayout xmlns:a="http://schemas.openxmlformats.org/drawingml/2006/main" xmlns:p="http://schemas.openxmlformats.org/presentationml/2006/main" xmlns:r="http://schemas.openxmlformats.org/officeDocument/2006/relationships" preserve="1" type="blank">
+<p:sldLayout xmlns:a="http://schemas.openxmlformats.org/drawingml/2006/main" xmlns:r="http://schemas.openxmlformats.org/officeDocument/2006/relationships" xmlns:p="http://schemas.openxmlformats.org/presentationml/2006/main" type="blank" preserve="1">
   <p:cSld name="Title, 6 Content">
     <p:spTree>
       <p:nvGrpSpPr>
@@ -3028,7 +3398,8 @@
           </a:prstGeom>
         </p:spPr>
         <p:txBody>
-          <a:bodyPr anchor="ctr" bIns="0" lIns="0" rIns="0" tIns="0" wrap="none"/>
+          <a:bodyPr wrap="none" lIns="0" tIns="0" rIns="0" bIns="0" anchor="ctr"/>
+          <a:lstStyle/>
           <a:p>
             <a:pPr algn="ctr"/>
             <a:endParaRPr/>
@@ -3055,7 +3426,8 @@
           </a:prstGeom>
         </p:spPr>
         <p:txBody>
-          <a:bodyPr bIns="0" lIns="0" rIns="0" tIns="0" wrap="none"/>
+          <a:bodyPr wrap="none" lIns="0" tIns="0" rIns="0" bIns="0"/>
+          <a:lstStyle/>
           <a:p>
             <a:endParaRPr/>
           </a:p>
@@ -3081,7 +3453,8 @@
           </a:prstGeom>
         </p:spPr>
         <p:txBody>
-          <a:bodyPr bIns="0" lIns="0" rIns="0" tIns="0" wrap="none"/>
+          <a:bodyPr wrap="none" lIns="0" tIns="0" rIns="0" bIns="0"/>
+          <a:lstStyle/>
           <a:p>
             <a:endParaRPr/>
           </a:p>
@@ -3089,7 +3462,7 @@
       </p:sp>
       <p:pic>
         <p:nvPicPr>
-          <p:cNvPr descr="" id="106" name=""/>
+          <p:cNvPr id="106" name="Picture 105"/>
           <p:cNvPicPr/>
           <p:nvPr/>
         </p:nvPicPr>
@@ -3114,12 +3487,12 @@
       </p:pic>
       <p:pic>
         <p:nvPicPr>
-          <p:cNvPr descr="" id="107" name=""/>
+          <p:cNvPr id="107" name="Picture 106"/>
           <p:cNvPicPr/>
           <p:nvPr/>
         </p:nvPicPr>
         <p:blipFill>
-          <a:blip r:embed="rId3"/>
+          <a:blip r:embed="rId2"/>
           <a:stretch>
             <a:fillRect/>
           </a:stretch>
@@ -3139,11 +3512,14 @@
       </p:pic>
     </p:spTree>
   </p:cSld>
+  <p:clrMapOvr>
+    <a:masterClrMapping/>
+  </p:clrMapOvr>
 </p:sldLayout>
 </file>
 
 <file path=ppt/slideLayouts/slideLayout4.xml><?xml version="1.0" encoding="utf-8"?>
-<p:sldLayout xmlns:a="http://schemas.openxmlformats.org/drawingml/2006/main" xmlns:p="http://schemas.openxmlformats.org/presentationml/2006/main" xmlns:r="http://schemas.openxmlformats.org/officeDocument/2006/relationships" preserve="1" type="twoObj">
+<p:sldLayout xmlns:a="http://schemas.openxmlformats.org/drawingml/2006/main" xmlns:r="http://schemas.openxmlformats.org/officeDocument/2006/relationships" xmlns:p="http://schemas.openxmlformats.org/presentationml/2006/main" type="twoObj" preserve="1">
   <p:cSld name="Title, 2 Content">
     <p:spTree>
       <p:nvGrpSpPr>
@@ -3179,7 +3555,8 @@
           </a:prstGeom>
         </p:spPr>
         <p:txBody>
-          <a:bodyPr anchor="ctr" bIns="0" lIns="0" rIns="0" tIns="0" wrap="none"/>
+          <a:bodyPr wrap="none" lIns="0" tIns="0" rIns="0" bIns="0" anchor="ctr"/>
+          <a:lstStyle/>
           <a:p>
             <a:pPr algn="ctr"/>
             <a:endParaRPr/>
@@ -3206,7 +3583,8 @@
           </a:prstGeom>
         </p:spPr>
         <p:txBody>
-          <a:bodyPr bIns="0" lIns="0" rIns="0" tIns="0" wrap="none"/>
+          <a:bodyPr wrap="none" lIns="0" tIns="0" rIns="0" bIns="0"/>
+          <a:lstStyle/>
           <a:p>
             <a:endParaRPr/>
           </a:p>
@@ -3232,7 +3610,8 @@
           </a:prstGeom>
         </p:spPr>
         <p:txBody>
-          <a:bodyPr bIns="0" lIns="0" rIns="0" tIns="0" wrap="none"/>
+          <a:bodyPr wrap="none" lIns="0" tIns="0" rIns="0" bIns="0"/>
+          <a:lstStyle/>
           <a:p>
             <a:endParaRPr/>
           </a:p>
@@ -3240,11 +3619,14 @@
       </p:sp>
     </p:spTree>
   </p:cSld>
+  <p:clrMapOvr>
+    <a:masterClrMapping/>
+  </p:clrMapOvr>
 </p:sldLayout>
 </file>
 
 <file path=ppt/slideLayouts/slideLayout5.xml><?xml version="1.0" encoding="utf-8"?>
-<p:sldLayout xmlns:a="http://schemas.openxmlformats.org/drawingml/2006/main" xmlns:p="http://schemas.openxmlformats.org/presentationml/2006/main" xmlns:r="http://schemas.openxmlformats.org/officeDocument/2006/relationships" preserve="1" type="titleOnly">
+<p:sldLayout xmlns:a="http://schemas.openxmlformats.org/drawingml/2006/main" xmlns:r="http://schemas.openxmlformats.org/officeDocument/2006/relationships" xmlns:p="http://schemas.openxmlformats.org/presentationml/2006/main" type="titleOnly" preserve="1">
   <p:cSld name="Title Only">
     <p:spTree>
       <p:nvGrpSpPr>
@@ -3280,7 +3662,8 @@
           </a:prstGeom>
         </p:spPr>
         <p:txBody>
-          <a:bodyPr anchor="ctr" bIns="0" lIns="0" rIns="0" tIns="0" wrap="none"/>
+          <a:bodyPr wrap="none" lIns="0" tIns="0" rIns="0" bIns="0" anchor="ctr"/>
+          <a:lstStyle/>
           <a:p>
             <a:pPr algn="ctr"/>
             <a:endParaRPr/>
@@ -3289,11 +3672,14 @@
       </p:sp>
     </p:spTree>
   </p:cSld>
+  <p:clrMapOvr>
+    <a:masterClrMapping/>
+  </p:clrMapOvr>
 </p:sldLayout>
 </file>
 
 <file path=ppt/slideLayouts/slideLayout6.xml><?xml version="1.0" encoding="utf-8"?>
-<p:sldLayout xmlns:a="http://schemas.openxmlformats.org/drawingml/2006/main" xmlns:p="http://schemas.openxmlformats.org/presentationml/2006/main" xmlns:r="http://schemas.openxmlformats.org/officeDocument/2006/relationships" preserve="1" type="objOnly">
+<p:sldLayout xmlns:a="http://schemas.openxmlformats.org/drawingml/2006/main" xmlns:r="http://schemas.openxmlformats.org/officeDocument/2006/relationships" xmlns:p="http://schemas.openxmlformats.org/presentationml/2006/main" type="objOnly" preserve="1">
   <p:cSld name="Centered Text">
     <p:spTree>
       <p:nvGrpSpPr>
@@ -3329,7 +3715,8 @@
           </a:prstGeom>
         </p:spPr>
         <p:txBody>
-          <a:bodyPr anchor="ctr" bIns="0" lIns="0" rIns="0" tIns="0" wrap="none"/>
+          <a:bodyPr wrap="none" lIns="0" tIns="0" rIns="0" bIns="0" anchor="ctr"/>
+          <a:lstStyle/>
           <a:p>
             <a:pPr algn="ctr"/>
             <a:endParaRPr/>
@@ -3338,11 +3725,14 @@
       </p:sp>
     </p:spTree>
   </p:cSld>
+  <p:clrMapOvr>
+    <a:masterClrMapping/>
+  </p:clrMapOvr>
 </p:sldLayout>
 </file>
 
 <file path=ppt/slideLayouts/slideLayout7.xml><?xml version="1.0" encoding="utf-8"?>
-<p:sldLayout xmlns:a="http://schemas.openxmlformats.org/drawingml/2006/main" xmlns:p="http://schemas.openxmlformats.org/presentationml/2006/main" xmlns:r="http://schemas.openxmlformats.org/officeDocument/2006/relationships" preserve="1" type="twoObjAndObj">
+<p:sldLayout xmlns:a="http://schemas.openxmlformats.org/drawingml/2006/main" xmlns:r="http://schemas.openxmlformats.org/officeDocument/2006/relationships" xmlns:p="http://schemas.openxmlformats.org/presentationml/2006/main" type="twoObjAndObj" preserve="1">
   <p:cSld name="Title, 2 Content and Content">
     <p:spTree>
       <p:nvGrpSpPr>
@@ -3378,7 +3768,8 @@
           </a:prstGeom>
         </p:spPr>
         <p:txBody>
-          <a:bodyPr anchor="ctr" bIns="0" lIns="0" rIns="0" tIns="0" wrap="none"/>
+          <a:bodyPr wrap="none" lIns="0" tIns="0" rIns="0" bIns="0" anchor="ctr"/>
+          <a:lstStyle/>
           <a:p>
             <a:pPr algn="ctr"/>
             <a:endParaRPr/>
@@ -3405,7 +3796,8 @@
           </a:prstGeom>
         </p:spPr>
         <p:txBody>
-          <a:bodyPr bIns="0" lIns="0" rIns="0" tIns="0" wrap="none"/>
+          <a:bodyPr wrap="none" lIns="0" tIns="0" rIns="0" bIns="0"/>
+          <a:lstStyle/>
           <a:p>
             <a:endParaRPr/>
           </a:p>
@@ -3431,7 +3823,8 @@
           </a:prstGeom>
         </p:spPr>
         <p:txBody>
-          <a:bodyPr bIns="0" lIns="0" rIns="0" tIns="0" wrap="none"/>
+          <a:bodyPr wrap="none" lIns="0" tIns="0" rIns="0" bIns="0"/>
+          <a:lstStyle/>
           <a:p>
             <a:endParaRPr/>
           </a:p>
@@ -3457,7 +3850,8 @@
           </a:prstGeom>
         </p:spPr>
         <p:txBody>
-          <a:bodyPr bIns="0" lIns="0" rIns="0" tIns="0" wrap="none"/>
+          <a:bodyPr wrap="none" lIns="0" tIns="0" rIns="0" bIns="0"/>
+          <a:lstStyle/>
           <a:p>
             <a:endParaRPr/>
           </a:p>
@@ -3465,11 +3859,14 @@
       </p:sp>
     </p:spTree>
   </p:cSld>
+  <p:clrMapOvr>
+    <a:masterClrMapping/>
+  </p:clrMapOvr>
 </p:sldLayout>
 </file>
 
 <file path=ppt/slideLayouts/slideLayout8.xml><?xml version="1.0" encoding="utf-8"?>
-<p:sldLayout xmlns:a="http://schemas.openxmlformats.org/drawingml/2006/main" xmlns:p="http://schemas.openxmlformats.org/presentationml/2006/main" xmlns:r="http://schemas.openxmlformats.org/officeDocument/2006/relationships" preserve="1" type="objAndTwoObj">
+<p:sldLayout xmlns:a="http://schemas.openxmlformats.org/drawingml/2006/main" xmlns:r="http://schemas.openxmlformats.org/officeDocument/2006/relationships" xmlns:p="http://schemas.openxmlformats.org/presentationml/2006/main" type="objAndTwoObj" preserve="1">
   <p:cSld name="Title Content and 2 Content">
     <p:spTree>
       <p:nvGrpSpPr>
@@ -3505,7 +3902,8 @@
           </a:prstGeom>
         </p:spPr>
         <p:txBody>
-          <a:bodyPr anchor="ctr" bIns="0" lIns="0" rIns="0" tIns="0" wrap="none"/>
+          <a:bodyPr wrap="none" lIns="0" tIns="0" rIns="0" bIns="0" anchor="ctr"/>
+          <a:lstStyle/>
           <a:p>
             <a:pPr algn="ctr"/>
             <a:endParaRPr/>
@@ -3532,7 +3930,8 @@
           </a:prstGeom>
         </p:spPr>
         <p:txBody>
-          <a:bodyPr bIns="0" lIns="0" rIns="0" tIns="0" wrap="none"/>
+          <a:bodyPr wrap="none" lIns="0" tIns="0" rIns="0" bIns="0"/>
+          <a:lstStyle/>
           <a:p>
             <a:endParaRPr/>
           </a:p>
@@ -3558,7 +3957,8 @@
           </a:prstGeom>
         </p:spPr>
         <p:txBody>
-          <a:bodyPr bIns="0" lIns="0" rIns="0" tIns="0" wrap="none"/>
+          <a:bodyPr wrap="none" lIns="0" tIns="0" rIns="0" bIns="0"/>
+          <a:lstStyle/>
           <a:p>
             <a:endParaRPr/>
           </a:p>
@@ -3584,7 +3984,8 @@
           </a:prstGeom>
         </p:spPr>
         <p:txBody>
-          <a:bodyPr bIns="0" lIns="0" rIns="0" tIns="0" wrap="none"/>
+          <a:bodyPr wrap="none" lIns="0" tIns="0" rIns="0" bIns="0"/>
+          <a:lstStyle/>
           <a:p>
             <a:endParaRPr/>
           </a:p>
@@ -3592,11 +3993,14 @@
       </p:sp>
     </p:spTree>
   </p:cSld>
+  <p:clrMapOvr>
+    <a:masterClrMapping/>
+  </p:clrMapOvr>
 </p:sldLayout>
 </file>
 
 <file path=ppt/slideLayouts/slideLayout9.xml><?xml version="1.0" encoding="utf-8"?>
-<p:sldLayout xmlns:a="http://schemas.openxmlformats.org/drawingml/2006/main" xmlns:p="http://schemas.openxmlformats.org/presentationml/2006/main" xmlns:r="http://schemas.openxmlformats.org/officeDocument/2006/relationships" preserve="1" type="twoObjOverTx">
+<p:sldLayout xmlns:a="http://schemas.openxmlformats.org/drawingml/2006/main" xmlns:r="http://schemas.openxmlformats.org/officeDocument/2006/relationships" xmlns:p="http://schemas.openxmlformats.org/presentationml/2006/main" type="twoObjOverTx" preserve="1">
   <p:cSld name="Title, 2 Content over Content">
     <p:spTree>
       <p:nvGrpSpPr>
@@ -3632,7 +4036,8 @@
           </a:prstGeom>
         </p:spPr>
         <p:txBody>
-          <a:bodyPr anchor="ctr" bIns="0" lIns="0" rIns="0" tIns="0" wrap="none"/>
+          <a:bodyPr wrap="none" lIns="0" tIns="0" rIns="0" bIns="0" anchor="ctr"/>
+          <a:lstStyle/>
           <a:p>
             <a:pPr algn="ctr"/>
             <a:endParaRPr/>
@@ -3659,7 +4064,8 @@
           </a:prstGeom>
         </p:spPr>
         <p:txBody>
-          <a:bodyPr bIns="0" lIns="0" rIns="0" tIns="0" wrap="none"/>
+          <a:bodyPr wrap="none" lIns="0" tIns="0" rIns="0" bIns="0"/>
+          <a:lstStyle/>
           <a:p>
             <a:endParaRPr/>
           </a:p>
@@ -3685,7 +4091,8 @@
           </a:prstGeom>
         </p:spPr>
         <p:txBody>
-          <a:bodyPr bIns="0" lIns="0" rIns="0" tIns="0" wrap="none"/>
+          <a:bodyPr wrap="none" lIns="0" tIns="0" rIns="0" bIns="0"/>
+          <a:lstStyle/>
           <a:p>
             <a:endParaRPr/>
           </a:p>
@@ -3711,7 +4118,8 @@
           </a:prstGeom>
         </p:spPr>
         <p:txBody>
-          <a:bodyPr bIns="0" lIns="0" rIns="0" tIns="0" wrap="none"/>
+          <a:bodyPr wrap="none" lIns="0" tIns="0" rIns="0" bIns="0"/>
+          <a:lstStyle/>
           <a:p>
             <a:endParaRPr/>
           </a:p>
@@ -3719,17 +4127,21 @@
       </p:sp>
     </p:spTree>
   </p:cSld>
+  <p:clrMapOvr>
+    <a:masterClrMapping/>
+  </p:clrMapOvr>
 </p:sldLayout>
 </file>
 
 <file path=ppt/slideMasters/slideMaster1.xml><?xml version="1.0" encoding="utf-8"?>
-<p:sldMaster xmlns:a="http://schemas.openxmlformats.org/drawingml/2006/main" xmlns:p="http://schemas.openxmlformats.org/presentationml/2006/main" xmlns:r="http://schemas.openxmlformats.org/officeDocument/2006/relationships">
+<p:sldMaster xmlns:a="http://schemas.openxmlformats.org/drawingml/2006/main" xmlns:r="http://schemas.openxmlformats.org/officeDocument/2006/relationships" xmlns:p="http://schemas.openxmlformats.org/presentationml/2006/main">
   <p:cSld>
     <p:bg>
       <p:bgPr>
         <a:solidFill>
-          <a:srgbClr val="ffffff"/>
+          <a:srgbClr val="FFFFFF"/>
         </a:solidFill>
+        <a:effectLst/>
       </p:bgPr>
     </p:bg>
     <p:spTree>
@@ -3748,7 +4160,7 @@
       </p:grpSpPr>
       <p:sp>
         <p:nvSpPr>
-          <p:cNvPr id="0" name="PlaceHolder 1"/>
+          <p:cNvPr id="2" name="PlaceHolder 1"/>
           <p:cNvSpPr>
             <a:spLocks noGrp="1"/>
           </p:cNvSpPr>
@@ -3766,7 +4178,8 @@
           </a:prstGeom>
         </p:spPr>
         <p:txBody>
-          <a:bodyPr anchor="ctr" bIns="0" lIns="0" rIns="0" tIns="0" wrap="none"/>
+          <a:bodyPr wrap="none" lIns="0" tIns="0" rIns="0" bIns="0" anchor="ctr"/>
+          <a:lstStyle/>
           <a:p>
             <a:pPr algn="ctr"/>
             <a:r>
@@ -3779,7 +4192,7 @@
       </p:sp>
       <p:sp>
         <p:nvSpPr>
-          <p:cNvPr id="1" name="PlaceHolder 2"/>
+          <p:cNvPr id="3" name="PlaceHolder 2"/>
           <p:cNvSpPr>
             <a:spLocks noGrp="1"/>
           </p:cNvSpPr>
@@ -3797,7 +4210,8 @@
           </a:prstGeom>
         </p:spPr>
         <p:txBody>
-          <a:bodyPr bIns="0" lIns="0" rIns="0" tIns="0" wrap="none"/>
+          <a:bodyPr wrap="none" lIns="0" tIns="0" rIns="0" bIns="0"/>
+          <a:lstStyle/>
           <a:p>
             <a:pPr>
               <a:buSzPct val="25000"/>
@@ -3886,32 +4300,38 @@
       </p:sp>
     </p:spTree>
   </p:cSld>
-  <p:clrMap accent1="accent1" accent2="accent2" accent3="accent3" accent4="accent4" accent5="accent5" accent6="accent6" bg1="lt1" bg2="lt2" folHlink="folHlink" hlink="hlink" tx1="dk1" tx2="dk2"/>
+  <p:clrMap bg1="lt1" tx1="dk1" bg2="lt2" tx2="dk2" accent1="accent1" accent2="accent2" accent3="accent3" accent4="accent4" accent5="accent5" accent6="accent6" hlink="hlink" folHlink="folHlink"/>
   <p:sldLayoutIdLst>
-    <p:sldLayoutId id="2147483649" r:id="rId2"/>
-    <p:sldLayoutId id="2147483650" r:id="rId3"/>
-    <p:sldLayoutId id="2147483651" r:id="rId4"/>
-    <p:sldLayoutId id="2147483652" r:id="rId5"/>
-    <p:sldLayoutId id="2147483653" r:id="rId6"/>
-    <p:sldLayoutId id="2147483654" r:id="rId7"/>
-    <p:sldLayoutId id="2147483655" r:id="rId8"/>
-    <p:sldLayoutId id="2147483656" r:id="rId9"/>
-    <p:sldLayoutId id="2147483657" r:id="rId10"/>
-    <p:sldLayoutId id="2147483658" r:id="rId11"/>
-    <p:sldLayoutId id="2147483659" r:id="rId12"/>
-    <p:sldLayoutId id="2147483660" r:id="rId13"/>
+    <p:sldLayoutId id="2147483649" r:id="rId1"/>
+    <p:sldLayoutId id="2147483650" r:id="rId2"/>
+    <p:sldLayoutId id="2147483651" r:id="rId3"/>
+    <p:sldLayoutId id="2147483652" r:id="rId4"/>
+    <p:sldLayoutId id="2147483653" r:id="rId5"/>
+    <p:sldLayoutId id="2147483654" r:id="rId6"/>
+    <p:sldLayoutId id="2147483655" r:id="rId7"/>
+    <p:sldLayoutId id="2147483656" r:id="rId8"/>
+    <p:sldLayoutId id="2147483657" r:id="rId9"/>
+    <p:sldLayoutId id="2147483658" r:id="rId10"/>
+    <p:sldLayoutId id="2147483659" r:id="rId11"/>
+    <p:sldLayoutId id="2147483660" r:id="rId12"/>
   </p:sldLayoutIdLst>
+  <p:txStyles>
+    <p:titleStyle/>
+    <p:bodyStyle/>
+    <p:otherStyle/>
+  </p:txStyles>
 </p:sldMaster>
 </file>
 
 <file path=ppt/slideMasters/slideMaster2.xml><?xml version="1.0" encoding="utf-8"?>
-<p:sldMaster xmlns:a="http://schemas.openxmlformats.org/drawingml/2006/main" xmlns:p="http://schemas.openxmlformats.org/presentationml/2006/main" xmlns:r="http://schemas.openxmlformats.org/officeDocument/2006/relationships">
+<p:sldMaster xmlns:a="http://schemas.openxmlformats.org/drawingml/2006/main" xmlns:r="http://schemas.openxmlformats.org/officeDocument/2006/relationships" xmlns:p="http://schemas.openxmlformats.org/presentationml/2006/main">
   <p:cSld>
     <p:bg>
       <p:bgPr>
         <a:solidFill>
-          <a:srgbClr val="ffffff"/>
+          <a:srgbClr val="FFFFFF"/>
         </a:solidFill>
+        <a:effectLst/>
       </p:bgPr>
     </p:bg>
     <p:spTree>
@@ -3948,7 +4368,8 @@
           </a:prstGeom>
         </p:spPr>
         <p:txBody>
-          <a:bodyPr anchor="ctr" bIns="0" lIns="0" rIns="0" tIns="0" wrap="none"/>
+          <a:bodyPr wrap="none" lIns="0" tIns="0" rIns="0" bIns="0" anchor="ctr"/>
+          <a:lstStyle/>
           <a:p>
             <a:pPr algn="ctr"/>
             <a:r>
@@ -3979,7 +4400,8 @@
           </a:prstGeom>
         </p:spPr>
         <p:txBody>
-          <a:bodyPr bIns="0" lIns="0" rIns="0" tIns="0" wrap="none"/>
+          <a:bodyPr wrap="none" lIns="0" tIns="0" rIns="0" bIns="0"/>
+          <a:lstStyle/>
           <a:p>
             <a:pPr>
               <a:buSzPct val="25000"/>
@@ -4068,32 +4490,38 @@
       </p:sp>
     </p:spTree>
   </p:cSld>
-  <p:clrMap accent1="accent1" accent2="accent2" accent3="accent3" accent4="accent4" accent5="accent5" accent6="accent6" bg1="lt1" bg2="lt2" folHlink="folHlink" hlink="hlink" tx1="dk1" tx2="dk2"/>
+  <p:clrMap bg1="lt1" tx1="dk1" bg2="lt2" tx2="dk2" accent1="accent1" accent2="accent2" accent3="accent3" accent4="accent4" accent5="accent5" accent6="accent6" hlink="hlink" folHlink="folHlink"/>
   <p:sldLayoutIdLst>
-    <p:sldLayoutId id="2147483662" r:id="rId2"/>
-    <p:sldLayoutId id="2147483663" r:id="rId3"/>
-    <p:sldLayoutId id="2147483664" r:id="rId4"/>
-    <p:sldLayoutId id="2147483665" r:id="rId5"/>
-    <p:sldLayoutId id="2147483666" r:id="rId6"/>
-    <p:sldLayoutId id="2147483667" r:id="rId7"/>
-    <p:sldLayoutId id="2147483668" r:id="rId8"/>
-    <p:sldLayoutId id="2147483669" r:id="rId9"/>
-    <p:sldLayoutId id="2147483670" r:id="rId10"/>
-    <p:sldLayoutId id="2147483671" r:id="rId11"/>
-    <p:sldLayoutId id="2147483672" r:id="rId12"/>
-    <p:sldLayoutId id="2147483673" r:id="rId13"/>
+    <p:sldLayoutId id="2147483662" r:id="rId1"/>
+    <p:sldLayoutId id="2147483663" r:id="rId2"/>
+    <p:sldLayoutId id="2147483664" r:id="rId3"/>
+    <p:sldLayoutId id="2147483665" r:id="rId4"/>
+    <p:sldLayoutId id="2147483666" r:id="rId5"/>
+    <p:sldLayoutId id="2147483667" r:id="rId6"/>
+    <p:sldLayoutId id="2147483668" r:id="rId7"/>
+    <p:sldLayoutId id="2147483669" r:id="rId8"/>
+    <p:sldLayoutId id="2147483670" r:id="rId9"/>
+    <p:sldLayoutId id="2147483671" r:id="rId10"/>
+    <p:sldLayoutId id="2147483672" r:id="rId11"/>
+    <p:sldLayoutId id="2147483673" r:id="rId12"/>
   </p:sldLayoutIdLst>
+  <p:txStyles>
+    <p:titleStyle/>
+    <p:bodyStyle/>
+    <p:otherStyle/>
+  </p:txStyles>
 </p:sldMaster>
 </file>
 
 <file path=ppt/slideMasters/slideMaster3.xml><?xml version="1.0" encoding="utf-8"?>
-<p:sldMaster xmlns:a="http://schemas.openxmlformats.org/drawingml/2006/main" xmlns:p="http://schemas.openxmlformats.org/presentationml/2006/main" xmlns:r="http://schemas.openxmlformats.org/officeDocument/2006/relationships">
+<p:sldMaster xmlns:a="http://schemas.openxmlformats.org/drawingml/2006/main" xmlns:r="http://schemas.openxmlformats.org/officeDocument/2006/relationships" xmlns:p="http://schemas.openxmlformats.org/presentationml/2006/main">
   <p:cSld>
     <p:bg>
       <p:bgPr>
         <a:solidFill>
-          <a:srgbClr val="ffffff"/>
+          <a:srgbClr val="FFFFFF"/>
         </a:solidFill>
+        <a:effectLst/>
       </p:bgPr>
     </p:bg>
     <p:spTree>
@@ -4130,7 +4558,8 @@
           </a:prstGeom>
         </p:spPr>
         <p:txBody>
-          <a:bodyPr anchor="ctr" bIns="0" lIns="0" rIns="0" tIns="0" wrap="none"/>
+          <a:bodyPr wrap="none" lIns="0" tIns="0" rIns="0" bIns="0" anchor="ctr"/>
+          <a:lstStyle/>
           <a:p>
             <a:pPr algn="ctr"/>
             <a:r>
@@ -4161,7 +4590,8 @@
           </a:prstGeom>
         </p:spPr>
         <p:txBody>
-          <a:bodyPr bIns="0" lIns="0" rIns="0" tIns="0" wrap="none"/>
+          <a:bodyPr wrap="none" lIns="0" tIns="0" rIns="0" bIns="0"/>
+          <a:lstStyle/>
           <a:p>
             <a:pPr>
               <a:buSzPct val="25000"/>
@@ -4250,26 +4680,31 @@
       </p:sp>
     </p:spTree>
   </p:cSld>
-  <p:clrMap accent1="accent1" accent2="accent2" accent3="accent3" accent4="accent4" accent5="accent5" accent6="accent6" bg1="lt1" bg2="lt2" folHlink="folHlink" hlink="hlink" tx1="dk1" tx2="dk2"/>
+  <p:clrMap bg1="lt1" tx1="dk1" bg2="lt2" tx2="dk2" accent1="accent1" accent2="accent2" accent3="accent3" accent4="accent4" accent5="accent5" accent6="accent6" hlink="hlink" folHlink="folHlink"/>
   <p:sldLayoutIdLst>
-    <p:sldLayoutId id="2147483675" r:id="rId2"/>
-    <p:sldLayoutId id="2147483676" r:id="rId3"/>
-    <p:sldLayoutId id="2147483677" r:id="rId4"/>
-    <p:sldLayoutId id="2147483678" r:id="rId5"/>
-    <p:sldLayoutId id="2147483679" r:id="rId6"/>
-    <p:sldLayoutId id="2147483680" r:id="rId7"/>
-    <p:sldLayoutId id="2147483681" r:id="rId8"/>
-    <p:sldLayoutId id="2147483682" r:id="rId9"/>
-    <p:sldLayoutId id="2147483683" r:id="rId10"/>
-    <p:sldLayoutId id="2147483684" r:id="rId11"/>
-    <p:sldLayoutId id="2147483685" r:id="rId12"/>
-    <p:sldLayoutId id="2147483686" r:id="rId13"/>
+    <p:sldLayoutId id="2147483675" r:id="rId1"/>
+    <p:sldLayoutId id="2147483676" r:id="rId2"/>
+    <p:sldLayoutId id="2147483677" r:id="rId3"/>
+    <p:sldLayoutId id="2147483678" r:id="rId4"/>
+    <p:sldLayoutId id="2147483679" r:id="rId5"/>
+    <p:sldLayoutId id="2147483680" r:id="rId6"/>
+    <p:sldLayoutId id="2147483681" r:id="rId7"/>
+    <p:sldLayoutId id="2147483682" r:id="rId8"/>
+    <p:sldLayoutId id="2147483683" r:id="rId9"/>
+    <p:sldLayoutId id="2147483684" r:id="rId10"/>
+    <p:sldLayoutId id="2147483685" r:id="rId11"/>
+    <p:sldLayoutId id="2147483686" r:id="rId12"/>
   </p:sldLayoutIdLst>
+  <p:txStyles>
+    <p:titleStyle/>
+    <p:bodyStyle/>
+    <p:otherStyle/>
+  </p:txStyles>
 </p:sldMaster>
 </file>
 
 <file path=ppt/slides/slide1.xml><?xml version="1.0" encoding="utf-8"?>
-<p:sld xmlns:a="http://schemas.openxmlformats.org/drawingml/2006/main" xmlns:p="http://schemas.openxmlformats.org/presentationml/2006/main" xmlns:r="http://schemas.openxmlformats.org/officeDocument/2006/relationships">
+<p:sld xmlns:a="http://schemas.openxmlformats.org/drawingml/2006/main" xmlns:r="http://schemas.openxmlformats.org/officeDocument/2006/relationships" xmlns:p="http://schemas.openxmlformats.org/presentationml/2006/main">
   <p:cSld>
     <p:spTree>
       <p:nvGrpSpPr>
@@ -4305,7 +4740,8 @@
           </a:ln>
         </p:spPr>
         <p:txBody>
-          <a:bodyPr anchor="ctr" bIns="45000" lIns="90000" rIns="90000" tIns="45000"/>
+          <a:bodyPr lIns="90000" tIns="45000" rIns="90000" bIns="45000" anchor="ctr"/>
+          <a:lstStyle/>
           <a:p>
             <a:pPr algn="ctr">
               <a:lnSpc>
@@ -4315,7 +4751,7 @@
             <a:r>
               <a:rPr lang="de-DE" sz="12780">
                 <a:solidFill>
-                  <a:srgbClr val="3465a4"/>
+                  <a:srgbClr val="3465A4"/>
                 </a:solidFill>
                 <a:latin typeface="Calibri"/>
               </a:rPr>
@@ -4345,7 +4781,8 @@
           </a:ln>
         </p:spPr>
         <p:txBody>
-          <a:bodyPr bIns="45000" lIns="90000" rIns="90000" tIns="45000"/>
+          <a:bodyPr lIns="90000" tIns="45000" rIns="90000" bIns="45000"/>
+          <a:lstStyle/>
           <a:p>
             <a:pPr algn="ctr">
               <a:lnSpc>
@@ -4355,7 +4792,7 @@
             <a:r>
               <a:rPr lang="de-DE" sz="3200">
                 <a:solidFill>
-                  <a:srgbClr val="8b8b8b"/>
+                  <a:srgbClr val="8B8B8B"/>
                 </a:solidFill>
                 <a:latin typeface="Calibri"/>
               </a:rPr>
@@ -4372,7 +4809,7 @@
             <a:r>
               <a:rPr lang="de-DE" sz="3200">
                 <a:solidFill>
-                  <a:srgbClr val="8b8b8b"/>
+                  <a:srgbClr val="8B8B8B"/>
                 </a:solidFill>
                 <a:latin typeface="Calibri"/>
               </a:rPr>
@@ -4389,7 +4826,7 @@
             <a:r>
               <a:rPr lang="de-DE" sz="3200">
                 <a:solidFill>
-                  <a:srgbClr val="8b8b8b"/>
+                  <a:srgbClr val="8B8B8B"/>
                 </a:solidFill>
                 <a:latin typeface="Calibri"/>
               </a:rPr>
@@ -4406,7 +4843,7 @@
             <a:r>
               <a:rPr lang="de-DE" sz="3200">
                 <a:solidFill>
-                  <a:srgbClr val="8b8b8b"/>
+                  <a:srgbClr val="8B8B8B"/>
                 </a:solidFill>
                 <a:latin typeface="Calibri"/>
               </a:rPr>
@@ -4423,7 +4860,7 @@
             <a:r>
               <a:rPr lang="de-DE" sz="3200">
                 <a:solidFill>
-                  <a:srgbClr val="8b8b8b"/>
+                  <a:srgbClr val="8B8B8B"/>
                 </a:solidFill>
                 <a:latin typeface="Calibri"/>
               </a:rPr>
@@ -4435,11 +4872,14 @@
       </p:sp>
     </p:spTree>
   </p:cSld>
+  <p:clrMapOvr>
+    <a:masterClrMapping/>
+  </p:clrMapOvr>
 </p:sld>
 </file>
 
 <file path=ppt/slides/slide2.xml><?xml version="1.0" encoding="utf-8"?>
-<p:sld xmlns:a="http://schemas.openxmlformats.org/drawingml/2006/main" xmlns:p="http://schemas.openxmlformats.org/presentationml/2006/main" xmlns:r="http://schemas.openxmlformats.org/officeDocument/2006/relationships">
+<p:sld xmlns:a="http://schemas.openxmlformats.org/drawingml/2006/main" xmlns:r="http://schemas.openxmlformats.org/officeDocument/2006/relationships" xmlns:p="http://schemas.openxmlformats.org/presentationml/2006/main">
   <p:cSld>
     <p:spTree>
       <p:nvGrpSpPr>
@@ -4457,14 +4897,137 @@
       </p:grpSpPr>
       <p:sp>
         <p:nvSpPr>
-          <p:cNvPr id="115" name="CustomShape 1"/>
+          <p:cNvPr id="2" name="Title 1"/>
+          <p:cNvSpPr>
+            <a:spLocks noGrp="1"/>
+          </p:cNvSpPr>
+          <p:nvPr>
+            <p:ph type="title"/>
+          </p:nvPr>
+        </p:nvSpPr>
+        <p:spPr/>
+        <p:txBody>
+          <a:bodyPr/>
+          <a:lstStyle/>
+          <a:p>
+            <a:endParaRPr lang="en-US" sz="2800" dirty="0"/>
+          </a:p>
+        </p:txBody>
+      </p:sp>
+      <p:sp>
+        <p:nvSpPr>
+          <p:cNvPr id="3" name="Subtitle 2"/>
+          <p:cNvSpPr>
+            <a:spLocks noGrp="1"/>
+          </p:cNvSpPr>
+          <p:nvPr>
+            <p:ph type="subTitle"/>
+          </p:nvPr>
+        </p:nvSpPr>
+        <p:spPr/>
+        <p:txBody>
+          <a:bodyPr/>
+          <a:lstStyle/>
+          <a:p>
+            <a:pPr marL="342900" indent="-342900">
+              <a:buFont typeface="Arial"/>
+              <a:buChar char="•"/>
+            </a:pPr>
+            <a:r>
+              <a:rPr lang="en-US" sz="2400" dirty="0" smtClean="0"/>
+              <a:t>Labs, Seminars, and other meetings</a:t>
+            </a:r>
+          </a:p>
+          <a:p>
+            <a:pPr marL="342900" indent="-342900">
+              <a:buFont typeface="Arial"/>
+              <a:buChar char="•"/>
+            </a:pPr>
+            <a:endParaRPr lang="en-US" sz="2400" dirty="0"/>
+          </a:p>
+          <a:p>
+            <a:pPr marL="342900" indent="-342900">
+              <a:buFont typeface="Arial"/>
+              <a:buChar char="•"/>
+            </a:pPr>
+            <a:r>
+              <a:rPr lang="en-US" sz="2400" dirty="0" smtClean="0"/>
+              <a:t>Many students</a:t>
+            </a:r>
+          </a:p>
+          <a:p>
+            <a:pPr marL="342900" indent="-342900">
+              <a:buFont typeface="Arial"/>
+              <a:buChar char="•"/>
+            </a:pPr>
+            <a:endParaRPr lang="en-US" sz="2400" dirty="0"/>
+          </a:p>
+          <a:p>
+            <a:pPr marL="342900" indent="-342900">
+              <a:buFont typeface="Arial"/>
+              <a:buChar char="•"/>
+            </a:pPr>
+            <a:r>
+              <a:rPr lang="en-US" sz="2400" dirty="0" smtClean="0"/>
+              <a:t>Different timetables</a:t>
+            </a:r>
+          </a:p>
+          <a:p>
+            <a:pPr marL="342900" indent="-342900">
+              <a:buFont typeface="Arial"/>
+              <a:buChar char="•"/>
+            </a:pPr>
+            <a:endParaRPr lang="en-US" sz="2400" dirty="0"/>
+          </a:p>
+          <a:p>
+            <a:pPr marL="285750" indent="-285750">
+              <a:buFont typeface="Symbol" charset="0"/>
+              <a:buChar char=""/>
+            </a:pPr>
+            <a:r>
+              <a:rPr lang="en-US" sz="2400" dirty="0" smtClean="0"/>
+              <a:t>Hard to find a common time</a:t>
+            </a:r>
+          </a:p>
+          <a:p>
+            <a:pPr marL="285750" indent="-285750">
+              <a:buFont typeface="Symbol" charset="0"/>
+              <a:buChar char=""/>
+            </a:pPr>
+            <a:r>
+              <a:rPr lang="en-US" sz="2400" dirty="0" smtClean="0"/>
+              <a:t>Many emails</a:t>
+            </a:r>
+          </a:p>
+          <a:p>
+            <a:pPr marL="285750" indent="-285750">
+              <a:buFont typeface="Symbol" charset="0"/>
+              <a:buChar char=""/>
+            </a:pPr>
+            <a:endParaRPr lang="en-US" sz="2400" dirty="0"/>
+          </a:p>
+          <a:p>
+            <a:pPr marL="342900" indent="-342900">
+              <a:buFont typeface="Arial"/>
+              <a:buChar char="•"/>
+            </a:pPr>
+            <a:r>
+              <a:rPr lang="en-US" sz="2400" dirty="0" smtClean="0"/>
+              <a:t>Current solution: Doodle</a:t>
+            </a:r>
+          </a:p>
+        </p:txBody>
+      </p:sp>
+      <p:sp>
+        <p:nvSpPr>
+          <p:cNvPr id="4" name="CustomShape 1"/>
           <p:cNvSpPr/>
           <p:nvPr/>
         </p:nvSpPr>
         <p:spPr>
           <a:xfrm>
-            <a:off x="457200" y="108360"/>
-            <a:ext cx="8228520" cy="1474560"/>
+            <a:off x="457200" y="274680"/>
+            <a:ext cx="8228520" cy="1141920"/>
           </a:xfrm>
           <a:prstGeom prst="rect">
             <a:avLst/>
@@ -4475,7 +5038,8 @@
           </a:ln>
         </p:spPr>
         <p:txBody>
-          <a:bodyPr anchor="ctr" bIns="0" lIns="0" rIns="0" tIns="0" wrap="none"/>
+          <a:bodyPr lIns="90000" tIns="45000" rIns="90000" bIns="45000" anchor="ctr"/>
+          <a:lstStyle/>
           <a:p>
             <a:pPr algn="ctr">
               <a:lnSpc>
@@ -4483,394 +5047,38 @@
               </a:lnSpc>
             </a:pPr>
             <a:r>
-              <a:rPr lang="de-DE" sz="7200">
+              <a:rPr lang="de-DE" sz="4400" dirty="0" err="1" smtClean="0">
                 <a:solidFill>
-                  <a:srgbClr val="808080"/>
+                  <a:srgbClr val="000000"/>
                 </a:solidFill>
+                <a:latin typeface="Calibri"/>
               </a:rPr>
-              <a:t>Solution</a:t>
+              <a:t>Pain</a:t>
             </a:r>
-            <a:endParaRPr/>
-          </a:p>
-        </p:txBody>
-      </p:sp>
-      <p:sp>
-        <p:nvSpPr>
-          <p:cNvPr id="116" name="TextShape 2"/>
-          <p:cNvSpPr txBox="1"/>
-          <p:nvPr/>
-        </p:nvSpPr>
-        <p:spPr>
-          <a:xfrm>
-            <a:off x="576000" y="5544000"/>
-            <a:ext cx="2517120" cy="430200"/>
-          </a:xfrm>
-          <a:prstGeom prst="rect">
-            <a:avLst/>
-          </a:prstGeom>
-        </p:spPr>
-        <p:txBody>
-          <a:bodyPr bIns="45000" lIns="90000" rIns="90000" tIns="45000" wrap="none"/>
-          <a:p>
-            <a:r>
-              <a:rPr lang="de-DE" sz="2400">
-                <a:solidFill>
-                  <a:srgbClr val="579d1c"/>
-                </a:solidFill>
-              </a:rPr>
-              <a:t>Best meeting slot</a:t>
-            </a:r>
-            <a:endParaRPr/>
-          </a:p>
-        </p:txBody>
-      </p:sp>
-      <p:sp>
-        <p:nvSpPr>
-          <p:cNvPr id="117" name="TextShape 3"/>
-          <p:cNvSpPr txBox="1"/>
-          <p:nvPr/>
-        </p:nvSpPr>
-        <p:spPr>
-          <a:xfrm>
-            <a:off x="4030200" y="5761800"/>
-            <a:ext cx="1585800" cy="430200"/>
-          </a:xfrm>
-          <a:prstGeom prst="rect">
-            <a:avLst/>
-          </a:prstGeom>
-        </p:spPr>
-        <p:txBody>
-          <a:bodyPr bIns="45000" lIns="90000" rIns="90000" tIns="45000" wrap="none"/>
-          <a:p>
-            <a:r>
-              <a:rPr lang="de-DE" sz="2400">
-                <a:solidFill>
-                  <a:srgbClr val="579d1c"/>
-                </a:solidFill>
-              </a:rPr>
-              <a:t>Up to date</a:t>
-            </a:r>
-            <a:endParaRPr/>
-          </a:p>
-        </p:txBody>
-      </p:sp>
-      <p:sp>
-        <p:nvSpPr>
-          <p:cNvPr id="118" name="TextShape 4"/>
-          <p:cNvSpPr txBox="1"/>
-          <p:nvPr/>
-        </p:nvSpPr>
-        <p:spPr>
-          <a:xfrm>
-            <a:off x="5976000" y="5400000"/>
-            <a:ext cx="3024360" cy="430200"/>
-          </a:xfrm>
-          <a:prstGeom prst="rect">
-            <a:avLst/>
-          </a:prstGeom>
-        </p:spPr>
-        <p:txBody>
-          <a:bodyPr bIns="45000" lIns="90000" rIns="90000" tIns="45000" wrap="none"/>
-          <a:p>
-            <a:r>
-              <a:rPr lang="de-DE" sz="2400">
-                <a:solidFill>
-                  <a:srgbClr val="579d1c"/>
-                </a:solidFill>
-              </a:rPr>
-              <a:t>Knows your calendar</a:t>
-            </a:r>
-            <a:endParaRPr/>
-          </a:p>
-        </p:txBody>
-      </p:sp>
-      <p:sp>
-        <p:nvSpPr>
-          <p:cNvPr id="119" name="TextShape 5"/>
-          <p:cNvSpPr txBox="1"/>
-          <p:nvPr/>
-        </p:nvSpPr>
-        <p:spPr>
-          <a:xfrm>
-            <a:off x="7439400" y="3961800"/>
-            <a:ext cx="840600" cy="430200"/>
-          </a:xfrm>
-          <a:prstGeom prst="rect">
-            <a:avLst/>
-          </a:prstGeom>
-        </p:spPr>
-        <p:txBody>
-          <a:bodyPr bIns="45000" lIns="90000" rIns="90000" tIns="45000" wrap="none"/>
-          <a:p>
-            <a:r>
-              <a:rPr lang="de-DE" sz="2400">
-                <a:solidFill>
-                  <a:srgbClr val="579d1c"/>
-                </a:solidFill>
-              </a:rPr>
-              <a:t>clear</a:t>
-            </a:r>
-            <a:endParaRPr/>
-          </a:p>
-        </p:txBody>
-      </p:sp>
-      <p:sp>
-        <p:nvSpPr>
-          <p:cNvPr id="120" name="TextShape 6"/>
-          <p:cNvSpPr txBox="1"/>
-          <p:nvPr/>
-        </p:nvSpPr>
-        <p:spPr>
-          <a:xfrm>
-            <a:off x="6220080" y="2160000"/>
-            <a:ext cx="2347920" cy="770040"/>
-          </a:xfrm>
-          <a:prstGeom prst="rect">
-            <a:avLst/>
-          </a:prstGeom>
-        </p:spPr>
-        <p:txBody>
-          <a:bodyPr bIns="45000" lIns="90000" rIns="90000" tIns="45000" wrap="none"/>
-          <a:p>
-            <a:pPr algn="ctr"/>
-            <a:r>
-              <a:rPr lang="de-DE" sz="2400">
-                <a:solidFill>
-                  <a:srgbClr val="579d1c"/>
-                </a:solidFill>
-              </a:rPr>
-              <a:t>Finding the best</a:t>
-            </a:r>
-            <a:r>
-              <a:rPr lang="de-DE" sz="2400">
-                <a:solidFill>
-                  <a:srgbClr val="579d1c"/>
-                </a:solidFill>
-              </a:rPr>
-              <a:t>
-</a:t>
-            </a:r>
-            <a:r>
-              <a:rPr lang="de-DE" sz="2400">
-                <a:solidFill>
-                  <a:srgbClr val="579d1c"/>
-                </a:solidFill>
-              </a:rPr>
-              <a:t> meeting slot</a:t>
-            </a:r>
-            <a:endParaRPr/>
-          </a:p>
-        </p:txBody>
-      </p:sp>
-      <p:sp>
-        <p:nvSpPr>
-          <p:cNvPr id="121" name="TextShape 7"/>
-          <p:cNvSpPr txBox="1"/>
-          <p:nvPr/>
-        </p:nvSpPr>
-        <p:spPr>
-          <a:xfrm>
-            <a:off x="3370320" y="1944000"/>
-            <a:ext cx="2245680" cy="770040"/>
-          </a:xfrm>
-          <a:prstGeom prst="rect">
-            <a:avLst/>
-          </a:prstGeom>
-        </p:spPr>
-        <p:txBody>
-          <a:bodyPr bIns="45000" lIns="90000" rIns="90000" tIns="45000" wrap="none"/>
-          <a:p>
-            <a:pPr algn="ctr"/>
-            <a:r>
-              <a:rPr lang="de-DE" sz="2400">
-                <a:solidFill>
-                  <a:srgbClr val="579d1c"/>
-                </a:solidFill>
-              </a:rPr>
-              <a:t>Manage</a:t>
-            </a:r>
-            <a:r>
-              <a:rPr lang="de-DE" sz="2400">
-                <a:solidFill>
-                  <a:srgbClr val="579d1c"/>
-                </a:solidFill>
-              </a:rPr>
-              <a:t>
-</a:t>
-            </a:r>
-            <a:r>
-              <a:rPr lang="de-DE" sz="2400">
-                <a:solidFill>
-                  <a:srgbClr val="579d1c"/>
-                </a:solidFill>
-              </a:rPr>
-              <a:t>multiple groups</a:t>
-            </a:r>
-            <a:endParaRPr/>
-          </a:p>
-        </p:txBody>
-      </p:sp>
-      <p:sp>
-        <p:nvSpPr>
-          <p:cNvPr id="122" name="TextShape 8"/>
-          <p:cNvSpPr txBox="1"/>
-          <p:nvPr/>
-        </p:nvSpPr>
-        <p:spPr>
-          <a:xfrm>
-            <a:off x="648000" y="2397960"/>
-            <a:ext cx="1771920" cy="770040"/>
-          </a:xfrm>
-          <a:prstGeom prst="rect">
-            <a:avLst/>
-          </a:prstGeom>
-        </p:spPr>
-        <p:txBody>
-          <a:bodyPr bIns="45000" lIns="90000" rIns="90000" tIns="45000" wrap="none"/>
-          <a:p>
-            <a:pPr algn="ctr"/>
-            <a:r>
-              <a:rPr lang="de-DE" sz="2400">
-                <a:solidFill>
-                  <a:srgbClr val="579d1c"/>
-                </a:solidFill>
-              </a:rPr>
-              <a:t>Knows your</a:t>
-            </a:r>
-            <a:r>
-              <a:rPr lang="de-DE" sz="2400">
-                <a:solidFill>
-                  <a:srgbClr val="579d1c"/>
-                </a:solidFill>
-              </a:rPr>
-              <a:t>
-</a:t>
-            </a:r>
-            <a:r>
-              <a:rPr lang="de-DE" sz="2400">
-                <a:solidFill>
-                  <a:srgbClr val="579d1c"/>
-                </a:solidFill>
-              </a:rPr>
-              <a:t>schedule</a:t>
-            </a:r>
-            <a:endParaRPr/>
-          </a:p>
-        </p:txBody>
-      </p:sp>
-      <p:sp>
-        <p:nvSpPr>
-          <p:cNvPr id="123" name="TextShape 9"/>
-          <p:cNvSpPr txBox="1"/>
-          <p:nvPr/>
-        </p:nvSpPr>
-        <p:spPr>
-          <a:xfrm>
-            <a:off x="432000" y="4033800"/>
-            <a:ext cx="1593360" cy="430200"/>
-          </a:xfrm>
-          <a:prstGeom prst="rect">
-            <a:avLst/>
-          </a:prstGeom>
-        </p:spPr>
-        <p:txBody>
-          <a:bodyPr bIns="45000" lIns="90000" rIns="90000" tIns="45000" wrap="none"/>
-          <a:p>
-            <a:r>
-              <a:rPr lang="de-DE" sz="2400">
-                <a:solidFill>
-                  <a:srgbClr val="579d1c"/>
-                </a:solidFill>
-              </a:rPr>
-              <a:t>It's iPhone</a:t>
-            </a:r>
-            <a:endParaRPr/>
-          </a:p>
-        </p:txBody>
-      </p:sp>
-      <p:sp>
-        <p:nvSpPr>
-          <p:cNvPr id="124" name="TextShape 10"/>
-          <p:cNvSpPr txBox="1"/>
-          <p:nvPr/>
-        </p:nvSpPr>
-        <p:spPr>
-          <a:xfrm>
-            <a:off x="3528000" y="3312000"/>
-            <a:ext cx="2430000" cy="855360"/>
-          </a:xfrm>
-          <a:prstGeom prst="rect">
-            <a:avLst/>
-          </a:prstGeom>
-        </p:spPr>
-        <p:txBody>
-          <a:bodyPr bIns="45000" lIns="90000" rIns="90000" tIns="45000" wrap="none"/>
-          <a:p>
-            <a:r>
-              <a:rPr lang="de-DE" sz="5400">
-                <a:solidFill>
-                  <a:srgbClr val="3465a4"/>
-                </a:solidFill>
-              </a:rPr>
-              <a:t>Skedify</a:t>
-            </a:r>
-            <a:endParaRPr/>
-          </a:p>
-        </p:txBody>
-      </p:sp>
-      <p:sp>
-        <p:nvSpPr>
-          <p:cNvPr id="125" name="TextShape 11"/>
-          <p:cNvSpPr txBox="1"/>
-          <p:nvPr/>
-        </p:nvSpPr>
-        <p:spPr>
-          <a:xfrm>
-            <a:off x="3218760" y="4176000"/>
-            <a:ext cx="2901240" cy="828360"/>
-          </a:xfrm>
-          <a:prstGeom prst="rect">
-            <a:avLst/>
-          </a:prstGeom>
-        </p:spPr>
-        <p:txBody>
-          <a:bodyPr bIns="45000" lIns="90000" rIns="90000" tIns="45000" wrap="none"/>
-          <a:p>
-            <a:r>
-              <a:rPr lang="de-DE" sz="2600">
-                <a:solidFill>
-                  <a:srgbClr val="333333"/>
-                </a:solidFill>
-              </a:rPr>
-              <a:t>Finding a common meeting time</a:t>
-            </a:r>
-            <a:endParaRPr/>
-          </a:p>
-          <a:p>
-            <a:pPr algn="ctr">
-              <a:lnSpc>
-                <a:spcPct val="100000"/>
-              </a:lnSpc>
-            </a:pPr>
-            <a:r>
-              <a:rPr lang="de-DE" sz="2600">
-                <a:solidFill>
-                  <a:srgbClr val="333333"/>
-                </a:solidFill>
-              </a:rPr>
-              <a:t>among multiple students</a:t>
-            </a:r>
-            <a:endParaRPr/>
+            <a:endParaRPr lang="de-DE" sz="4400" dirty="0" smtClean="0">
+              <a:solidFill>
+                <a:srgbClr val="000000"/>
+              </a:solidFill>
+              <a:latin typeface="Calibri"/>
+            </a:endParaRPr>
           </a:p>
         </p:txBody>
       </p:sp>
     </p:spTree>
+    <p:extLst>
+      <p:ext uri="{BB962C8B-B14F-4D97-AF65-F5344CB8AC3E}">
+        <p14:creationId xmlns:p14="http://schemas.microsoft.com/office/powerpoint/2010/main" val="2024155977"/>
+      </p:ext>
+    </p:extLst>
   </p:cSld>
+  <p:clrMapOvr>
+    <a:masterClrMapping/>
+  </p:clrMapOvr>
 </p:sld>
 </file>
 
 <file path=ppt/slides/slide3.xml><?xml version="1.0" encoding="utf-8"?>
-<p:sld xmlns:a="http://schemas.openxmlformats.org/drawingml/2006/main" xmlns:p="http://schemas.openxmlformats.org/presentationml/2006/main" xmlns:r="http://schemas.openxmlformats.org/officeDocument/2006/relationships">
+<p:sld xmlns:a="http://schemas.openxmlformats.org/drawingml/2006/main" xmlns:r="http://schemas.openxmlformats.org/officeDocument/2006/relationships" xmlns:p="http://schemas.openxmlformats.org/presentationml/2006/main">
   <p:cSld>
     <p:spTree>
       <p:nvGrpSpPr>
@@ -4888,14 +5096,14 @@
       </p:grpSpPr>
       <p:sp>
         <p:nvSpPr>
-          <p:cNvPr id="126" name="CustomShape 1"/>
+          <p:cNvPr id="115" name="CustomShape 1"/>
           <p:cNvSpPr/>
           <p:nvPr/>
         </p:nvSpPr>
         <p:spPr>
           <a:xfrm>
-            <a:off x="457200" y="274680"/>
-            <a:ext cx="8228520" cy="1141920"/>
+            <a:off x="457200" y="108360"/>
+            <a:ext cx="8228520" cy="1474560"/>
           </a:xfrm>
           <a:prstGeom prst="rect">
             <a:avLst/>
@@ -4906,7 +5114,8 @@
           </a:ln>
         </p:spPr>
         <p:txBody>
-          <a:bodyPr anchor="ctr" bIns="45000" lIns="90000" rIns="90000" tIns="45000"/>
+          <a:bodyPr wrap="none" lIns="0" tIns="0" rIns="0" bIns="0" anchor="ctr"/>
+          <a:lstStyle/>
           <a:p>
             <a:pPr algn="ctr">
               <a:lnSpc>
@@ -4914,13 +5123,12 @@
               </a:lnSpc>
             </a:pPr>
             <a:r>
-              <a:rPr lang="de-DE" sz="4400">
+              <a:rPr lang="de-DE" sz="7200">
                 <a:solidFill>
-                  <a:srgbClr val="000000"/>
+                  <a:srgbClr val="808080"/>
                 </a:solidFill>
-                <a:latin typeface="Calibri"/>
               </a:rPr>
-              <a:t>Our Application Cycle</a:t>
+              <a:t>Solution</a:t>
             </a:r>
             <a:endParaRPr/>
           </a:p>
@@ -4928,38 +5136,318 @@
       </p:sp>
       <p:sp>
         <p:nvSpPr>
-          <p:cNvPr id="127" name="CustomShape 2"/>
-          <p:cNvSpPr/>
+          <p:cNvPr id="116" name="TextShape 2"/>
+          <p:cNvSpPr txBox="1"/>
           <p:nvPr/>
         </p:nvSpPr>
         <p:spPr>
           <a:xfrm>
-            <a:off x="771840" y="1777680"/>
-            <a:ext cx="2121120" cy="719280"/>
-          </a:xfrm>
-          <a:prstGeom prst="flowChartProcess">
-            <a:avLst/>
-          </a:prstGeom>
-          <a:gradFill>
-            <a:gsLst>
-              <a:gs pos="0">
-                <a:srgbClr val="3e7fcc"/>
-              </a:gs>
-              <a:gs pos="100000">
-                <a:srgbClr val="a4c1ff"/>
-              </a:gs>
-            </a:gsLst>
-            <a:lin ang="16200000"/>
-          </a:gradFill>
-          <a:ln w="9360">
-            <a:solidFill>
-              <a:srgbClr val="4a7ebb"/>
-            </a:solidFill>
-            <a:round/>
-          </a:ln>
-        </p:spPr>
-        <p:txBody>
-          <a:bodyPr anchor="ctr" bIns="45000" lIns="90000" rIns="90000" tIns="45000"/>
+            <a:off x="576000" y="5544000"/>
+            <a:ext cx="2517120" cy="430200"/>
+          </a:xfrm>
+          <a:prstGeom prst="rect">
+            <a:avLst/>
+          </a:prstGeom>
+        </p:spPr>
+        <p:txBody>
+          <a:bodyPr wrap="none" lIns="90000" tIns="45000" rIns="90000" bIns="45000"/>
+          <a:lstStyle/>
+          <a:p>
+            <a:r>
+              <a:rPr lang="de-DE" sz="2400">
+                <a:solidFill>
+                  <a:srgbClr val="579D1C"/>
+                </a:solidFill>
+              </a:rPr>
+              <a:t>Best meeting slot</a:t>
+            </a:r>
+            <a:endParaRPr/>
+          </a:p>
+        </p:txBody>
+      </p:sp>
+      <p:sp>
+        <p:nvSpPr>
+          <p:cNvPr id="117" name="TextShape 3"/>
+          <p:cNvSpPr txBox="1"/>
+          <p:nvPr/>
+        </p:nvSpPr>
+        <p:spPr>
+          <a:xfrm>
+            <a:off x="4030200" y="5761800"/>
+            <a:ext cx="1585800" cy="430200"/>
+          </a:xfrm>
+          <a:prstGeom prst="rect">
+            <a:avLst/>
+          </a:prstGeom>
+        </p:spPr>
+        <p:txBody>
+          <a:bodyPr wrap="none" lIns="90000" tIns="45000" rIns="90000" bIns="45000"/>
+          <a:lstStyle/>
+          <a:p>
+            <a:r>
+              <a:rPr lang="de-DE" sz="2400">
+                <a:solidFill>
+                  <a:srgbClr val="579D1C"/>
+                </a:solidFill>
+              </a:rPr>
+              <a:t>Up to date</a:t>
+            </a:r>
+            <a:endParaRPr/>
+          </a:p>
+        </p:txBody>
+      </p:sp>
+      <p:sp>
+        <p:nvSpPr>
+          <p:cNvPr id="118" name="TextShape 4"/>
+          <p:cNvSpPr txBox="1"/>
+          <p:nvPr/>
+        </p:nvSpPr>
+        <p:spPr>
+          <a:xfrm>
+            <a:off x="5976000" y="5400000"/>
+            <a:ext cx="3024360" cy="430200"/>
+          </a:xfrm>
+          <a:prstGeom prst="rect">
+            <a:avLst/>
+          </a:prstGeom>
+        </p:spPr>
+        <p:txBody>
+          <a:bodyPr wrap="none" lIns="90000" tIns="45000" rIns="90000" bIns="45000"/>
+          <a:lstStyle/>
+          <a:p>
+            <a:r>
+              <a:rPr lang="de-DE" sz="2400">
+                <a:solidFill>
+                  <a:srgbClr val="579D1C"/>
+                </a:solidFill>
+              </a:rPr>
+              <a:t>Knows your calendar</a:t>
+            </a:r>
+            <a:endParaRPr/>
+          </a:p>
+        </p:txBody>
+      </p:sp>
+      <p:sp>
+        <p:nvSpPr>
+          <p:cNvPr id="119" name="TextShape 5"/>
+          <p:cNvSpPr txBox="1"/>
+          <p:nvPr/>
+        </p:nvSpPr>
+        <p:spPr>
+          <a:xfrm>
+            <a:off x="7439400" y="3961800"/>
+            <a:ext cx="840600" cy="430200"/>
+          </a:xfrm>
+          <a:prstGeom prst="rect">
+            <a:avLst/>
+          </a:prstGeom>
+        </p:spPr>
+        <p:txBody>
+          <a:bodyPr wrap="none" lIns="90000" tIns="45000" rIns="90000" bIns="45000"/>
+          <a:lstStyle/>
+          <a:p>
+            <a:r>
+              <a:rPr lang="de-DE" sz="2400">
+                <a:solidFill>
+                  <a:srgbClr val="579D1C"/>
+                </a:solidFill>
+              </a:rPr>
+              <a:t>clear</a:t>
+            </a:r>
+            <a:endParaRPr/>
+          </a:p>
+        </p:txBody>
+      </p:sp>
+      <p:sp>
+        <p:nvSpPr>
+          <p:cNvPr id="120" name="TextShape 6"/>
+          <p:cNvSpPr txBox="1"/>
+          <p:nvPr/>
+        </p:nvSpPr>
+        <p:spPr>
+          <a:xfrm>
+            <a:off x="6220080" y="2160000"/>
+            <a:ext cx="2347920" cy="770040"/>
+          </a:xfrm>
+          <a:prstGeom prst="rect">
+            <a:avLst/>
+          </a:prstGeom>
+        </p:spPr>
+        <p:txBody>
+          <a:bodyPr wrap="none" lIns="90000" tIns="45000" rIns="90000" bIns="45000"/>
+          <a:lstStyle/>
+          <a:p>
+            <a:pPr algn="ctr"/>
+            <a:r>
+              <a:rPr lang="de-DE" sz="2400">
+                <a:solidFill>
+                  <a:srgbClr val="579D1C"/>
+                </a:solidFill>
+              </a:rPr>
+              <a:t>Finding the best
+ meeting slot</a:t>
+            </a:r>
+            <a:endParaRPr/>
+          </a:p>
+        </p:txBody>
+      </p:sp>
+      <p:sp>
+        <p:nvSpPr>
+          <p:cNvPr id="121" name="TextShape 7"/>
+          <p:cNvSpPr txBox="1"/>
+          <p:nvPr/>
+        </p:nvSpPr>
+        <p:spPr>
+          <a:xfrm>
+            <a:off x="3370320" y="1944000"/>
+            <a:ext cx="2245680" cy="770040"/>
+          </a:xfrm>
+          <a:prstGeom prst="rect">
+            <a:avLst/>
+          </a:prstGeom>
+        </p:spPr>
+        <p:txBody>
+          <a:bodyPr wrap="none" lIns="90000" tIns="45000" rIns="90000" bIns="45000"/>
+          <a:lstStyle/>
+          <a:p>
+            <a:pPr algn="ctr"/>
+            <a:r>
+              <a:rPr lang="de-DE" sz="2400">
+                <a:solidFill>
+                  <a:srgbClr val="579D1C"/>
+                </a:solidFill>
+              </a:rPr>
+              <a:t>Manage
+multiple groups</a:t>
+            </a:r>
+            <a:endParaRPr/>
+          </a:p>
+        </p:txBody>
+      </p:sp>
+      <p:sp>
+        <p:nvSpPr>
+          <p:cNvPr id="122" name="TextShape 8"/>
+          <p:cNvSpPr txBox="1"/>
+          <p:nvPr/>
+        </p:nvSpPr>
+        <p:spPr>
+          <a:xfrm>
+            <a:off x="648000" y="2397960"/>
+            <a:ext cx="1771920" cy="770040"/>
+          </a:xfrm>
+          <a:prstGeom prst="rect">
+            <a:avLst/>
+          </a:prstGeom>
+        </p:spPr>
+        <p:txBody>
+          <a:bodyPr wrap="none" lIns="90000" tIns="45000" rIns="90000" bIns="45000"/>
+          <a:lstStyle/>
+          <a:p>
+            <a:pPr algn="ctr"/>
+            <a:r>
+              <a:rPr lang="de-DE" sz="2400">
+                <a:solidFill>
+                  <a:srgbClr val="579D1C"/>
+                </a:solidFill>
+              </a:rPr>
+              <a:t>Knows your
+schedule</a:t>
+            </a:r>
+            <a:endParaRPr/>
+          </a:p>
+        </p:txBody>
+      </p:sp>
+      <p:sp>
+        <p:nvSpPr>
+          <p:cNvPr id="123" name="TextShape 9"/>
+          <p:cNvSpPr txBox="1"/>
+          <p:nvPr/>
+        </p:nvSpPr>
+        <p:spPr>
+          <a:xfrm>
+            <a:off x="432000" y="4033800"/>
+            <a:ext cx="1593360" cy="430200"/>
+          </a:xfrm>
+          <a:prstGeom prst="rect">
+            <a:avLst/>
+          </a:prstGeom>
+        </p:spPr>
+        <p:txBody>
+          <a:bodyPr wrap="none" lIns="90000" tIns="45000" rIns="90000" bIns="45000"/>
+          <a:lstStyle/>
+          <a:p>
+            <a:r>
+              <a:rPr lang="de-DE" sz="2400">
+                <a:solidFill>
+                  <a:srgbClr val="579D1C"/>
+                </a:solidFill>
+              </a:rPr>
+              <a:t>It's iPhone</a:t>
+            </a:r>
+            <a:endParaRPr/>
+          </a:p>
+        </p:txBody>
+      </p:sp>
+      <p:sp>
+        <p:nvSpPr>
+          <p:cNvPr id="124" name="TextShape 10"/>
+          <p:cNvSpPr txBox="1"/>
+          <p:nvPr/>
+        </p:nvSpPr>
+        <p:spPr>
+          <a:xfrm>
+            <a:off x="3528000" y="3312000"/>
+            <a:ext cx="2430000" cy="855360"/>
+          </a:xfrm>
+          <a:prstGeom prst="rect">
+            <a:avLst/>
+          </a:prstGeom>
+        </p:spPr>
+        <p:txBody>
+          <a:bodyPr wrap="none" lIns="90000" tIns="45000" rIns="90000" bIns="45000"/>
+          <a:lstStyle/>
+          <a:p>
+            <a:r>
+              <a:rPr lang="de-DE" sz="5400">
+                <a:solidFill>
+                  <a:srgbClr val="3465A4"/>
+                </a:solidFill>
+              </a:rPr>
+              <a:t>Skedify</a:t>
+            </a:r>
+            <a:endParaRPr/>
+          </a:p>
+        </p:txBody>
+      </p:sp>
+      <p:sp>
+        <p:nvSpPr>
+          <p:cNvPr id="125" name="TextShape 11"/>
+          <p:cNvSpPr txBox="1"/>
+          <p:nvPr/>
+        </p:nvSpPr>
+        <p:spPr>
+          <a:xfrm>
+            <a:off x="3218760" y="4176000"/>
+            <a:ext cx="2901240" cy="828360"/>
+          </a:xfrm>
+          <a:prstGeom prst="rect">
+            <a:avLst/>
+          </a:prstGeom>
+        </p:spPr>
+        <p:txBody>
+          <a:bodyPr wrap="none" lIns="90000" tIns="45000" rIns="90000" bIns="45000"/>
+          <a:lstStyle/>
+          <a:p>
+            <a:r>
+              <a:rPr lang="de-DE" sz="2600">
+                <a:solidFill>
+                  <a:srgbClr val="333333"/>
+                </a:solidFill>
+              </a:rPr>
+              <a:t>Finding a common meeting time</a:t>
+            </a:r>
+            <a:endParaRPr/>
+          </a:p>
           <a:p>
             <a:pPr algn="ctr">
               <a:lnSpc>
@@ -4967,573 +5455,12 @@
               </a:lnSpc>
             </a:pPr>
             <a:r>
-              <a:rPr lang="de-DE">
+              <a:rPr lang="de-DE" sz="2600">
                 <a:solidFill>
-                  <a:srgbClr val="ffffff"/>
+                  <a:srgbClr val="333333"/>
                 </a:solidFill>
-                <a:latin typeface="Calibri"/>
               </a:rPr>
-              <a:t>iPhone (Client)</a:t>
-            </a:r>
-            <a:endParaRPr/>
-          </a:p>
-        </p:txBody>
-      </p:sp>
-      <p:sp>
-        <p:nvSpPr>
-          <p:cNvPr id="128" name="CustomShape 3"/>
-          <p:cNvSpPr/>
-          <p:nvPr/>
-        </p:nvSpPr>
-        <p:spPr>
-          <a:xfrm>
-            <a:off x="2894040" y="2138040"/>
-            <a:ext cx="3326760" cy="360"/>
-          </a:xfrm>
-          <a:prstGeom prst="straightConnector1">
-            <a:avLst/>
-          </a:prstGeom>
-          <a:noFill/>
-          <a:ln w="25560">
-            <a:solidFill>
-              <a:srgbClr val="4f81bd"/>
-            </a:solidFill>
-            <a:round/>
-            <a:tailEnd len="med" type="arrow" w="med"/>
-          </a:ln>
-        </p:spPr>
-      </p:sp>
-      <p:sp>
-        <p:nvSpPr>
-          <p:cNvPr id="129" name="CustomShape 4"/>
-          <p:cNvSpPr/>
-          <p:nvPr/>
-        </p:nvSpPr>
-        <p:spPr>
-          <a:xfrm>
-            <a:off x="6221880" y="1777680"/>
-            <a:ext cx="2121120" cy="719280"/>
-          </a:xfrm>
-          <a:prstGeom prst="flowChartProcess">
-            <a:avLst/>
-          </a:prstGeom>
-          <a:gradFill>
-            <a:gsLst>
-              <a:gs pos="0">
-                <a:srgbClr val="3e7fcc"/>
-              </a:gs>
-              <a:gs pos="100000">
-                <a:srgbClr val="a4c1ff"/>
-              </a:gs>
-            </a:gsLst>
-            <a:lin ang="16200000"/>
-          </a:gradFill>
-          <a:ln w="9360">
-            <a:solidFill>
-              <a:srgbClr val="4a7ebb"/>
-            </a:solidFill>
-            <a:round/>
-          </a:ln>
-        </p:spPr>
-        <p:txBody>
-          <a:bodyPr anchor="ctr" bIns="45000" lIns="90000" rIns="90000" tIns="45000"/>
-          <a:p>
-            <a:pPr algn="ctr">
-              <a:lnSpc>
-                <a:spcPct val="100000"/>
-              </a:lnSpc>
-            </a:pPr>
-            <a:r>
-              <a:rPr lang="de-DE">
-                <a:solidFill>
-                  <a:srgbClr val="ffffff"/>
-                </a:solidFill>
-                <a:latin typeface="Calibri"/>
-              </a:rPr>
-              <a:t>OAuth</a:t>
-            </a:r>
-            <a:endParaRPr/>
-          </a:p>
-        </p:txBody>
-      </p:sp>
-      <p:sp>
-        <p:nvSpPr>
-          <p:cNvPr id="130" name="CustomShape 5"/>
-          <p:cNvSpPr/>
-          <p:nvPr/>
-        </p:nvSpPr>
-        <p:spPr>
-          <a:xfrm>
-            <a:off x="6221880" y="4860720"/>
-            <a:ext cx="2121120" cy="719280"/>
-          </a:xfrm>
-          <a:prstGeom prst="flowChartProcess">
-            <a:avLst/>
-          </a:prstGeom>
-          <a:gradFill>
-            <a:gsLst>
-              <a:gs pos="0">
-                <a:srgbClr val="3e7fcc"/>
-              </a:gs>
-              <a:gs pos="100000">
-                <a:srgbClr val="a4c1ff"/>
-              </a:gs>
-            </a:gsLst>
-            <a:lin ang="16200000"/>
-          </a:gradFill>
-          <a:ln w="9360">
-            <a:solidFill>
-              <a:srgbClr val="4a7ebb"/>
-            </a:solidFill>
-            <a:round/>
-          </a:ln>
-        </p:spPr>
-        <p:txBody>
-          <a:bodyPr anchor="ctr" bIns="45000" lIns="90000" rIns="90000" tIns="45000"/>
-          <a:p>
-            <a:pPr algn="ctr">
-              <a:lnSpc>
-                <a:spcPct val="100000"/>
-              </a:lnSpc>
-            </a:pPr>
-            <a:r>
-              <a:rPr lang="de-DE">
-                <a:solidFill>
-                  <a:srgbClr val="ffffff"/>
-                </a:solidFill>
-                <a:latin typeface="Calibri"/>
-              </a:rPr>
-              <a:t>L2P API</a:t>
-            </a:r>
-            <a:endParaRPr/>
-          </a:p>
-        </p:txBody>
-      </p:sp>
-      <p:sp>
-        <p:nvSpPr>
-          <p:cNvPr id="131" name="CustomShape 6"/>
-          <p:cNvSpPr/>
-          <p:nvPr/>
-        </p:nvSpPr>
-        <p:spPr>
-          <a:xfrm>
-            <a:off x="771840" y="4850280"/>
-            <a:ext cx="2121120" cy="719280"/>
-          </a:xfrm>
-          <a:prstGeom prst="flowChartProcess">
-            <a:avLst/>
-          </a:prstGeom>
-          <a:gradFill>
-            <a:gsLst>
-              <a:gs pos="0">
-                <a:srgbClr val="3e7fcc"/>
-              </a:gs>
-              <a:gs pos="100000">
-                <a:srgbClr val="a4c1ff"/>
-              </a:gs>
-            </a:gsLst>
-            <a:lin ang="16200000"/>
-          </a:gradFill>
-          <a:ln w="9360">
-            <a:solidFill>
-              <a:srgbClr val="4a7ebb"/>
-            </a:solidFill>
-            <a:round/>
-          </a:ln>
-        </p:spPr>
-        <p:txBody>
-          <a:bodyPr anchor="ctr" bIns="45000" lIns="90000" rIns="90000" tIns="45000"/>
-          <a:p>
-            <a:pPr algn="ctr">
-              <a:lnSpc>
-                <a:spcPct val="100000"/>
-              </a:lnSpc>
-            </a:pPr>
-            <a:r>
-              <a:rPr lang="de-DE">
-                <a:solidFill>
-                  <a:srgbClr val="ffffff"/>
-                </a:solidFill>
-                <a:latin typeface="Calibri"/>
-              </a:rPr>
-              <a:t>Server</a:t>
-            </a:r>
-            <a:endParaRPr/>
-          </a:p>
-        </p:txBody>
-      </p:sp>
-      <p:sp>
-        <p:nvSpPr>
-          <p:cNvPr id="132" name="CustomShape 7"/>
-          <p:cNvSpPr/>
-          <p:nvPr/>
-        </p:nvSpPr>
-        <p:spPr>
-          <a:xfrm>
-            <a:off x="1832760" y="2498040"/>
-            <a:ext cx="360" cy="2351160"/>
-          </a:xfrm>
-          <a:prstGeom prst="straightConnector1">
-            <a:avLst/>
-          </a:prstGeom>
-          <a:noFill/>
-          <a:ln w="25560">
-            <a:solidFill>
-              <a:srgbClr val="4f81bd"/>
-            </a:solidFill>
-            <a:round/>
-            <a:headEnd len="med" type="arrow" w="med"/>
-            <a:tailEnd len="med" type="arrow" w="med"/>
-          </a:ln>
-        </p:spPr>
-      </p:sp>
-      <p:sp>
-        <p:nvSpPr>
-          <p:cNvPr id="133" name="CustomShape 8"/>
-          <p:cNvSpPr/>
-          <p:nvPr/>
-        </p:nvSpPr>
-        <p:spPr>
-          <a:xfrm>
-            <a:off x="6221880" y="2957760"/>
-            <a:ext cx="2121120" cy="1456560"/>
-          </a:xfrm>
-          <a:prstGeom prst="flowChartDecision">
-            <a:avLst/>
-          </a:prstGeom>
-          <a:gradFill>
-            <a:gsLst>
-              <a:gs pos="0">
-                <a:srgbClr val="3e7fcc"/>
-              </a:gs>
-              <a:gs pos="100000">
-                <a:srgbClr val="a4c1ff"/>
-              </a:gs>
-            </a:gsLst>
-            <a:lin ang="16200000"/>
-          </a:gradFill>
-          <a:ln w="9360">
-            <a:solidFill>
-              <a:srgbClr val="4a7ebb"/>
-            </a:solidFill>
-            <a:round/>
-          </a:ln>
-        </p:spPr>
-        <p:txBody>
-          <a:bodyPr anchor="ctr" bIns="45000" lIns="90000" rIns="90000" tIns="45000"/>
-          <a:p>
-            <a:pPr algn="ctr">
-              <a:lnSpc>
-                <a:spcPct val="100000"/>
-              </a:lnSpc>
-            </a:pPr>
-            <a:r>
-              <a:rPr lang="de-DE">
-                <a:solidFill>
-                  <a:srgbClr val="ffffff"/>
-                </a:solidFill>
-                <a:latin typeface="Calibri"/>
-              </a:rPr>
-              <a:t>Success?</a:t>
-            </a:r>
-            <a:endParaRPr/>
-          </a:p>
-        </p:txBody>
-      </p:sp>
-      <p:sp>
-        <p:nvSpPr>
-          <p:cNvPr id="134" name="CustomShape 9"/>
-          <p:cNvSpPr/>
-          <p:nvPr/>
-        </p:nvSpPr>
-        <p:spPr>
-          <a:xfrm>
-            <a:off x="7283160" y="2498040"/>
-            <a:ext cx="360" cy="458640"/>
-          </a:xfrm>
-          <a:prstGeom prst="straightConnector1">
-            <a:avLst/>
-          </a:prstGeom>
-          <a:noFill/>
-          <a:ln w="25560">
-            <a:solidFill>
-              <a:srgbClr val="4f81bd"/>
-            </a:solidFill>
-            <a:round/>
-            <a:tailEnd len="med" type="arrow" w="med"/>
-          </a:ln>
-        </p:spPr>
-      </p:sp>
-      <p:sp>
-        <p:nvSpPr>
-          <p:cNvPr id="135" name="CustomShape 10"/>
-          <p:cNvSpPr/>
-          <p:nvPr/>
-        </p:nvSpPr>
-        <p:spPr>
-          <a:xfrm>
-            <a:off x="7283160" y="4415760"/>
-            <a:ext cx="360" cy="443880"/>
-          </a:xfrm>
-          <a:prstGeom prst="straightConnector1">
-            <a:avLst/>
-          </a:prstGeom>
-          <a:noFill/>
-          <a:ln w="25560">
-            <a:solidFill>
-              <a:srgbClr val="4f81bd"/>
-            </a:solidFill>
-            <a:round/>
-            <a:tailEnd len="med" type="arrow" w="med"/>
-          </a:ln>
-        </p:spPr>
-      </p:sp>
-      <p:sp>
-        <p:nvSpPr>
-          <p:cNvPr id="136" name="CustomShape 11"/>
-          <p:cNvSpPr/>
-          <p:nvPr/>
-        </p:nvSpPr>
-        <p:spPr>
-          <a:xfrm flipH="1" flipV="1">
-            <a:off x="2891160" y="5207760"/>
-            <a:ext cx="3326760" cy="9000"/>
-          </a:xfrm>
-          <a:prstGeom prst="straightConnector1">
-            <a:avLst/>
-          </a:prstGeom>
-          <a:noFill/>
-          <a:ln w="25560">
-            <a:solidFill>
-              <a:srgbClr val="4f81bd"/>
-            </a:solidFill>
-            <a:round/>
-            <a:tailEnd len="med" type="arrow" w="med"/>
-          </a:ln>
-        </p:spPr>
-      </p:sp>
-      <p:sp>
-        <p:nvSpPr>
-          <p:cNvPr id="137" name="CustomShape 12"/>
-          <p:cNvSpPr/>
-          <p:nvPr/>
-        </p:nvSpPr>
-        <p:spPr>
-          <a:xfrm>
-            <a:off x="3629880" y="4841280"/>
-            <a:ext cx="1984680" cy="363960"/>
-          </a:xfrm>
-          <a:prstGeom prst="rect">
-            <a:avLst/>
-          </a:prstGeom>
-          <a:noFill/>
-          <a:ln>
-            <a:noFill/>
-          </a:ln>
-        </p:spPr>
-        <p:txBody>
-          <a:bodyPr bIns="45000" lIns="90000" rIns="90000" tIns="45000" wrap="none"/>
-          <a:p>
-            <a:pPr>
-              <a:lnSpc>
-                <a:spcPct val="100000"/>
-              </a:lnSpc>
-            </a:pPr>
-            <a:r>
-              <a:rPr lang="de-DE">
-                <a:solidFill>
-                  <a:srgbClr val="000000"/>
-                </a:solidFill>
-                <a:latin typeface="Calibri"/>
-              </a:rPr>
-              <a:t>Send User’s Calendar Information</a:t>
-            </a:r>
-            <a:endParaRPr/>
-          </a:p>
-        </p:txBody>
-      </p:sp>
-      <p:sp>
-        <p:nvSpPr>
-          <p:cNvPr id="138" name="CustomShape 13"/>
-          <p:cNvSpPr/>
-          <p:nvPr/>
-        </p:nvSpPr>
-        <p:spPr>
-          <a:xfrm>
-            <a:off x="7347600" y="4391640"/>
-            <a:ext cx="352440" cy="363960"/>
-          </a:xfrm>
-          <a:prstGeom prst="rect">
-            <a:avLst/>
-          </a:prstGeom>
-          <a:noFill/>
-          <a:ln>
-            <a:noFill/>
-          </a:ln>
-        </p:spPr>
-        <p:txBody>
-          <a:bodyPr bIns="45000" lIns="90000" rIns="90000" tIns="45000" wrap="none"/>
-          <a:p>
-            <a:pPr>
-              <a:lnSpc>
-                <a:spcPct val="100000"/>
-              </a:lnSpc>
-            </a:pPr>
-            <a:r>
-              <a:rPr lang="de-DE">
-                <a:solidFill>
-                  <a:srgbClr val="000000"/>
-                </a:solidFill>
-                <a:latin typeface="Calibri"/>
-              </a:rPr>
-              <a:t>Yes</a:t>
-            </a:r>
-            <a:endParaRPr/>
-          </a:p>
-        </p:txBody>
-      </p:sp>
-      <p:sp>
-        <p:nvSpPr>
-          <p:cNvPr id="139" name="CustomShape 14"/>
-          <p:cNvSpPr/>
-          <p:nvPr/>
-        </p:nvSpPr>
-        <p:spPr>
-          <a:xfrm flipH="1" flipV="1">
-            <a:off x="1830960" y="1774800"/>
-            <a:ext cx="6510240" cy="1907640"/>
-          </a:xfrm>
-          <a:prstGeom prst="bentConnector4">
-            <a:avLst>
-              <a:gd fmla="val -3511" name="adj1"/>
-              <a:gd fmla="val 111975" name="adj2"/>
-            </a:avLst>
-          </a:prstGeom>
-          <a:noFill/>
-          <a:ln w="25560">
-            <a:solidFill>
-              <a:srgbClr val="4f81bd"/>
-            </a:solidFill>
-            <a:round/>
-            <a:tailEnd len="med" type="arrow" w="med"/>
-          </a:ln>
-        </p:spPr>
-      </p:sp>
-      <p:sp>
-        <p:nvSpPr>
-          <p:cNvPr id="140" name="CustomShape 15"/>
-          <p:cNvSpPr/>
-          <p:nvPr/>
-        </p:nvSpPr>
-        <p:spPr>
-          <a:xfrm>
-            <a:off x="2535120" y="3446640"/>
-            <a:ext cx="1798920" cy="363960"/>
-          </a:xfrm>
-          <a:prstGeom prst="rect">
-            <a:avLst/>
-          </a:prstGeom>
-          <a:noFill/>
-          <a:ln>
-            <a:noFill/>
-          </a:ln>
-        </p:spPr>
-        <p:txBody>
-          <a:bodyPr bIns="45000" lIns="90000" rIns="90000" tIns="45000" wrap="none"/>
-          <a:p>
-            <a:pPr>
-              <a:lnSpc>
-                <a:spcPct val="100000"/>
-              </a:lnSpc>
-            </a:pPr>
-            <a:r>
-              <a:rPr lang="de-DE">
-                <a:solidFill>
-                  <a:srgbClr val="000000"/>
-                </a:solidFill>
-                <a:latin typeface="Calibri"/>
-              </a:rPr>
-              <a:t>Send / Receive HTTP Requests</a:t>
-            </a:r>
-            <a:endParaRPr/>
-          </a:p>
-        </p:txBody>
-      </p:sp>
-      <p:sp>
-        <p:nvSpPr>
-          <p:cNvPr id="141" name="CustomShape 16"/>
-          <p:cNvSpPr/>
-          <p:nvPr/>
-        </p:nvSpPr>
-        <p:spPr>
-          <a:xfrm>
-            <a:off x="8631000" y="3056040"/>
-            <a:ext cx="335880" cy="363960"/>
-          </a:xfrm>
-          <a:prstGeom prst="rect">
-            <a:avLst/>
-          </a:prstGeom>
-          <a:noFill/>
-          <a:ln>
-            <a:noFill/>
-          </a:ln>
-        </p:spPr>
-        <p:txBody>
-          <a:bodyPr bIns="45000" lIns="90000" rIns="90000" tIns="45000" wrap="none"/>
-          <a:p>
-            <a:pPr>
-              <a:lnSpc>
-                <a:spcPct val="100000"/>
-              </a:lnSpc>
-            </a:pPr>
-            <a:r>
-              <a:rPr lang="de-DE">
-                <a:solidFill>
-                  <a:srgbClr val="000000"/>
-                </a:solidFill>
-                <a:latin typeface="Calibri"/>
-              </a:rPr>
-              <a:t>No</a:t>
-            </a:r>
-            <a:endParaRPr/>
-          </a:p>
-        </p:txBody>
-      </p:sp>
-      <p:sp>
-        <p:nvSpPr>
-          <p:cNvPr id="142" name="CustomShape 17"/>
-          <p:cNvSpPr/>
-          <p:nvPr/>
-        </p:nvSpPr>
-        <p:spPr>
-          <a:xfrm>
-            <a:off x="4243680" y="1760400"/>
-            <a:ext cx="727560" cy="363960"/>
-          </a:xfrm>
-          <a:prstGeom prst="rect">
-            <a:avLst/>
-          </a:prstGeom>
-          <a:noFill/>
-          <a:ln>
-            <a:noFill/>
-          </a:ln>
-        </p:spPr>
-        <p:txBody>
-          <a:bodyPr bIns="45000" lIns="90000" rIns="90000" tIns="45000" wrap="none"/>
-          <a:p>
-            <a:pPr>
-              <a:lnSpc>
-                <a:spcPct val="100000"/>
-              </a:lnSpc>
-            </a:pPr>
-            <a:r>
-              <a:rPr lang="de-DE">
-                <a:solidFill>
-                  <a:srgbClr val="000000"/>
-                </a:solidFill>
-                <a:latin typeface="Calibri"/>
-              </a:rPr>
-              <a:t>First Login</a:t>
+              <a:t>among multiple students</a:t>
             </a:r>
             <a:endParaRPr/>
           </a:p>
@@ -5541,11 +5468,14 @@
       </p:sp>
     </p:spTree>
   </p:cSld>
+  <p:clrMapOvr>
+    <a:masterClrMapping/>
+  </p:clrMapOvr>
 </p:sld>
 </file>
 
 <file path=ppt/slides/slide4.xml><?xml version="1.0" encoding="utf-8"?>
-<p:sld xmlns:a="http://schemas.openxmlformats.org/drawingml/2006/main" xmlns:p="http://schemas.openxmlformats.org/presentationml/2006/main" xmlns:r="http://schemas.openxmlformats.org/officeDocument/2006/relationships">
+<p:sld xmlns:a="http://schemas.openxmlformats.org/drawingml/2006/main" xmlns:r="http://schemas.openxmlformats.org/officeDocument/2006/relationships" xmlns:p="http://schemas.openxmlformats.org/presentationml/2006/main">
   <p:cSld>
     <p:spTree>
       <p:nvGrpSpPr>
@@ -5563,54 +5493,534 @@
       </p:grpSpPr>
       <p:sp>
         <p:nvSpPr>
-          <p:cNvPr id="143" name="TextShape 1"/>
+          <p:cNvPr id="126" name="CustomShape 1"/>
+          <p:cNvSpPr/>
+          <p:nvPr/>
+        </p:nvSpPr>
+        <p:spPr>
+          <a:xfrm>
+            <a:off x="457200" y="274680"/>
+            <a:ext cx="8228520" cy="1141920"/>
+          </a:xfrm>
+          <a:prstGeom prst="rect">
+            <a:avLst/>
+          </a:prstGeom>
+          <a:noFill/>
+          <a:ln>
+            <a:noFill/>
+          </a:ln>
+        </p:spPr>
+        <p:txBody>
+          <a:bodyPr lIns="90000" tIns="45000" rIns="90000" bIns="45000" anchor="ctr"/>
+          <a:lstStyle/>
+          <a:p>
+            <a:pPr algn="ctr">
+              <a:lnSpc>
+                <a:spcPct val="100000"/>
+              </a:lnSpc>
+            </a:pPr>
+            <a:r>
+              <a:rPr lang="de-DE" sz="4400" dirty="0" err="1">
+                <a:solidFill>
+                  <a:srgbClr val="000000"/>
+                </a:solidFill>
+                <a:latin typeface="Calibri"/>
+              </a:rPr>
+              <a:t>Our</a:t>
+            </a:r>
+            <a:r>
+              <a:rPr lang="de-DE" sz="4400" dirty="0">
+                <a:solidFill>
+                  <a:srgbClr val="000000"/>
+                </a:solidFill>
+                <a:latin typeface="Calibri"/>
+              </a:rPr>
+              <a:t> </a:t>
+            </a:r>
+            <a:r>
+              <a:rPr lang="de-DE" sz="4400" dirty="0" err="1">
+                <a:solidFill>
+                  <a:srgbClr val="000000"/>
+                </a:solidFill>
+                <a:latin typeface="Calibri"/>
+              </a:rPr>
+              <a:t>Application</a:t>
+            </a:r>
+            <a:r>
+              <a:rPr lang="de-DE" sz="4400" dirty="0">
+                <a:solidFill>
+                  <a:srgbClr val="000000"/>
+                </a:solidFill>
+                <a:latin typeface="Calibri"/>
+              </a:rPr>
+              <a:t> Cycle</a:t>
+            </a:r>
+            <a:endParaRPr dirty="0"/>
+          </a:p>
+        </p:txBody>
+      </p:sp>
+      <p:sp>
+        <p:nvSpPr>
+          <p:cNvPr id="133" name="CustomShape 8"/>
+          <p:cNvSpPr/>
+          <p:nvPr/>
+        </p:nvSpPr>
+        <p:spPr>
+          <a:xfrm>
+            <a:off x="6221880" y="2957760"/>
+            <a:ext cx="2121120" cy="1456560"/>
+          </a:xfrm>
+          <a:prstGeom prst="flowChartDecision">
+            <a:avLst/>
+          </a:prstGeom>
+          <a:gradFill>
+            <a:gsLst>
+              <a:gs pos="0">
+                <a:srgbClr val="3E7FCC"/>
+              </a:gs>
+              <a:gs pos="100000">
+                <a:srgbClr val="A4C1FF"/>
+              </a:gs>
+            </a:gsLst>
+            <a:lin ang="16200000"/>
+          </a:gradFill>
+          <a:ln w="9360">
+            <a:solidFill>
+              <a:srgbClr val="4A7EBB"/>
+            </a:solidFill>
+            <a:round/>
+          </a:ln>
+        </p:spPr>
+        <p:txBody>
+          <a:bodyPr lIns="90000" tIns="45000" rIns="90000" bIns="45000" anchor="ctr"/>
+          <a:lstStyle/>
+          <a:p>
+            <a:pPr algn="ctr">
+              <a:lnSpc>
+                <a:spcPct val="100000"/>
+              </a:lnSpc>
+            </a:pPr>
+            <a:r>
+              <a:rPr lang="de-DE">
+                <a:solidFill>
+                  <a:srgbClr val="FFFFFF"/>
+                </a:solidFill>
+                <a:latin typeface="Calibri"/>
+              </a:rPr>
+              <a:t>Success?</a:t>
+            </a:r>
+            <a:endParaRPr/>
+          </a:p>
+        </p:txBody>
+      </p:sp>
+      <p:sp>
+        <p:nvSpPr>
+          <p:cNvPr id="142" name="CustomShape 17"/>
+          <p:cNvSpPr/>
+          <p:nvPr/>
+        </p:nvSpPr>
+        <p:spPr>
+          <a:xfrm>
+            <a:off x="4243680" y="1760400"/>
+            <a:ext cx="727560" cy="363960"/>
+          </a:xfrm>
+          <a:prstGeom prst="rect">
+            <a:avLst/>
+          </a:prstGeom>
+          <a:noFill/>
+          <a:ln>
+            <a:noFill/>
+          </a:ln>
+        </p:spPr>
+        <p:txBody>
+          <a:bodyPr wrap="none" lIns="90000" tIns="45000" rIns="90000" bIns="45000"/>
+          <a:lstStyle/>
+          <a:p>
+            <a:pPr>
+              <a:lnSpc>
+                <a:spcPct val="100000"/>
+              </a:lnSpc>
+            </a:pPr>
+            <a:r>
+              <a:rPr lang="de-DE">
+                <a:solidFill>
+                  <a:srgbClr val="000000"/>
+                </a:solidFill>
+                <a:latin typeface="Calibri"/>
+              </a:rPr>
+              <a:t>First Login</a:t>
+            </a:r>
+            <a:endParaRPr/>
+          </a:p>
+        </p:txBody>
+      </p:sp>
+      <p:pic>
+        <p:nvPicPr>
+          <p:cNvPr id="2" name="Picture 1" descr="ajax_p.jpg"/>
+          <p:cNvPicPr>
+            <a:picLocks noChangeAspect="1"/>
+          </p:cNvPicPr>
+          <p:nvPr/>
+        </p:nvPicPr>
+        <p:blipFill>
+          <a:blip r:embed="rId2">
+            <a:extLst>
+              <a:ext uri="{28A0092B-C50C-407E-A947-70E740481C1C}">
+                <a14:useLocalDpi xmlns:a14="http://schemas.microsoft.com/office/drawing/2010/main" val="0"/>
+              </a:ext>
+            </a:extLst>
+          </a:blip>
+          <a:stretch>
+            <a:fillRect/>
+          </a:stretch>
+        </p:blipFill>
+        <p:spPr>
+          <a:xfrm>
+            <a:off x="2509338" y="3550354"/>
+            <a:ext cx="1574688" cy="616849"/>
+          </a:xfrm>
+          <a:prstGeom prst="rect">
+            <a:avLst/>
+          </a:prstGeom>
+        </p:spPr>
+      </p:pic>
+      <p:pic>
+        <p:nvPicPr>
+          <p:cNvPr id="3" name="Picture 2" descr="9235883-1.png"/>
+          <p:cNvPicPr>
+            <a:picLocks noChangeAspect="1"/>
+          </p:cNvPicPr>
+          <p:nvPr/>
+        </p:nvPicPr>
+        <p:blipFill>
+          <a:blip r:embed="rId3">
+            <a:extLst>
+              <a:ext uri="{28A0092B-C50C-407E-A947-70E740481C1C}">
+                <a14:useLocalDpi xmlns:a14="http://schemas.microsoft.com/office/drawing/2010/main" val="0"/>
+              </a:ext>
+            </a:extLst>
+          </a:blip>
+          <a:stretch>
+            <a:fillRect/>
+          </a:stretch>
+        </p:blipFill>
+        <p:spPr>
+          <a:xfrm>
+            <a:off x="5475055" y="5669345"/>
+            <a:ext cx="666580" cy="666580"/>
+          </a:xfrm>
+          <a:prstGeom prst="rect">
+            <a:avLst/>
+          </a:prstGeom>
+        </p:spPr>
+      </p:pic>
+      <p:pic>
+        <p:nvPicPr>
+          <p:cNvPr id="4" name="Picture 3" descr="server-Vista-icon.png"/>
+          <p:cNvPicPr>
+            <a:picLocks noChangeAspect="1"/>
+          </p:cNvPicPr>
+          <p:nvPr/>
+        </p:nvPicPr>
+        <p:blipFill>
+          <a:blip r:embed="rId4">
+            <a:extLst>
+              <a:ext uri="{28A0092B-C50C-407E-A947-70E740481C1C}">
+                <a14:useLocalDpi xmlns:a14="http://schemas.microsoft.com/office/drawing/2010/main" val="0"/>
+              </a:ext>
+            </a:extLst>
+          </a:blip>
+          <a:stretch>
+            <a:fillRect/>
+          </a:stretch>
+        </p:blipFill>
+        <p:spPr>
+          <a:xfrm>
+            <a:off x="591479" y="2040132"/>
+            <a:ext cx="2705203" cy="2705203"/>
+          </a:xfrm>
+          <a:prstGeom prst="rect">
+            <a:avLst/>
+          </a:prstGeom>
+        </p:spPr>
+      </p:pic>
+      <p:pic>
+        <p:nvPicPr>
+          <p:cNvPr id="5" name="Picture 4" descr="iphone_5_black-035bed8cc6aa5b0049e99c6f663e15e5.png"/>
+          <p:cNvPicPr>
+            <a:picLocks noChangeAspect="1"/>
+          </p:cNvPicPr>
+          <p:nvPr/>
+        </p:nvPicPr>
+        <p:blipFill>
+          <a:blip r:embed="rId5">
+            <a:extLst>
+              <a:ext uri="{28A0092B-C50C-407E-A947-70E740481C1C}">
+                <a14:useLocalDpi xmlns:a14="http://schemas.microsoft.com/office/drawing/2010/main" val="0"/>
+              </a:ext>
+            </a:extLst>
+          </a:blip>
+          <a:stretch>
+            <a:fillRect/>
+          </a:stretch>
+        </p:blipFill>
+        <p:spPr>
+          <a:xfrm>
+            <a:off x="4190190" y="2204510"/>
+            <a:ext cx="1284865" cy="2746547"/>
+          </a:xfrm>
+          <a:prstGeom prst="rect">
+            <a:avLst/>
+          </a:prstGeom>
+        </p:spPr>
+      </p:pic>
+      <p:pic>
+        <p:nvPicPr>
+          <p:cNvPr id="7" name="Picture 6" descr="l2p-logo-home.gif"/>
+          <p:cNvPicPr>
+            <a:picLocks noChangeAspect="1"/>
+          </p:cNvPicPr>
+          <p:nvPr/>
+        </p:nvPicPr>
+        <p:blipFill>
+          <a:blip r:embed="rId6">
+            <a:extLst>
+              <a:ext uri="{28A0092B-C50C-407E-A947-70E740481C1C}">
+                <a14:useLocalDpi xmlns:a14="http://schemas.microsoft.com/office/drawing/2010/main" val="0"/>
+              </a:ext>
+            </a:extLst>
+          </a:blip>
+          <a:stretch>
+            <a:fillRect/>
+          </a:stretch>
+        </p:blipFill>
+        <p:spPr>
+          <a:xfrm>
+            <a:off x="6863340" y="5181554"/>
+            <a:ext cx="838200" cy="838200"/>
+          </a:xfrm>
+          <a:prstGeom prst="rect">
+            <a:avLst/>
+          </a:prstGeom>
+        </p:spPr>
+      </p:pic>
+      <p:cxnSp>
+        <p:nvCxnSpPr>
+          <p:cNvPr id="9" name="Straight Arrow Connector 8"/>
+          <p:cNvCxnSpPr/>
+          <p:nvPr/>
+        </p:nvCxnSpPr>
+        <p:spPr>
+          <a:xfrm>
+            <a:off x="2400708" y="3420000"/>
+            <a:ext cx="1789482" cy="0"/>
+          </a:xfrm>
+          <a:prstGeom prst="straightConnector1">
+            <a:avLst/>
+          </a:prstGeom>
+          <a:ln>
+            <a:headEnd type="arrow"/>
+            <a:tailEnd type="arrow"/>
+          </a:ln>
+        </p:spPr>
+        <p:style>
+          <a:lnRef idx="2">
+            <a:schemeClr val="accent1"/>
+          </a:lnRef>
+          <a:fillRef idx="0">
+            <a:schemeClr val="accent1"/>
+          </a:fillRef>
+          <a:effectRef idx="1">
+            <a:schemeClr val="accent1"/>
+          </a:effectRef>
+          <a:fontRef idx="minor">
+            <a:schemeClr val="tx1"/>
+          </a:fontRef>
+        </p:style>
+      </p:cxnSp>
+      <p:sp>
+        <p:nvSpPr>
+          <p:cNvPr id="10" name="TextBox 9"/>
           <p:cNvSpPr txBox="1"/>
           <p:nvPr/>
         </p:nvSpPr>
         <p:spPr>
           <a:xfrm>
-            <a:off x="2808000" y="2187000"/>
-            <a:ext cx="3637080" cy="2133000"/>
-          </a:xfrm>
-          <a:prstGeom prst="rect">
-            <a:avLst/>
-          </a:prstGeom>
-        </p:spPr>
-        <p:txBody>
-          <a:bodyPr bIns="45000" lIns="90000" rIns="90000" tIns="45000" wrap="none"/>
-          <a:p>
-            <a:pPr algn="ctr"/>
+            <a:off x="6676595" y="1781295"/>
+            <a:ext cx="1211690" cy="369332"/>
+          </a:xfrm>
+          <a:prstGeom prst="rect">
+            <a:avLst/>
+          </a:prstGeom>
+          <a:noFill/>
+        </p:spPr>
+        <p:txBody>
+          <a:bodyPr wrap="none" rtlCol="0">
+            <a:spAutoFit/>
+          </a:bodyPr>
+          <a:lstStyle/>
+          <a:p>
             <a:r>
-              <a:rPr lang="de-DE" sz="7200">
-                <a:solidFill>
-                  <a:srgbClr val="3465a4"/>
-                </a:solidFill>
-              </a:rPr>
-              <a:t>Skedify</a:t>
+              <a:rPr lang="en-US" dirty="0" smtClean="0"/>
+              <a:t>ab123456</a:t>
             </a:r>
-            <a:endParaRPr/>
-          </a:p>
-          <a:p>
-            <a:pPr algn="ctr"/>
-            <a:r>
-              <a:rPr lang="de-DE" sz="7200">
-                <a:solidFill>
-                  <a:srgbClr val="3465a4"/>
-                </a:solidFill>
-              </a:rPr>
-              <a:t>In action</a:t>
-            </a:r>
-            <a:endParaRPr/>
-          </a:p>
-        </p:txBody>
-      </p:sp>
+            <a:endParaRPr lang="en-US" dirty="0"/>
+          </a:p>
+        </p:txBody>
+      </p:sp>
+      <p:cxnSp>
+        <p:nvCxnSpPr>
+          <p:cNvPr id="12" name="Straight Arrow Connector 11"/>
+          <p:cNvCxnSpPr>
+            <a:endCxn id="10" idx="1"/>
+          </p:cNvCxnSpPr>
+          <p:nvPr/>
+        </p:nvCxnSpPr>
+        <p:spPr>
+          <a:xfrm>
+            <a:off x="5409895" y="1963275"/>
+            <a:ext cx="1266700" cy="2686"/>
+          </a:xfrm>
+          <a:prstGeom prst="straightConnector1">
+            <a:avLst/>
+          </a:prstGeom>
+          <a:ln>
+            <a:tailEnd type="arrow"/>
+          </a:ln>
+        </p:spPr>
+        <p:style>
+          <a:lnRef idx="2">
+            <a:schemeClr val="accent1"/>
+          </a:lnRef>
+          <a:fillRef idx="0">
+            <a:schemeClr val="accent1"/>
+          </a:fillRef>
+          <a:effectRef idx="1">
+            <a:schemeClr val="accent1"/>
+          </a:effectRef>
+          <a:fontRef idx="minor">
+            <a:schemeClr val="tx1"/>
+          </a:fontRef>
+        </p:style>
+      </p:cxnSp>
+      <p:cxnSp>
+        <p:nvCxnSpPr>
+          <p:cNvPr id="16" name="Elbow Connector 15"/>
+          <p:cNvCxnSpPr>
+            <a:stCxn id="7" idx="1"/>
+            <a:endCxn id="5" idx="2"/>
+          </p:cNvCxnSpPr>
+          <p:nvPr/>
+        </p:nvCxnSpPr>
+        <p:spPr>
+          <a:xfrm rot="10800000">
+            <a:off x="4832624" y="4951058"/>
+            <a:ext cx="2030717" cy="649597"/>
+          </a:xfrm>
+          <a:prstGeom prst="bentConnector2">
+            <a:avLst/>
+          </a:prstGeom>
+          <a:ln>
+            <a:tailEnd type="arrow"/>
+          </a:ln>
+        </p:spPr>
+        <p:style>
+          <a:lnRef idx="2">
+            <a:schemeClr val="accent1"/>
+          </a:lnRef>
+          <a:fillRef idx="0">
+            <a:schemeClr val="accent1"/>
+          </a:fillRef>
+          <a:effectRef idx="1">
+            <a:schemeClr val="accent1"/>
+          </a:effectRef>
+          <a:fontRef idx="minor">
+            <a:schemeClr val="tx1"/>
+          </a:fontRef>
+        </p:style>
+      </p:cxnSp>
+      <p:cxnSp>
+        <p:nvCxnSpPr>
+          <p:cNvPr id="18" name="Straight Arrow Connector 17"/>
+          <p:cNvCxnSpPr>
+            <a:stCxn id="133" idx="2"/>
+            <a:endCxn id="7" idx="0"/>
+          </p:cNvCxnSpPr>
+          <p:nvPr/>
+        </p:nvCxnSpPr>
+        <p:spPr>
+          <a:xfrm>
+            <a:off x="7282440" y="4414320"/>
+            <a:ext cx="0" cy="767234"/>
+          </a:xfrm>
+          <a:prstGeom prst="straightConnector1">
+            <a:avLst/>
+          </a:prstGeom>
+          <a:ln>
+            <a:tailEnd type="arrow"/>
+          </a:ln>
+        </p:spPr>
+        <p:style>
+          <a:lnRef idx="2">
+            <a:schemeClr val="accent1"/>
+          </a:lnRef>
+          <a:fillRef idx="0">
+            <a:schemeClr val="accent1"/>
+          </a:fillRef>
+          <a:effectRef idx="1">
+            <a:schemeClr val="accent1"/>
+          </a:effectRef>
+          <a:fontRef idx="minor">
+            <a:schemeClr val="tx1"/>
+          </a:fontRef>
+        </p:style>
+      </p:cxnSp>
+      <p:cxnSp>
+        <p:nvCxnSpPr>
+          <p:cNvPr id="25" name="Straight Arrow Connector 24"/>
+          <p:cNvCxnSpPr>
+            <a:stCxn id="10" idx="2"/>
+            <a:endCxn id="133" idx="0"/>
+          </p:cNvCxnSpPr>
+          <p:nvPr/>
+        </p:nvCxnSpPr>
+        <p:spPr>
+          <a:xfrm>
+            <a:off x="7282440" y="2150627"/>
+            <a:ext cx="0" cy="807133"/>
+          </a:xfrm>
+          <a:prstGeom prst="straightConnector1">
+            <a:avLst/>
+          </a:prstGeom>
+          <a:ln>
+            <a:tailEnd type="arrow"/>
+          </a:ln>
+        </p:spPr>
+        <p:style>
+          <a:lnRef idx="2">
+            <a:schemeClr val="accent1"/>
+          </a:lnRef>
+          <a:fillRef idx="0">
+            <a:schemeClr val="accent1"/>
+          </a:fillRef>
+          <a:effectRef idx="1">
+            <a:schemeClr val="accent1"/>
+          </a:effectRef>
+          <a:fontRef idx="minor">
+            <a:schemeClr val="tx1"/>
+          </a:fontRef>
+        </p:style>
+      </p:cxnSp>
     </p:spTree>
   </p:cSld>
+  <p:clrMapOvr>
+    <a:masterClrMapping/>
+  </p:clrMapOvr>
 </p:sld>
 </file>
 
 <file path=ppt/slides/slide5.xml><?xml version="1.0" encoding="utf-8"?>
-<p:sld xmlns:a="http://schemas.openxmlformats.org/drawingml/2006/main" xmlns:p="http://schemas.openxmlformats.org/presentationml/2006/main" xmlns:r="http://schemas.openxmlformats.org/officeDocument/2006/relationships">
+<p:sld xmlns:a="http://schemas.openxmlformats.org/drawingml/2006/main" xmlns:r="http://schemas.openxmlformats.org/officeDocument/2006/relationships" xmlns:p="http://schemas.openxmlformats.org/presentationml/2006/main">
   <p:cSld>
     <p:spTree>
       <p:nvGrpSpPr>
@@ -5628,6 +6038,75 @@
       </p:grpSpPr>
       <p:sp>
         <p:nvSpPr>
+          <p:cNvPr id="143" name="TextShape 1"/>
+          <p:cNvSpPr txBox="1"/>
+          <p:nvPr/>
+        </p:nvSpPr>
+        <p:spPr>
+          <a:xfrm>
+            <a:off x="2808000" y="2187000"/>
+            <a:ext cx="3637080" cy="2133000"/>
+          </a:xfrm>
+          <a:prstGeom prst="rect">
+            <a:avLst/>
+          </a:prstGeom>
+        </p:spPr>
+        <p:txBody>
+          <a:bodyPr wrap="none" lIns="90000" tIns="45000" rIns="90000" bIns="45000"/>
+          <a:lstStyle/>
+          <a:p>
+            <a:pPr algn="ctr"/>
+            <a:r>
+              <a:rPr lang="de-DE" sz="7200">
+                <a:solidFill>
+                  <a:srgbClr val="3465A4"/>
+                </a:solidFill>
+              </a:rPr>
+              <a:t>Skedify</a:t>
+            </a:r>
+            <a:endParaRPr/>
+          </a:p>
+          <a:p>
+            <a:pPr algn="ctr"/>
+            <a:r>
+              <a:rPr lang="de-DE" sz="7200">
+                <a:solidFill>
+                  <a:srgbClr val="3465A4"/>
+                </a:solidFill>
+              </a:rPr>
+              <a:t>In action</a:t>
+            </a:r>
+            <a:endParaRPr/>
+          </a:p>
+        </p:txBody>
+      </p:sp>
+    </p:spTree>
+  </p:cSld>
+  <p:clrMapOvr>
+    <a:masterClrMapping/>
+  </p:clrMapOvr>
+</p:sld>
+</file>
+
+<file path=ppt/slides/slide6.xml><?xml version="1.0" encoding="utf-8"?>
+<p:sld xmlns:a="http://schemas.openxmlformats.org/drawingml/2006/main" xmlns:r="http://schemas.openxmlformats.org/officeDocument/2006/relationships" xmlns:p="http://schemas.openxmlformats.org/presentationml/2006/main">
+  <p:cSld>
+    <p:spTree>
+      <p:nvGrpSpPr>
+        <p:cNvPr id="1" name=""/>
+        <p:cNvGrpSpPr/>
+        <p:nvPr/>
+      </p:nvGrpSpPr>
+      <p:grpSpPr>
+        <a:xfrm>
+          <a:off x="0" y="0"/>
+          <a:ext cx="0" cy="0"/>
+          <a:chOff x="0" y="0"/>
+          <a:chExt cx="0" cy="0"/>
+        </a:xfrm>
+      </p:grpSpPr>
+      <p:sp>
+        <p:nvSpPr>
           <p:cNvPr id="144" name="TextShape 1"/>
           <p:cNvSpPr txBox="1"/>
           <p:nvPr/>
@@ -5642,12 +6121,13 @@
           </a:prstGeom>
         </p:spPr>
         <p:txBody>
-          <a:bodyPr bIns="45000" lIns="90000" rIns="90000" tIns="45000" wrap="none"/>
+          <a:bodyPr wrap="none" lIns="90000" tIns="45000" rIns="90000" bIns="45000"/>
+          <a:lstStyle/>
           <a:p>
             <a:r>
               <a:rPr lang="de-DE" sz="4800">
                 <a:solidFill>
-                  <a:srgbClr val="3465a4"/>
+                  <a:srgbClr val="3465A4"/>
                 </a:solidFill>
               </a:rPr>
               <a:t>Forecast / Conclusion</a:t>
@@ -5672,7 +6152,8 @@
           </a:prstGeom>
         </p:spPr>
         <p:txBody>
-          <a:bodyPr bIns="45000" lIns="90000" rIns="90000" tIns="45000" wrap="none"/>
+          <a:bodyPr wrap="none" lIns="90000" tIns="45000" rIns="90000" bIns="45000"/>
+          <a:lstStyle/>
           <a:p>
             <a:pPr>
               <a:buSzPct val="25000"/>
@@ -5685,15 +6166,7 @@
                   <a:srgbClr val="333333"/>
                 </a:solidFill>
               </a:rPr>
-              <a:t>Secure authentication</a:t>
-            </a:r>
-            <a:r>
-              <a:rPr lang="de-DE" sz="4000">
-                <a:solidFill>
-                  <a:srgbClr val="333333"/>
-                </a:solidFill>
-              </a:rPr>
-              <a:t>
+              <a:t>Secure authentication
 </a:t>
             </a:r>
             <a:endParaRPr/>
@@ -5718,6 +6191,9 @@
       </p:sp>
     </p:spTree>
   </p:cSld>
+  <p:clrMapOvr>
+    <a:masterClrMapping/>
+  </p:clrMapOvr>
 </p:sld>
 </file>
 
@@ -5941,6 +6417,8 @@
       </a:bgFillStyleLst>
     </a:fmtScheme>
   </a:themeElements>
+  <a:objectDefaults/>
+  <a:extraClrSchemeLst/>
 </a:theme>
 </file>
 
@@ -6164,6 +6642,8 @@
       </a:bgFillStyleLst>
     </a:fmtScheme>
   </a:themeElements>
+  <a:objectDefaults/>
+  <a:extraClrSchemeLst/>
 </a:theme>
 </file>
 
@@ -6387,6 +6867,8 @@
       </a:bgFillStyleLst>
     </a:fmtScheme>
   </a:themeElements>
+  <a:objectDefaults/>
+  <a:extraClrSchemeLst/>
 </a:theme>
 </file>
 
@@ -6610,5 +7092,7 @@
       </a:bgFillStyleLst>
     </a:fmtScheme>
   </a:themeElements>
+  <a:objectDefaults/>
+  <a:extraClrSchemeLst/>
 </a:theme>
 </file>
--- a/Presentation-Tobi.pptx
+++ b/Presentation-Tobi.pptx
@@ -4749,7 +4749,7 @@
               </a:lnSpc>
             </a:pPr>
             <a:r>
-              <a:rPr lang="de-DE" sz="12780">
+              <a:rPr lang="de-DE" sz="12780" dirty="0" err="1">
                 <a:solidFill>
                   <a:srgbClr val="3465A4"/>
                 </a:solidFill>
@@ -4757,7 +4757,7 @@
               </a:rPr>
               <a:t>Skedify</a:t>
             </a:r>
-            <a:endParaRPr/>
+            <a:endParaRPr dirty="0"/>
           </a:p>
         </p:txBody>
       </p:sp>
@@ -4875,6 +4875,13 @@
   <p:clrMapOvr>
     <a:masterClrMapping/>
   </p:clrMapOvr>
+  <p:timing>
+    <p:tnLst>
+      <p:par>
+        <p:cTn xmlns:p14="http://schemas.microsoft.com/office/powerpoint/2010/main" id="1" dur="indefinite" restart="never" nodeType="tmRoot"/>
+      </p:par>
+    </p:tnLst>
+  </p:timing>
 </p:sld>
 </file>
 
@@ -4897,25 +4904,6 @@
       </p:grpSpPr>
       <p:sp>
         <p:nvSpPr>
-          <p:cNvPr id="2" name="Title 1"/>
-          <p:cNvSpPr>
-            <a:spLocks noGrp="1"/>
-          </p:cNvSpPr>
-          <p:nvPr>
-            <p:ph type="title"/>
-          </p:nvPr>
-        </p:nvSpPr>
-        <p:spPr/>
-        <p:txBody>
-          <a:bodyPr/>
-          <a:lstStyle/>
-          <a:p>
-            <a:endParaRPr lang="en-US" sz="2800" dirty="0"/>
-          </a:p>
-        </p:txBody>
-      </p:sp>
-      <p:sp>
-        <p:nvSpPr>
           <p:cNvPr id="3" name="Subtitle 2"/>
           <p:cNvSpPr>
             <a:spLocks noGrp="1"/>
@@ -5020,14 +5008,14 @@
       </p:sp>
       <p:sp>
         <p:nvSpPr>
-          <p:cNvPr id="4" name="CustomShape 1"/>
+          <p:cNvPr id="5" name="CustomShape 1"/>
           <p:cNvSpPr/>
           <p:nvPr/>
         </p:nvSpPr>
         <p:spPr>
           <a:xfrm>
-            <a:off x="457200" y="274680"/>
-            <a:ext cx="8228520" cy="1141920"/>
+            <a:off x="457200" y="187133"/>
+            <a:ext cx="7771320" cy="1468800"/>
           </a:xfrm>
           <a:prstGeom prst="rect">
             <a:avLst/>
@@ -5047,17 +5035,17 @@
               </a:lnSpc>
             </a:pPr>
             <a:r>
-              <a:rPr lang="de-DE" sz="4400" dirty="0" err="1" smtClean="0">
+              <a:rPr lang="de-DE" sz="9600" dirty="0" err="1" smtClean="0">
                 <a:solidFill>
-                  <a:srgbClr val="000000"/>
+                  <a:srgbClr val="3465A4"/>
                 </a:solidFill>
                 <a:latin typeface="Calibri"/>
               </a:rPr>
               <a:t>Pain</a:t>
             </a:r>
-            <a:endParaRPr lang="de-DE" sz="4400" dirty="0" smtClean="0">
+            <a:endParaRPr lang="de-DE" sz="9600" dirty="0" smtClean="0">
               <a:solidFill>
-                <a:srgbClr val="000000"/>
+                <a:srgbClr val="3465A4"/>
               </a:solidFill>
               <a:latin typeface="Calibri"/>
             </a:endParaRPr>
@@ -5074,6 +5062,13 @@
   <p:clrMapOvr>
     <a:masterClrMapping/>
   </p:clrMapOvr>
+  <p:timing>
+    <p:tnLst>
+      <p:par>
+        <p:cTn xmlns:p14="http://schemas.microsoft.com/office/powerpoint/2010/main" id="1" dur="indefinite" restart="never" nodeType="tmRoot"/>
+      </p:par>
+    </p:tnLst>
+  </p:timing>
 </p:sld>
 </file>
 
@@ -5123,14 +5118,14 @@
               </a:lnSpc>
             </a:pPr>
             <a:r>
-              <a:rPr lang="de-DE" sz="7200">
+              <a:rPr lang="de-DE" sz="7200" dirty="0">
                 <a:solidFill>
                   <a:srgbClr val="808080"/>
                 </a:solidFill>
               </a:rPr>
               <a:t>Solution</a:t>
             </a:r>
-            <a:endParaRPr/>
+            <a:endParaRPr dirty="0"/>
           </a:p>
         </p:txBody>
       </p:sp>
@@ -5438,15 +5433,56 @@
           <a:bodyPr wrap="none" lIns="90000" tIns="45000" rIns="90000" bIns="45000"/>
           <a:lstStyle/>
           <a:p>
+            <a:pPr algn="ctr"/>
             <a:r>
-              <a:rPr lang="de-DE" sz="2600">
+              <a:rPr lang="de-DE" sz="2000" dirty="0" err="1">
                 <a:solidFill>
                   <a:srgbClr val="333333"/>
                 </a:solidFill>
               </a:rPr>
-              <a:t>Finding a common meeting time</a:t>
+              <a:t>Finding</a:t>
             </a:r>
-            <a:endParaRPr/>
+            <a:r>
+              <a:rPr lang="de-DE" sz="2000" dirty="0">
+                <a:solidFill>
+                  <a:srgbClr val="333333"/>
+                </a:solidFill>
+              </a:rPr>
+              <a:t> a </a:t>
+            </a:r>
+            <a:r>
+              <a:rPr lang="de-DE" sz="2000" dirty="0" err="1">
+                <a:solidFill>
+                  <a:srgbClr val="333333"/>
+                </a:solidFill>
+              </a:rPr>
+              <a:t>common</a:t>
+            </a:r>
+            <a:r>
+              <a:rPr lang="de-DE" sz="2000" dirty="0">
+                <a:solidFill>
+                  <a:srgbClr val="333333"/>
+                </a:solidFill>
+              </a:rPr>
+              <a:t> </a:t>
+            </a:r>
+            <a:r>
+              <a:rPr lang="de-DE" sz="2000" dirty="0" err="1">
+                <a:solidFill>
+                  <a:srgbClr val="333333"/>
+                </a:solidFill>
+              </a:rPr>
+              <a:t>meeting</a:t>
+            </a:r>
+            <a:r>
+              <a:rPr lang="de-DE" sz="2000" dirty="0">
+                <a:solidFill>
+                  <a:srgbClr val="333333"/>
+                </a:solidFill>
+              </a:rPr>
+              <a:t> time</a:t>
+            </a:r>
+            <a:endParaRPr sz="2000" dirty="0"/>
           </a:p>
           <a:p>
             <a:pPr algn="ctr">
@@ -5455,14 +5491,30 @@
               </a:lnSpc>
             </a:pPr>
             <a:r>
-              <a:rPr lang="de-DE" sz="2600">
+              <a:rPr lang="de-DE" sz="2000" dirty="0" err="1">
                 <a:solidFill>
                   <a:srgbClr val="333333"/>
                 </a:solidFill>
               </a:rPr>
-              <a:t>among multiple students</a:t>
+              <a:t>among</a:t>
             </a:r>
-            <a:endParaRPr/>
+            <a:r>
+              <a:rPr lang="de-DE" sz="2000" dirty="0">
+                <a:solidFill>
+                  <a:srgbClr val="333333"/>
+                </a:solidFill>
+              </a:rPr>
+              <a:t> multiple </a:t>
+            </a:r>
+            <a:r>
+              <a:rPr lang="de-DE" sz="2000" dirty="0" err="1">
+                <a:solidFill>
+                  <a:srgbClr val="333333"/>
+                </a:solidFill>
+              </a:rPr>
+              <a:t>students</a:t>
+            </a:r>
+            <a:endParaRPr sz="2000" dirty="0"/>
           </a:p>
         </p:txBody>
       </p:sp>
@@ -5471,6 +5523,13 @@
   <p:clrMapOvr>
     <a:masterClrMapping/>
   </p:clrMapOvr>
+  <p:timing>
+    <p:tnLst>
+      <p:par>
+        <p:cTn xmlns:p14="http://schemas.microsoft.com/office/powerpoint/2010/main" id="1" dur="indefinite" restart="never" nodeType="tmRoot"/>
+      </p:par>
+    </p:tnLst>
+  </p:timing>
 </p:sld>
 </file>
 
@@ -5621,7 +5680,7 @@
         </p:nvSpPr>
         <p:spPr>
           <a:xfrm>
-            <a:off x="4243680" y="1760400"/>
+            <a:off x="5494320" y="1459726"/>
             <a:ext cx="727560" cy="363960"/>
           </a:xfrm>
           <a:prstGeom prst="rect">
@@ -5642,7 +5701,7 @@
               </a:lnSpc>
             </a:pPr>
             <a:r>
-              <a:rPr lang="de-DE">
+              <a:rPr lang="de-DE" dirty="0">
                 <a:solidFill>
                   <a:srgbClr val="000000"/>
                 </a:solidFill>
@@ -5650,7 +5709,7 @@
               </a:rPr>
               <a:t>First Login</a:t>
             </a:r>
-            <a:endParaRPr/>
+            <a:endParaRPr dirty="0"/>
           </a:p>
         </p:txBody>
       </p:sp>
@@ -6016,6 +6075,536 @@
   <p:clrMapOvr>
     <a:masterClrMapping/>
   </p:clrMapOvr>
+  <p:timing>
+    <p:tnLst>
+      <p:par>
+        <p:cTn xmlns:p14="http://schemas.microsoft.com/office/powerpoint/2010/main" id="1" dur="indefinite" restart="never" nodeType="tmRoot">
+          <p:childTnLst>
+            <p:seq concurrent="1" nextAc="seek">
+              <p:cTn id="2" dur="indefinite" nodeType="mainSeq">
+                <p:childTnLst>
+                  <p:par>
+                    <p:cTn id="3" fill="hold">
+                      <p:stCondLst>
+                        <p:cond delay="indefinite"/>
+                      </p:stCondLst>
+                      <p:childTnLst>
+                        <p:par>
+                          <p:cTn id="4" fill="hold">
+                            <p:stCondLst>
+                              <p:cond delay="0"/>
+                            </p:stCondLst>
+                            <p:childTnLst>
+                              <p:par>
+                                <p:cTn id="5" presetID="1" presetClass="entr" presetSubtype="0" fill="hold" nodeType="clickEffect">
+                                  <p:stCondLst>
+                                    <p:cond delay="0"/>
+                                  </p:stCondLst>
+                                  <p:childTnLst>
+                                    <p:set>
+                                      <p:cBhvr>
+                                        <p:cTn id="6" dur="1" fill="hold">
+                                          <p:stCondLst>
+                                            <p:cond delay="0"/>
+                                          </p:stCondLst>
+                                        </p:cTn>
+                                        <p:tgtEl>
+                                          <p:spTgt spid="5"/>
+                                        </p:tgtEl>
+                                        <p:attrNameLst>
+                                          <p:attrName>style.visibility</p:attrName>
+                                        </p:attrNameLst>
+                                      </p:cBhvr>
+                                      <p:to>
+                                        <p:strVal val="visible"/>
+                                      </p:to>
+                                    </p:set>
+                                  </p:childTnLst>
+                                </p:cTn>
+                              </p:par>
+                            </p:childTnLst>
+                          </p:cTn>
+                        </p:par>
+                      </p:childTnLst>
+                    </p:cTn>
+                  </p:par>
+                  <p:par>
+                    <p:cTn id="7" fill="hold">
+                      <p:stCondLst>
+                        <p:cond delay="indefinite"/>
+                      </p:stCondLst>
+                      <p:childTnLst>
+                        <p:par>
+                          <p:cTn id="8" fill="hold">
+                            <p:stCondLst>
+                              <p:cond delay="0"/>
+                            </p:stCondLst>
+                            <p:childTnLst>
+                              <p:par>
+                                <p:cTn id="9" presetID="1" presetClass="entr" presetSubtype="0" fill="hold" grpId="0" nodeType="clickEffect">
+                                  <p:stCondLst>
+                                    <p:cond delay="0"/>
+                                  </p:stCondLst>
+                                  <p:childTnLst>
+                                    <p:set>
+                                      <p:cBhvr>
+                                        <p:cTn id="10" dur="1" fill="hold">
+                                          <p:stCondLst>
+                                            <p:cond delay="0"/>
+                                          </p:stCondLst>
+                                        </p:cTn>
+                                        <p:tgtEl>
+                                          <p:spTgt spid="142"/>
+                                        </p:tgtEl>
+                                        <p:attrNameLst>
+                                          <p:attrName>style.visibility</p:attrName>
+                                        </p:attrNameLst>
+                                      </p:cBhvr>
+                                      <p:to>
+                                        <p:strVal val="visible"/>
+                                      </p:to>
+                                    </p:set>
+                                  </p:childTnLst>
+                                </p:cTn>
+                              </p:par>
+                              <p:par>
+                                <p:cTn id="11" presetID="1" presetClass="entr" presetSubtype="0" fill="hold" nodeType="withEffect">
+                                  <p:stCondLst>
+                                    <p:cond delay="0"/>
+                                  </p:stCondLst>
+                                  <p:childTnLst>
+                                    <p:set>
+                                      <p:cBhvr>
+                                        <p:cTn id="12" dur="1" fill="hold">
+                                          <p:stCondLst>
+                                            <p:cond delay="0"/>
+                                          </p:stCondLst>
+                                        </p:cTn>
+                                        <p:tgtEl>
+                                          <p:spTgt spid="12"/>
+                                        </p:tgtEl>
+                                        <p:attrNameLst>
+                                          <p:attrName>style.visibility</p:attrName>
+                                        </p:attrNameLst>
+                                      </p:cBhvr>
+                                      <p:to>
+                                        <p:strVal val="visible"/>
+                                      </p:to>
+                                    </p:set>
+                                  </p:childTnLst>
+                                </p:cTn>
+                              </p:par>
+                            </p:childTnLst>
+                          </p:cTn>
+                        </p:par>
+                      </p:childTnLst>
+                    </p:cTn>
+                  </p:par>
+                  <p:par>
+                    <p:cTn id="13" fill="hold">
+                      <p:stCondLst>
+                        <p:cond delay="indefinite"/>
+                      </p:stCondLst>
+                      <p:childTnLst>
+                        <p:par>
+                          <p:cTn id="14" fill="hold">
+                            <p:stCondLst>
+                              <p:cond delay="0"/>
+                            </p:stCondLst>
+                            <p:childTnLst>
+                              <p:par>
+                                <p:cTn id="15" presetID="1" presetClass="entr" presetSubtype="0" fill="hold" grpId="0" nodeType="clickEffect">
+                                  <p:stCondLst>
+                                    <p:cond delay="0"/>
+                                  </p:stCondLst>
+                                  <p:childTnLst>
+                                    <p:set>
+                                      <p:cBhvr>
+                                        <p:cTn id="16" dur="1" fill="hold">
+                                          <p:stCondLst>
+                                            <p:cond delay="0"/>
+                                          </p:stCondLst>
+                                        </p:cTn>
+                                        <p:tgtEl>
+                                          <p:spTgt spid="10"/>
+                                        </p:tgtEl>
+                                        <p:attrNameLst>
+                                          <p:attrName>style.visibility</p:attrName>
+                                        </p:attrNameLst>
+                                      </p:cBhvr>
+                                      <p:to>
+                                        <p:strVal val="visible"/>
+                                      </p:to>
+                                    </p:set>
+                                  </p:childTnLst>
+                                </p:cTn>
+                              </p:par>
+                            </p:childTnLst>
+                          </p:cTn>
+                        </p:par>
+                      </p:childTnLst>
+                    </p:cTn>
+                  </p:par>
+                  <p:par>
+                    <p:cTn id="17" fill="hold">
+                      <p:stCondLst>
+                        <p:cond delay="indefinite"/>
+                      </p:stCondLst>
+                      <p:childTnLst>
+                        <p:par>
+                          <p:cTn id="18" fill="hold">
+                            <p:stCondLst>
+                              <p:cond delay="0"/>
+                            </p:stCondLst>
+                            <p:childTnLst>
+                              <p:par>
+                                <p:cTn id="19" presetID="1" presetClass="entr" presetSubtype="0" fill="hold" grpId="0" nodeType="clickEffect">
+                                  <p:stCondLst>
+                                    <p:cond delay="0"/>
+                                  </p:stCondLst>
+                                  <p:childTnLst>
+                                    <p:set>
+                                      <p:cBhvr>
+                                        <p:cTn id="20" dur="1" fill="hold">
+                                          <p:stCondLst>
+                                            <p:cond delay="0"/>
+                                          </p:stCondLst>
+                                        </p:cTn>
+                                        <p:tgtEl>
+                                          <p:spTgt spid="133"/>
+                                        </p:tgtEl>
+                                        <p:attrNameLst>
+                                          <p:attrName>style.visibility</p:attrName>
+                                        </p:attrNameLst>
+                                      </p:cBhvr>
+                                      <p:to>
+                                        <p:strVal val="visible"/>
+                                      </p:to>
+                                    </p:set>
+                                  </p:childTnLst>
+                                </p:cTn>
+                              </p:par>
+                              <p:par>
+                                <p:cTn id="21" presetID="1" presetClass="entr" presetSubtype="0" fill="hold" nodeType="withEffect">
+                                  <p:stCondLst>
+                                    <p:cond delay="0"/>
+                                  </p:stCondLst>
+                                  <p:childTnLst>
+                                    <p:set>
+                                      <p:cBhvr>
+                                        <p:cTn id="22" dur="1" fill="hold">
+                                          <p:stCondLst>
+                                            <p:cond delay="0"/>
+                                          </p:stCondLst>
+                                        </p:cTn>
+                                        <p:tgtEl>
+                                          <p:spTgt spid="25"/>
+                                        </p:tgtEl>
+                                        <p:attrNameLst>
+                                          <p:attrName>style.visibility</p:attrName>
+                                        </p:attrNameLst>
+                                      </p:cBhvr>
+                                      <p:to>
+                                        <p:strVal val="visible"/>
+                                      </p:to>
+                                    </p:set>
+                                  </p:childTnLst>
+                                </p:cTn>
+                              </p:par>
+                            </p:childTnLst>
+                          </p:cTn>
+                        </p:par>
+                      </p:childTnLst>
+                    </p:cTn>
+                  </p:par>
+                  <p:par>
+                    <p:cTn id="23" fill="hold">
+                      <p:stCondLst>
+                        <p:cond delay="indefinite"/>
+                      </p:stCondLst>
+                      <p:childTnLst>
+                        <p:par>
+                          <p:cTn id="24" fill="hold">
+                            <p:stCondLst>
+                              <p:cond delay="0"/>
+                            </p:stCondLst>
+                            <p:childTnLst>
+                              <p:par>
+                                <p:cTn id="25" presetID="1" presetClass="entr" presetSubtype="0" fill="hold" nodeType="clickEffect">
+                                  <p:stCondLst>
+                                    <p:cond delay="0"/>
+                                  </p:stCondLst>
+                                  <p:childTnLst>
+                                    <p:set>
+                                      <p:cBhvr>
+                                        <p:cTn id="26" dur="1" fill="hold">
+                                          <p:stCondLst>
+                                            <p:cond delay="0"/>
+                                          </p:stCondLst>
+                                        </p:cTn>
+                                        <p:tgtEl>
+                                          <p:spTgt spid="18"/>
+                                        </p:tgtEl>
+                                        <p:attrNameLst>
+                                          <p:attrName>style.visibility</p:attrName>
+                                        </p:attrNameLst>
+                                      </p:cBhvr>
+                                      <p:to>
+                                        <p:strVal val="visible"/>
+                                      </p:to>
+                                    </p:set>
+                                  </p:childTnLst>
+                                </p:cTn>
+                              </p:par>
+                              <p:par>
+                                <p:cTn id="27" presetID="1" presetClass="entr" presetSubtype="0" fill="hold" nodeType="withEffect">
+                                  <p:stCondLst>
+                                    <p:cond delay="0"/>
+                                  </p:stCondLst>
+                                  <p:childTnLst>
+                                    <p:set>
+                                      <p:cBhvr>
+                                        <p:cTn id="28" dur="1" fill="hold">
+                                          <p:stCondLst>
+                                            <p:cond delay="0"/>
+                                          </p:stCondLst>
+                                        </p:cTn>
+                                        <p:tgtEl>
+                                          <p:spTgt spid="7"/>
+                                        </p:tgtEl>
+                                        <p:attrNameLst>
+                                          <p:attrName>style.visibility</p:attrName>
+                                        </p:attrNameLst>
+                                      </p:cBhvr>
+                                      <p:to>
+                                        <p:strVal val="visible"/>
+                                      </p:to>
+                                    </p:set>
+                                  </p:childTnLst>
+                                </p:cTn>
+                              </p:par>
+                            </p:childTnLst>
+                          </p:cTn>
+                        </p:par>
+                      </p:childTnLst>
+                    </p:cTn>
+                  </p:par>
+                  <p:par>
+                    <p:cTn id="29" fill="hold">
+                      <p:stCondLst>
+                        <p:cond delay="indefinite"/>
+                      </p:stCondLst>
+                      <p:childTnLst>
+                        <p:par>
+                          <p:cTn id="30" fill="hold">
+                            <p:stCondLst>
+                              <p:cond delay="0"/>
+                            </p:stCondLst>
+                            <p:childTnLst>
+                              <p:par>
+                                <p:cTn id="31" presetID="1" presetClass="entr" presetSubtype="0" fill="hold" nodeType="clickEffect">
+                                  <p:stCondLst>
+                                    <p:cond delay="0"/>
+                                  </p:stCondLst>
+                                  <p:childTnLst>
+                                    <p:set>
+                                      <p:cBhvr>
+                                        <p:cTn id="32" dur="1" fill="hold">
+                                          <p:stCondLst>
+                                            <p:cond delay="0"/>
+                                          </p:stCondLst>
+                                        </p:cTn>
+                                        <p:tgtEl>
+                                          <p:spTgt spid="16"/>
+                                        </p:tgtEl>
+                                        <p:attrNameLst>
+                                          <p:attrName>style.visibility</p:attrName>
+                                        </p:attrNameLst>
+                                      </p:cBhvr>
+                                      <p:to>
+                                        <p:strVal val="visible"/>
+                                      </p:to>
+                                    </p:set>
+                                  </p:childTnLst>
+                                </p:cTn>
+                              </p:par>
+                              <p:par>
+                                <p:cTn id="33" presetID="1" presetClass="entr" presetSubtype="0" fill="hold" nodeType="withEffect">
+                                  <p:stCondLst>
+                                    <p:cond delay="0"/>
+                                  </p:stCondLst>
+                                  <p:childTnLst>
+                                    <p:set>
+                                      <p:cBhvr>
+                                        <p:cTn id="34" dur="1" fill="hold">
+                                          <p:stCondLst>
+                                            <p:cond delay="0"/>
+                                          </p:stCondLst>
+                                        </p:cTn>
+                                        <p:tgtEl>
+                                          <p:spTgt spid="3"/>
+                                        </p:tgtEl>
+                                        <p:attrNameLst>
+                                          <p:attrName>style.visibility</p:attrName>
+                                        </p:attrNameLst>
+                                      </p:cBhvr>
+                                      <p:to>
+                                        <p:strVal val="visible"/>
+                                      </p:to>
+                                    </p:set>
+                                  </p:childTnLst>
+                                </p:cTn>
+                              </p:par>
+                            </p:childTnLst>
+                          </p:cTn>
+                        </p:par>
+                      </p:childTnLst>
+                    </p:cTn>
+                  </p:par>
+                  <p:par>
+                    <p:cTn id="35" fill="hold">
+                      <p:stCondLst>
+                        <p:cond delay="indefinite"/>
+                      </p:stCondLst>
+                      <p:childTnLst>
+                        <p:par>
+                          <p:cTn id="36" fill="hold">
+                            <p:stCondLst>
+                              <p:cond delay="0"/>
+                            </p:stCondLst>
+                            <p:childTnLst>
+                              <p:par>
+                                <p:cTn id="37" presetID="1" presetClass="entr" presetSubtype="0" fill="hold" nodeType="clickEffect">
+                                  <p:stCondLst>
+                                    <p:cond delay="0"/>
+                                  </p:stCondLst>
+                                  <p:childTnLst>
+                                    <p:set>
+                                      <p:cBhvr>
+                                        <p:cTn id="38" dur="1" fill="hold">
+                                          <p:stCondLst>
+                                            <p:cond delay="0"/>
+                                          </p:stCondLst>
+                                        </p:cTn>
+                                        <p:tgtEl>
+                                          <p:spTgt spid="4"/>
+                                        </p:tgtEl>
+                                        <p:attrNameLst>
+                                          <p:attrName>style.visibility</p:attrName>
+                                        </p:attrNameLst>
+                                      </p:cBhvr>
+                                      <p:to>
+                                        <p:strVal val="visible"/>
+                                      </p:to>
+                                    </p:set>
+                                  </p:childTnLst>
+                                </p:cTn>
+                              </p:par>
+                            </p:childTnLst>
+                          </p:cTn>
+                        </p:par>
+                      </p:childTnLst>
+                    </p:cTn>
+                  </p:par>
+                  <p:par>
+                    <p:cTn id="39" fill="hold">
+                      <p:stCondLst>
+                        <p:cond delay="indefinite"/>
+                      </p:stCondLst>
+                      <p:childTnLst>
+                        <p:par>
+                          <p:cTn id="40" fill="hold">
+                            <p:stCondLst>
+                              <p:cond delay="0"/>
+                            </p:stCondLst>
+                            <p:childTnLst>
+                              <p:par>
+                                <p:cTn id="41" presetID="1" presetClass="entr" presetSubtype="0" fill="hold" nodeType="clickEffect">
+                                  <p:stCondLst>
+                                    <p:cond delay="0"/>
+                                  </p:stCondLst>
+                                  <p:childTnLst>
+                                    <p:set>
+                                      <p:cBhvr>
+                                        <p:cTn id="42" dur="1" fill="hold">
+                                          <p:stCondLst>
+                                            <p:cond delay="0"/>
+                                          </p:stCondLst>
+                                        </p:cTn>
+                                        <p:tgtEl>
+                                          <p:spTgt spid="9"/>
+                                        </p:tgtEl>
+                                        <p:attrNameLst>
+                                          <p:attrName>style.visibility</p:attrName>
+                                        </p:attrNameLst>
+                                      </p:cBhvr>
+                                      <p:to>
+                                        <p:strVal val="visible"/>
+                                      </p:to>
+                                    </p:set>
+                                  </p:childTnLst>
+                                </p:cTn>
+                              </p:par>
+                              <p:par>
+                                <p:cTn id="43" presetID="1" presetClass="entr" presetSubtype="0" fill="hold" nodeType="withEffect">
+                                  <p:stCondLst>
+                                    <p:cond delay="0"/>
+                                  </p:stCondLst>
+                                  <p:childTnLst>
+                                    <p:set>
+                                      <p:cBhvr>
+                                        <p:cTn id="44" dur="1" fill="hold">
+                                          <p:stCondLst>
+                                            <p:cond delay="0"/>
+                                          </p:stCondLst>
+                                        </p:cTn>
+                                        <p:tgtEl>
+                                          <p:spTgt spid="2"/>
+                                        </p:tgtEl>
+                                        <p:attrNameLst>
+                                          <p:attrName>style.visibility</p:attrName>
+                                        </p:attrNameLst>
+                                      </p:cBhvr>
+                                      <p:to>
+                                        <p:strVal val="visible"/>
+                                      </p:to>
+                                    </p:set>
+                                  </p:childTnLst>
+                                </p:cTn>
+                              </p:par>
+                            </p:childTnLst>
+                          </p:cTn>
+                        </p:par>
+                      </p:childTnLst>
+                    </p:cTn>
+                  </p:par>
+                </p:childTnLst>
+              </p:cTn>
+              <p:prevCondLst>
+                <p:cond evt="onPrev" delay="0">
+                  <p:tgtEl>
+                    <p:sldTgt/>
+                  </p:tgtEl>
+                </p:cond>
+              </p:prevCondLst>
+              <p:nextCondLst>
+                <p:cond evt="onNext" delay="0">
+                  <p:tgtEl>
+                    <p:sldTgt/>
+                  </p:tgtEl>
+                </p:cond>
+              </p:nextCondLst>
+            </p:seq>
+          </p:childTnLst>
+        </p:cTn>
+      </p:par>
+    </p:tnLst>
+    <p:bldLst>
+      <p:bldP spid="133" grpId="0" animBg="1"/>
+      <p:bldP spid="142" grpId="0"/>
+      <p:bldP spid="10" grpId="0"/>
+    </p:bldLst>
+  </p:timing>
 </p:sld>
 </file>
 
@@ -6085,6 +6674,13 @@
   <p:clrMapOvr>
     <a:masterClrMapping/>
   </p:clrMapOvr>
+  <p:timing>
+    <p:tnLst>
+      <p:par>
+        <p:cTn xmlns:p14="http://schemas.microsoft.com/office/powerpoint/2010/main" id="1" dur="indefinite" restart="never" nodeType="tmRoot"/>
+      </p:par>
+    </p:tnLst>
+  </p:timing>
 </p:sld>
 </file>
 
@@ -6194,6 +6790,13 @@
   <p:clrMapOvr>
     <a:masterClrMapping/>
   </p:clrMapOvr>
+  <p:timing>
+    <p:tnLst>
+      <p:par>
+        <p:cTn xmlns:p14="http://schemas.microsoft.com/office/powerpoint/2010/main" id="1" dur="indefinite" restart="never" nodeType="tmRoot"/>
+      </p:par>
+    </p:tnLst>
+  </p:timing>
 </p:sld>
 </file>
 
